--- a/Slides/Basketball 2/Basketball_2_Lecture.pptx
+++ b/Slides/Basketball 2/Basketball_2_Lecture.pptx
@@ -5,7 +5,7 @@
     <p:sldMasterId id="2147483713" r:id="rId1"/>
   </p:sldMasterIdLst>
   <p:notesMasterIdLst>
-    <p:notesMasterId r:id="rId13"/>
+    <p:notesMasterId r:id="rId16"/>
   </p:notesMasterIdLst>
   <p:sldIdLst>
     <p:sldId id="298" r:id="rId2"/>
@@ -17,8 +17,11 @@
     <p:sldId id="306" r:id="rId8"/>
     <p:sldId id="309" r:id="rId9"/>
     <p:sldId id="307" r:id="rId10"/>
-    <p:sldId id="301" r:id="rId11"/>
-    <p:sldId id="281" r:id="rId12"/>
+    <p:sldId id="310" r:id="rId11"/>
+    <p:sldId id="311" r:id="rId12"/>
+    <p:sldId id="312" r:id="rId13"/>
+    <p:sldId id="313" r:id="rId14"/>
+    <p:sldId id="281" r:id="rId15"/>
   </p:sldIdLst>
   <p:sldSz cx="12192000" cy="6858000"/>
   <p:notesSz cx="6858000" cy="9144000"/>
@@ -570,6 +573,90 @@
 </p:notes>
 </file>
 
+<file path=ppt/notesSlides/notesSlide10.xml><?xml version="1.0" encoding="utf-8"?>
+<p:notes xmlns:a="http://schemas.openxmlformats.org/drawingml/2006/main" xmlns:r="http://schemas.openxmlformats.org/officeDocument/2006/relationships" xmlns:p="http://schemas.openxmlformats.org/presentationml/2006/main">
+  <p:cSld>
+    <p:spTree>
+      <p:nvGrpSpPr>
+        <p:cNvPr id="1" name=""/>
+        <p:cNvGrpSpPr/>
+        <p:nvPr/>
+      </p:nvGrpSpPr>
+      <p:grpSpPr>
+        <a:xfrm>
+          <a:off x="0" y="0"/>
+          <a:ext cx="0" cy="0"/>
+          <a:chOff x="0" y="0"/>
+          <a:chExt cx="0" cy="0"/>
+        </a:xfrm>
+      </p:grpSpPr>
+      <p:sp>
+        <p:nvSpPr>
+          <p:cNvPr id="2" name="Slide Image Placeholder 1"/>
+          <p:cNvSpPr>
+            <a:spLocks noGrp="1" noRot="1" noChangeAspect="1"/>
+          </p:cNvSpPr>
+          <p:nvPr>
+            <p:ph type="sldImg"/>
+          </p:nvPr>
+        </p:nvSpPr>
+        <p:spPr/>
+      </p:sp>
+      <p:sp>
+        <p:nvSpPr>
+          <p:cNvPr id="3" name="Notes Placeholder 2"/>
+          <p:cNvSpPr>
+            <a:spLocks noGrp="1"/>
+          </p:cNvSpPr>
+          <p:nvPr>
+            <p:ph type="body" idx="1"/>
+          </p:nvPr>
+        </p:nvSpPr>
+        <p:spPr/>
+        <p:txBody>
+          <a:bodyPr/>
+          <a:lstStyle/>
+          <a:p>
+            <a:endParaRPr lang="en-US" dirty="0"/>
+          </a:p>
+        </p:txBody>
+      </p:sp>
+      <p:sp>
+        <p:nvSpPr>
+          <p:cNvPr id="4" name="Slide Number Placeholder 3"/>
+          <p:cNvSpPr>
+            <a:spLocks noGrp="1"/>
+          </p:cNvSpPr>
+          <p:nvPr>
+            <p:ph type="sldNum" sz="quarter" idx="5"/>
+          </p:nvPr>
+        </p:nvSpPr>
+        <p:spPr/>
+        <p:txBody>
+          <a:bodyPr/>
+          <a:lstStyle/>
+          <a:p>
+            <a:fld id="{323D9EF6-5B6D-4923-9412-628692DCC0E7}" type="slidenum">
+              <a:rPr lang="en-US" smtClean="0"/>
+              <a:t>13</a:t>
+            </a:fld>
+            <a:endParaRPr lang="en-US"/>
+          </a:p>
+        </p:txBody>
+      </p:sp>
+    </p:spTree>
+    <p:extLst>
+      <p:ext uri="{BB962C8B-B14F-4D97-AF65-F5344CB8AC3E}">
+        <p14:creationId xmlns:p14="http://schemas.microsoft.com/office/powerpoint/2010/main" val="801208698"/>
+      </p:ext>
+    </p:extLst>
+  </p:cSld>
+  <p:clrMapOvr>
+    <a:masterClrMapping/>
+  </p:clrMapOvr>
+</p:notes>
+</file>
+
 <file path=ppt/notesSlides/notesSlide2.xml><?xml version="1.0" encoding="utf-8"?>
 <p:notes xmlns:a="http://schemas.openxmlformats.org/drawingml/2006/main" xmlns:r="http://schemas.openxmlformats.org/officeDocument/2006/relationships" xmlns:p="http://schemas.openxmlformats.org/presentationml/2006/main">
   <p:cSld>
@@ -981,6 +1068,258 @@
     <p:extLst>
       <p:ext uri="{BB962C8B-B14F-4D97-AF65-F5344CB8AC3E}">
         <p14:creationId xmlns:p14="http://schemas.microsoft.com/office/powerpoint/2010/main" val="1970514577"/>
+      </p:ext>
+    </p:extLst>
+  </p:cSld>
+  <p:clrMapOvr>
+    <a:masterClrMapping/>
+  </p:clrMapOvr>
+</p:notes>
+</file>
+
+<file path=ppt/notesSlides/notesSlide7.xml><?xml version="1.0" encoding="utf-8"?>
+<p:notes xmlns:a="http://schemas.openxmlformats.org/drawingml/2006/main" xmlns:r="http://schemas.openxmlformats.org/officeDocument/2006/relationships" xmlns:p="http://schemas.openxmlformats.org/presentationml/2006/main">
+  <p:cSld>
+    <p:spTree>
+      <p:nvGrpSpPr>
+        <p:cNvPr id="1" name=""/>
+        <p:cNvGrpSpPr/>
+        <p:nvPr/>
+      </p:nvGrpSpPr>
+      <p:grpSpPr>
+        <a:xfrm>
+          <a:off x="0" y="0"/>
+          <a:ext cx="0" cy="0"/>
+          <a:chOff x="0" y="0"/>
+          <a:chExt cx="0" cy="0"/>
+        </a:xfrm>
+      </p:grpSpPr>
+      <p:sp>
+        <p:nvSpPr>
+          <p:cNvPr id="2" name="Slide Image Placeholder 1"/>
+          <p:cNvSpPr>
+            <a:spLocks noGrp="1" noRot="1" noChangeAspect="1"/>
+          </p:cNvSpPr>
+          <p:nvPr>
+            <p:ph type="sldImg"/>
+          </p:nvPr>
+        </p:nvSpPr>
+        <p:spPr/>
+      </p:sp>
+      <p:sp>
+        <p:nvSpPr>
+          <p:cNvPr id="3" name="Notes Placeholder 2"/>
+          <p:cNvSpPr>
+            <a:spLocks noGrp="1"/>
+          </p:cNvSpPr>
+          <p:nvPr>
+            <p:ph type="body" idx="1"/>
+          </p:nvPr>
+        </p:nvSpPr>
+        <p:spPr/>
+        <p:txBody>
+          <a:bodyPr/>
+          <a:lstStyle/>
+          <a:p>
+            <a:endParaRPr lang="en-US" dirty="0"/>
+          </a:p>
+        </p:txBody>
+      </p:sp>
+      <p:sp>
+        <p:nvSpPr>
+          <p:cNvPr id="4" name="Slide Number Placeholder 3"/>
+          <p:cNvSpPr>
+            <a:spLocks noGrp="1"/>
+          </p:cNvSpPr>
+          <p:nvPr>
+            <p:ph type="sldNum" sz="quarter" idx="5"/>
+          </p:nvPr>
+        </p:nvSpPr>
+        <p:spPr/>
+        <p:txBody>
+          <a:bodyPr/>
+          <a:lstStyle/>
+          <a:p>
+            <a:fld id="{323D9EF6-5B6D-4923-9412-628692DCC0E7}" type="slidenum">
+              <a:rPr lang="en-US" smtClean="0"/>
+              <a:t>10</a:t>
+            </a:fld>
+            <a:endParaRPr lang="en-US"/>
+          </a:p>
+        </p:txBody>
+      </p:sp>
+    </p:spTree>
+    <p:extLst>
+      <p:ext uri="{BB962C8B-B14F-4D97-AF65-F5344CB8AC3E}">
+        <p14:creationId xmlns:p14="http://schemas.microsoft.com/office/powerpoint/2010/main" val="3053077801"/>
+      </p:ext>
+    </p:extLst>
+  </p:cSld>
+  <p:clrMapOvr>
+    <a:masterClrMapping/>
+  </p:clrMapOvr>
+</p:notes>
+</file>
+
+<file path=ppt/notesSlides/notesSlide8.xml><?xml version="1.0" encoding="utf-8"?>
+<p:notes xmlns:a="http://schemas.openxmlformats.org/drawingml/2006/main" xmlns:r="http://schemas.openxmlformats.org/officeDocument/2006/relationships" xmlns:p="http://schemas.openxmlformats.org/presentationml/2006/main">
+  <p:cSld>
+    <p:spTree>
+      <p:nvGrpSpPr>
+        <p:cNvPr id="1" name=""/>
+        <p:cNvGrpSpPr/>
+        <p:nvPr/>
+      </p:nvGrpSpPr>
+      <p:grpSpPr>
+        <a:xfrm>
+          <a:off x="0" y="0"/>
+          <a:ext cx="0" cy="0"/>
+          <a:chOff x="0" y="0"/>
+          <a:chExt cx="0" cy="0"/>
+        </a:xfrm>
+      </p:grpSpPr>
+      <p:sp>
+        <p:nvSpPr>
+          <p:cNvPr id="2" name="Slide Image Placeholder 1"/>
+          <p:cNvSpPr>
+            <a:spLocks noGrp="1" noRot="1" noChangeAspect="1"/>
+          </p:cNvSpPr>
+          <p:nvPr>
+            <p:ph type="sldImg"/>
+          </p:nvPr>
+        </p:nvSpPr>
+        <p:spPr/>
+      </p:sp>
+      <p:sp>
+        <p:nvSpPr>
+          <p:cNvPr id="3" name="Notes Placeholder 2"/>
+          <p:cNvSpPr>
+            <a:spLocks noGrp="1"/>
+          </p:cNvSpPr>
+          <p:nvPr>
+            <p:ph type="body" idx="1"/>
+          </p:nvPr>
+        </p:nvSpPr>
+        <p:spPr/>
+        <p:txBody>
+          <a:bodyPr/>
+          <a:lstStyle/>
+          <a:p>
+            <a:endParaRPr lang="en-US" dirty="0"/>
+          </a:p>
+        </p:txBody>
+      </p:sp>
+      <p:sp>
+        <p:nvSpPr>
+          <p:cNvPr id="4" name="Slide Number Placeholder 3"/>
+          <p:cNvSpPr>
+            <a:spLocks noGrp="1"/>
+          </p:cNvSpPr>
+          <p:nvPr>
+            <p:ph type="sldNum" sz="quarter" idx="5"/>
+          </p:nvPr>
+        </p:nvSpPr>
+        <p:spPr/>
+        <p:txBody>
+          <a:bodyPr/>
+          <a:lstStyle/>
+          <a:p>
+            <a:fld id="{323D9EF6-5B6D-4923-9412-628692DCC0E7}" type="slidenum">
+              <a:rPr lang="en-US" smtClean="0"/>
+              <a:t>11</a:t>
+            </a:fld>
+            <a:endParaRPr lang="en-US"/>
+          </a:p>
+        </p:txBody>
+      </p:sp>
+    </p:spTree>
+    <p:extLst>
+      <p:ext uri="{BB962C8B-B14F-4D97-AF65-F5344CB8AC3E}">
+        <p14:creationId xmlns:p14="http://schemas.microsoft.com/office/powerpoint/2010/main" val="3910959852"/>
+      </p:ext>
+    </p:extLst>
+  </p:cSld>
+  <p:clrMapOvr>
+    <a:masterClrMapping/>
+  </p:clrMapOvr>
+</p:notes>
+</file>
+
+<file path=ppt/notesSlides/notesSlide9.xml><?xml version="1.0" encoding="utf-8"?>
+<p:notes xmlns:a="http://schemas.openxmlformats.org/drawingml/2006/main" xmlns:r="http://schemas.openxmlformats.org/officeDocument/2006/relationships" xmlns:p="http://schemas.openxmlformats.org/presentationml/2006/main">
+  <p:cSld>
+    <p:spTree>
+      <p:nvGrpSpPr>
+        <p:cNvPr id="1" name=""/>
+        <p:cNvGrpSpPr/>
+        <p:nvPr/>
+      </p:nvGrpSpPr>
+      <p:grpSpPr>
+        <a:xfrm>
+          <a:off x="0" y="0"/>
+          <a:ext cx="0" cy="0"/>
+          <a:chOff x="0" y="0"/>
+          <a:chExt cx="0" cy="0"/>
+        </a:xfrm>
+      </p:grpSpPr>
+      <p:sp>
+        <p:nvSpPr>
+          <p:cNvPr id="2" name="Slide Image Placeholder 1"/>
+          <p:cNvSpPr>
+            <a:spLocks noGrp="1" noRot="1" noChangeAspect="1"/>
+          </p:cNvSpPr>
+          <p:nvPr>
+            <p:ph type="sldImg"/>
+          </p:nvPr>
+        </p:nvSpPr>
+        <p:spPr/>
+      </p:sp>
+      <p:sp>
+        <p:nvSpPr>
+          <p:cNvPr id="3" name="Notes Placeholder 2"/>
+          <p:cNvSpPr>
+            <a:spLocks noGrp="1"/>
+          </p:cNvSpPr>
+          <p:nvPr>
+            <p:ph type="body" idx="1"/>
+          </p:nvPr>
+        </p:nvSpPr>
+        <p:spPr/>
+        <p:txBody>
+          <a:bodyPr/>
+          <a:lstStyle/>
+          <a:p>
+            <a:endParaRPr lang="en-US" dirty="0"/>
+          </a:p>
+        </p:txBody>
+      </p:sp>
+      <p:sp>
+        <p:nvSpPr>
+          <p:cNvPr id="4" name="Slide Number Placeholder 3"/>
+          <p:cNvSpPr>
+            <a:spLocks noGrp="1"/>
+          </p:cNvSpPr>
+          <p:nvPr>
+            <p:ph type="sldNum" sz="quarter" idx="5"/>
+          </p:nvPr>
+        </p:nvSpPr>
+        <p:spPr/>
+        <p:txBody>
+          <a:bodyPr/>
+          <a:lstStyle/>
+          <a:p>
+            <a:fld id="{323D9EF6-5B6D-4923-9412-628692DCC0E7}" type="slidenum">
+              <a:rPr lang="en-US" smtClean="0"/>
+              <a:t>12</a:t>
+            </a:fld>
+            <a:endParaRPr lang="en-US"/>
+          </a:p>
+        </p:txBody>
+      </p:sp>
+    </p:spTree>
+    <p:extLst>
+      <p:ext uri="{BB962C8B-B14F-4D97-AF65-F5344CB8AC3E}">
+        <p14:creationId xmlns:p14="http://schemas.microsoft.com/office/powerpoint/2010/main" val="1728490921"/>
       </p:ext>
     </p:extLst>
   </p:cSld>
@@ -4918,13 +5257,13 @@
           <p:nvPr/>
         </p:nvPicPr>
         <p:blipFill>
-          <a:blip r:embed="rId2">
+          <a:blip r:embed="rId3">
             <a:extLst>
               <a:ext uri="{28A0092B-C50C-407E-A947-70E740481C1C}">
                 <a14:useLocalDpi xmlns:a14="http://schemas.microsoft.com/office/drawing/2010/main" val="0"/>
               </a:ext>
               <a:ext uri="{96DAC541-7B7A-43D3-8B79-37D633B846F1}">
-                <asvg:svgBlip xmlns:asvg="http://schemas.microsoft.com/office/drawing/2016/SVG/main" r:embed="rId3"/>
+                <asvg:svgBlip xmlns:asvg="http://schemas.microsoft.com/office/drawing/2016/SVG/main" r:embed="rId4"/>
               </a:ext>
             </a:extLst>
           </a:blip>
@@ -4977,7 +5316,7 @@
                 </a:solidFill>
                 <a:latin typeface="Selawik Semibold" panose="020B0702040204020203" pitchFamily="34" charset="0"/>
               </a:rPr>
-              <a:t>Basketball Statistics</a:t>
+              <a:t>+/- Player Ratings</a:t>
             </a:r>
           </a:p>
         </p:txBody>
@@ -4997,7 +5336,7 @@
           <p:nvPr/>
         </p:nvPicPr>
         <p:blipFill rotWithShape="1">
-          <a:blip r:embed="rId4">
+          <a:blip r:embed="rId5">
             <a:extLst>
               <a:ext uri="{28A0092B-C50C-407E-A947-70E740481C1C}">
                 <a14:useLocalDpi xmlns:a14="http://schemas.microsoft.com/office/drawing/2010/main" val="0"/>
@@ -5036,7 +5375,7 @@
         <p:spPr>
           <a:xfrm>
             <a:off x="2071468" y="1275565"/>
-            <a:ext cx="7238788" cy="5582435"/>
+            <a:ext cx="8934462" cy="5541546"/>
           </a:xfrm>
         </p:spPr>
         <p:txBody>
@@ -5055,43 +5394,7 @@
                 </a:solidFill>
                 <a:latin typeface="Selawik Semibold" panose="020B0702040204020203" pitchFamily="34" charset="0"/>
               </a:rPr>
-              <a:t>Classic Measures of Field Goal Percentage</a:t>
-            </a:r>
-          </a:p>
-          <a:p>
-            <a:pPr>
-              <a:buSzPct val="100000"/>
-            </a:pPr>
-            <a:endParaRPr lang="en-US" sz="2400" dirty="0">
-              <a:solidFill>
-                <a:schemeClr val="bg1"/>
-              </a:solidFill>
-              <a:latin typeface="Selawik Semibold" panose="020B0702040204020203" pitchFamily="34" charset="0"/>
-            </a:endParaRPr>
-          </a:p>
-          <a:p>
-            <a:pPr>
-              <a:buSzPct val="100000"/>
-            </a:pPr>
-            <a:endParaRPr lang="en-US" sz="2400" dirty="0">
-              <a:solidFill>
-                <a:schemeClr val="bg1"/>
-              </a:solidFill>
-              <a:latin typeface="Selawik Semibold" panose="020B0702040204020203" pitchFamily="34" charset="0"/>
-            </a:endParaRPr>
-          </a:p>
-          <a:p>
-            <a:pPr>
-              <a:buSzPct val="100000"/>
-            </a:pPr>
-            <a:r>
-              <a:rPr lang="en-US" sz="2400" dirty="0">
-                <a:solidFill>
-                  <a:schemeClr val="bg1"/>
-                </a:solidFill>
-                <a:latin typeface="Selawik Semibold" panose="020B0702040204020203" pitchFamily="34" charset="0"/>
-              </a:rPr>
-              <a:t>Effective Field Goal Percentage (EFG)</a:t>
+              <a:t>Comparing Adjusted +/- to Pure +/-</a:t>
             </a:r>
           </a:p>
           <a:p>
@@ -5105,49 +5408,7 @@
                 </a:solidFill>
                 <a:latin typeface="Selawik Semibold" panose="020B0702040204020203" pitchFamily="34" charset="0"/>
               </a:rPr>
-              <a:t>Problem with Previous Metrics</a:t>
-            </a:r>
-          </a:p>
-          <a:p>
-            <a:pPr lvl="2">
-              <a:buSzPct val="100000"/>
-            </a:pPr>
-            <a:r>
-              <a:rPr lang="en-US" sz="1800" dirty="0">
-                <a:solidFill>
-                  <a:schemeClr val="bg1"/>
-                </a:solidFill>
-                <a:latin typeface="Selawik Semibold" panose="020B0702040204020203" pitchFamily="34" charset="0"/>
-              </a:rPr>
-              <a:t>Knicks: 15/20 Field Goals = 30 Points</a:t>
-            </a:r>
-          </a:p>
-          <a:p>
-            <a:pPr lvl="2">
-              <a:buSzPct val="100000"/>
-            </a:pPr>
-            <a:r>
-              <a:rPr lang="en-US" sz="1800" dirty="0">
-                <a:solidFill>
-                  <a:schemeClr val="bg1"/>
-                </a:solidFill>
-                <a:latin typeface="Selawik Semibold" panose="020B0702040204020203" pitchFamily="34" charset="0"/>
-              </a:rPr>
-              <a:t>Lakers: 15/20  3-Pt Field Goals = 45 Points</a:t>
-            </a:r>
-          </a:p>
-          <a:p>
-            <a:pPr lvl="2">
-              <a:buSzPct val="100000"/>
-            </a:pPr>
-            <a:r>
-              <a:rPr lang="en-US" sz="1800" dirty="0">
-                <a:solidFill>
-                  <a:schemeClr val="bg1"/>
-                </a:solidFill>
-                <a:latin typeface="Selawik Semibold" panose="020B0702040204020203" pitchFamily="34" charset="0"/>
-              </a:rPr>
-              <a:t>Same Field Goal Percentage (75%)</a:t>
+              <a:t>Let’s Look at Player 15 Who Played 13/20 Games on Team 2</a:t>
             </a:r>
           </a:p>
           <a:p>
@@ -5161,31 +5422,8 @@
                 </a:solidFill>
                 <a:latin typeface="Selawik Semibold" panose="020B0702040204020203" pitchFamily="34" charset="0"/>
               </a:rPr>
-              <a:t>New Metric</a:t>
+              <a:t>When in Game, Team 1 Averaged 5.4918 Points Above Average</a:t>
             </a:r>
-          </a:p>
-          <a:p>
-            <a:pPr lvl="1">
-              <a:buSzPct val="100000"/>
-            </a:pPr>
-            <a:endParaRPr lang="en-US" sz="2000" dirty="0">
-              <a:solidFill>
-                <a:schemeClr val="bg1"/>
-              </a:solidFill>
-              <a:latin typeface="Selawik Semibold" panose="020B0702040204020203" pitchFamily="34" charset="0"/>
-            </a:endParaRPr>
-          </a:p>
-          <a:p>
-            <a:pPr marL="274320" lvl="1" indent="0">
-              <a:buSzPct val="100000"/>
-              <a:buNone/>
-            </a:pPr>
-            <a:endParaRPr lang="en-US" sz="2000" dirty="0">
-              <a:solidFill>
-                <a:schemeClr val="bg1"/>
-              </a:solidFill>
-              <a:latin typeface="Selawik Semibold" panose="020B0702040204020203" pitchFamily="34" charset="0"/>
-            </a:endParaRPr>
           </a:p>
           <a:p>
             <a:pPr lvl="1">
@@ -5198,47 +5436,50 @@
                 </a:solidFill>
                 <a:latin typeface="Selawik Semibold" panose="020B0702040204020203" pitchFamily="34" charset="0"/>
               </a:rPr>
-              <a:t>Adjusted EFG%</a:t>
+              <a:t>When in Game, Team 2 Averaged 5.1072 Points Above Average</a:t>
             </a:r>
           </a:p>
           <a:p>
-            <a:pPr lvl="2">
+            <a:pPr lvl="1">
               <a:buSzPct val="100000"/>
             </a:pPr>
             <a:r>
-              <a:rPr lang="en-US" sz="1800" dirty="0">
+              <a:rPr lang="en-US" sz="2000" dirty="0">
                 <a:solidFill>
                   <a:schemeClr val="bg1"/>
                 </a:solidFill>
                 <a:latin typeface="Selawik Semibold" panose="020B0702040204020203" pitchFamily="34" charset="0"/>
               </a:rPr>
-              <a:t>Knicks: 75%</a:t>
+              <a:t>This Leads to a Pure +/- of -0.3846154 Points (Approximately Even)</a:t>
             </a:r>
           </a:p>
           <a:p>
-            <a:pPr lvl="2">
+            <a:pPr lvl="1">
               <a:buSzPct val="100000"/>
             </a:pPr>
             <a:r>
-              <a:rPr lang="en-US" sz="1800" dirty="0">
+              <a:rPr lang="en-US" sz="2000" dirty="0">
                 <a:solidFill>
                   <a:schemeClr val="bg1"/>
                 </a:solidFill>
                 <a:latin typeface="Selawik Semibold" panose="020B0702040204020203" pitchFamily="34" charset="0"/>
               </a:rPr>
-              <a:t>Lakers: 1125%</a:t>
+              <a:t>When in Game and Ignoring Player 15, Team 2 Averaged 4.635 Points Below Average</a:t>
             </a:r>
           </a:p>
           <a:p>
-            <a:pPr lvl="2">
+            <a:pPr lvl="1">
               <a:buSzPct val="100000"/>
             </a:pPr>
-            <a:endParaRPr lang="en-US" sz="1800" dirty="0">
-              <a:solidFill>
-                <a:schemeClr val="bg1"/>
-              </a:solidFill>
-              <a:latin typeface="Selawik Semibold" panose="020B0702040204020203" pitchFamily="34" charset="0"/>
-            </a:endParaRPr>
+            <a:r>
+              <a:rPr lang="en-US" sz="2000" dirty="0">
+                <a:solidFill>
+                  <a:schemeClr val="bg1"/>
+                </a:solidFill>
+                <a:latin typeface="Selawik Semibold" panose="020B0702040204020203" pitchFamily="34" charset="0"/>
+              </a:rPr>
+              <a:t>Ignoring Player 15, the Pure +/- Would Be Horrible …</a:t>
+            </a:r>
           </a:p>
           <a:p>
             <a:pPr lvl="1">
@@ -5263,10 +5504,48 @@
             </a:endParaRPr>
           </a:p>
           <a:p>
-            <a:pPr lvl="2">
+            <a:pPr lvl="1">
               <a:buSzPct val="100000"/>
             </a:pPr>
-            <a:endParaRPr lang="en-US" sz="1800" dirty="0">
+            <a:r>
+              <a:rPr lang="en-US" sz="2000" dirty="0">
+                <a:solidFill>
+                  <a:schemeClr val="bg1"/>
+                </a:solidFill>
+                <a:latin typeface="Selawik Semibold" panose="020B0702040204020203" pitchFamily="34" charset="0"/>
+              </a:rPr>
+              <a:t>Adjusting for the Teammates Player 15 Was Playing With, We Would Adjust the +/- by Subtracting Pure +/- With Player 15 Minus Pure +/- Without Player 15 Would Be…</a:t>
+            </a:r>
+          </a:p>
+          <a:p>
+            <a:pPr marL="0" indent="0">
+              <a:buSzPct val="100000"/>
+              <a:buNone/>
+            </a:pPr>
+            <a:endParaRPr lang="en-US" sz="2400" dirty="0">
+              <a:solidFill>
+                <a:schemeClr val="bg1"/>
+              </a:solidFill>
+              <a:latin typeface="Selawik Semibold" panose="020B0702040204020203" pitchFamily="34" charset="0"/>
+            </a:endParaRPr>
+          </a:p>
+          <a:p>
+            <a:pPr marL="0" indent="0">
+              <a:buSzPct val="100000"/>
+              <a:buNone/>
+            </a:pPr>
+            <a:endParaRPr lang="en-US" sz="2400" dirty="0">
+              <a:solidFill>
+                <a:schemeClr val="bg1"/>
+              </a:solidFill>
+              <a:latin typeface="Selawik Semibold" panose="020B0702040204020203" pitchFamily="34" charset="0"/>
+            </a:endParaRPr>
+          </a:p>
+          <a:p>
+            <a:pPr lvl="1">
+              <a:buSzPct val="100000"/>
+            </a:pPr>
+            <a:endParaRPr lang="en-US" sz="2000" dirty="0">
               <a:solidFill>
                 <a:schemeClr val="bg1"/>
               </a:solidFill>
@@ -5333,7 +5612,7 @@
           <p:nvPr/>
         </p:nvPicPr>
         <p:blipFill rotWithShape="1">
-          <a:blip r:embed="rId5">
+          <a:blip r:embed="rId6">
             <a:extLst>
               <a:ext uri="{28A0092B-C50C-407E-A947-70E740481C1C}">
                 <a14:useLocalDpi xmlns:a14="http://schemas.microsoft.com/office/drawing/2010/main" val="0"/>
@@ -5585,7 +5864,7 @@
           <p:nvPr/>
         </p:nvPicPr>
         <p:blipFill rotWithShape="1">
-          <a:blip r:embed="rId4">
+          <a:blip r:embed="rId5">
             <a:extLst>
               <a:ext uri="{28A0092B-C50C-407E-A947-70E740481C1C}">
                 <a14:useLocalDpi xmlns:a14="http://schemas.microsoft.com/office/drawing/2010/main" val="0"/>
@@ -5620,7 +5899,7 @@
           <p:nvPr/>
         </p:nvPicPr>
         <p:blipFill rotWithShape="1">
-          <a:blip r:embed="rId5">
+          <a:blip r:embed="rId6">
             <a:extLst>
               <a:ext uri="{28A0092B-C50C-407E-A947-70E740481C1C}">
                 <a14:useLocalDpi xmlns:a14="http://schemas.microsoft.com/office/drawing/2010/main" val="0"/>
@@ -5814,96 +6093,14 @@
           </a:fontRef>
         </p:style>
       </p:cxnSp>
-      <p:sp>
-        <p:nvSpPr>
-          <p:cNvPr id="3" name="TextBox 2">
-            <a:extLst>
-              <a:ext uri="{FF2B5EF4-FFF2-40B4-BE49-F238E27FC236}">
-                <a16:creationId xmlns:a16="http://schemas.microsoft.com/office/drawing/2014/main" id="{07F4EB6B-A70F-4BD9-88D8-2F326499C5C0}"/>
-              </a:ext>
-            </a:extLst>
-          </p:cNvPr>
-          <p:cNvSpPr txBox="1"/>
-          <p:nvPr/>
-        </p:nvSpPr>
-        <p:spPr>
-          <a:xfrm>
-            <a:off x="8832846" y="1317050"/>
-            <a:ext cx="3165219" cy="1323439"/>
-          </a:xfrm>
-          <a:prstGeom prst="rect">
-            <a:avLst/>
-          </a:prstGeom>
-          <a:solidFill>
-            <a:srgbClr val="A6A1A1"/>
-          </a:solidFill>
-          <a:ln>
-            <a:noFill/>
-          </a:ln>
-        </p:spPr>
-        <p:txBody>
-          <a:bodyPr wrap="square" rtlCol="0">
-            <a:spAutoFit/>
-          </a:bodyPr>
-          <a:lstStyle/>
-          <a:p>
-            <a:r>
-              <a:rPr lang="en-US" sz="2000" dirty="0">
-                <a:solidFill>
-                  <a:schemeClr val="bg1"/>
-                </a:solidFill>
-                <a:latin typeface="Calibri" panose="020F0502020204030204" pitchFamily="34" charset="0"/>
-                <a:cs typeface="Calibri" panose="020F0502020204030204" pitchFamily="34" charset="0"/>
-              </a:rPr>
-              <a:t>FGM = Field Goal Made</a:t>
-            </a:r>
-          </a:p>
-          <a:p>
-            <a:r>
-              <a:rPr lang="en-US" sz="2000" dirty="0">
-                <a:solidFill>
-                  <a:schemeClr val="bg1"/>
-                </a:solidFill>
-                <a:latin typeface="Calibri" panose="020F0502020204030204" pitchFamily="34" charset="0"/>
-                <a:cs typeface="Calibri" panose="020F0502020204030204" pitchFamily="34" charset="0"/>
-              </a:rPr>
-              <a:t>FGA = Field Goal Attempt</a:t>
-            </a:r>
-          </a:p>
-          <a:p>
-            <a:r>
-              <a:rPr lang="en-US" sz="2000" dirty="0">
-                <a:solidFill>
-                  <a:schemeClr val="bg1"/>
-                </a:solidFill>
-                <a:latin typeface="Calibri" panose="020F0502020204030204" pitchFamily="34" charset="0"/>
-                <a:cs typeface="Calibri" panose="020F0502020204030204" pitchFamily="34" charset="0"/>
-              </a:rPr>
-              <a:t>3FGM = 3-Pointer Made</a:t>
-            </a:r>
-          </a:p>
-          <a:p>
-            <a:r>
-              <a:rPr lang="en-US" sz="2000" dirty="0">
-                <a:solidFill>
-                  <a:schemeClr val="bg1"/>
-                </a:solidFill>
-                <a:latin typeface="Calibri" panose="020F0502020204030204" pitchFamily="34" charset="0"/>
-                <a:cs typeface="Calibri" panose="020F0502020204030204" pitchFamily="34" charset="0"/>
-              </a:rPr>
-              <a:t>3FGA = 3-Pointer Attempt</a:t>
-            </a:r>
-          </a:p>
-        </p:txBody>
-      </p:sp>
-      <mc:AlternateContent xmlns:mc="http://schemas.openxmlformats.org/markup-compatibility/2006" xmlns:a14="http://schemas.microsoft.com/office/drawing/2010/main">
-        <mc:Choice Requires="a14">
+      <mc:AlternateContent xmlns:mc="http://schemas.openxmlformats.org/markup-compatibility/2006">
+        <mc:Choice xmlns:a14="http://schemas.microsoft.com/office/drawing/2010/main" Requires="a14">
           <p:sp>
             <p:nvSpPr>
-              <p:cNvPr id="4" name="TextBox 3">
+              <p:cNvPr id="22" name="TextBox 21">
                 <a:extLst>
                   <a:ext uri="{FF2B5EF4-FFF2-40B4-BE49-F238E27FC236}">
-                    <a16:creationId xmlns:a16="http://schemas.microsoft.com/office/drawing/2014/main" id="{E2B1BD59-845A-47AB-996C-07BD385B7B12}"/>
+                    <a16:creationId xmlns:a16="http://schemas.microsoft.com/office/drawing/2014/main" id="{5322D369-95EB-45F5-805B-59AA860DE229}"/>
                   </a:ext>
                 </a:extLst>
               </p:cNvPr>
@@ -5912,8 +6109,8 @@
             </p:nvSpPr>
             <p:spPr>
               <a:xfrm>
-                <a:off x="2881744" y="1861992"/>
-                <a:ext cx="1791068" cy="694036"/>
+                <a:off x="2578159" y="4173311"/>
+                <a:ext cx="5366433" cy="400110"/>
               </a:xfrm>
               <a:prstGeom prst="rect">
                 <a:avLst/>
@@ -5921,7 +6118,7 @@
               <a:noFill/>
             </p:spPr>
             <p:txBody>
-              <a:bodyPr wrap="none" lIns="0" tIns="0" rIns="0" bIns="0" rtlCol="0">
+              <a:bodyPr wrap="square" rtlCol="0">
                 <a:spAutoFit/>
               </a:bodyPr>
               <a:lstStyle/>
@@ -5930,80 +6127,56 @@
                 <a14:m>
                   <m:oMathPara xmlns:m="http://schemas.openxmlformats.org/officeDocument/2006/math">
                     <m:oMathParaPr>
-                      <m:jc m:val="centerGroup"/>
+                      <m:jc m:val="left"/>
                     </m:oMathParaPr>
                     <m:oMath xmlns:m="http://schemas.openxmlformats.org/officeDocument/2006/math">
-                      <m:r>
-                        <a:rPr lang="en-US" sz="2400" b="0" i="1" smtClean="0">
-                          <a:solidFill>
-                            <a:schemeClr val="bg1"/>
-                          </a:solidFill>
-                          <a:latin typeface="Cambria Math" panose="02040503050406030204" pitchFamily="18" charset="0"/>
-                        </a:rPr>
-                        <m:t>𝐹𝐺</m:t>
-                      </m:r>
-                      <m:r>
-                        <a:rPr lang="en-US" sz="2400" b="0" i="1" smtClean="0">
-                          <a:solidFill>
-                            <a:schemeClr val="bg1"/>
-                          </a:solidFill>
-                          <a:latin typeface="Cambria Math" panose="02040503050406030204" pitchFamily="18" charset="0"/>
-                        </a:rPr>
-                        <m:t>%=</m:t>
-                      </m:r>
-                      <m:f>
-                        <m:fPr>
+                      <m:d>
+                        <m:dPr>
                           <m:ctrlPr>
-                            <a:rPr lang="en-US" sz="2400" b="0" i="1" smtClean="0">
+                            <a:rPr lang="en-US" sz="2000" b="0" i="1" smtClean="0">
                               <a:solidFill>
                                 <a:schemeClr val="bg1"/>
                               </a:solidFill>
                               <a:latin typeface="Cambria Math" panose="02040503050406030204" pitchFamily="18" charset="0"/>
                             </a:rPr>
                           </m:ctrlPr>
-                        </m:fPr>
-                        <m:num>
+                        </m:dPr>
+                        <m:e>
                           <m:r>
-                            <a:rPr lang="en-US" sz="2400" b="0" i="1" smtClean="0">
+                            <a:rPr lang="en-US" sz="2000" b="0" i="1" smtClean="0">
                               <a:solidFill>
                                 <a:schemeClr val="bg1"/>
                               </a:solidFill>
                               <a:latin typeface="Cambria Math" panose="02040503050406030204" pitchFamily="18" charset="0"/>
                             </a:rPr>
-                            <m:t>𝐹𝐺𝑀</m:t>
+                            <m:t>−4.635</m:t>
                           </m:r>
-                        </m:num>
-                        <m:den>
-                          <m:r>
-                            <a:rPr lang="en-US" sz="2400" b="0" i="1" smtClean="0">
-                              <a:solidFill>
-                                <a:schemeClr val="bg1"/>
-                              </a:solidFill>
-                              <a:latin typeface="Cambria Math" panose="02040503050406030204" pitchFamily="18" charset="0"/>
-                            </a:rPr>
-                            <m:t>𝐹𝐺𝐴</m:t>
-                          </m:r>
-                        </m:den>
-                      </m:f>
+                        </m:e>
+                      </m:d>
+                      <m:r>
+                        <a:rPr lang="en-US" sz="2000" b="0" i="1" smtClean="0">
+                          <a:solidFill>
+                            <a:schemeClr val="bg1"/>
+                          </a:solidFill>
+                          <a:latin typeface="Cambria Math" panose="02040503050406030204" pitchFamily="18" charset="0"/>
+                        </a:rPr>
+                        <m:t>−5.4918=−10.12711</m:t>
+                      </m:r>
                     </m:oMath>
                   </m:oMathPara>
                 </a14:m>
-                <a:endParaRPr lang="en-US" sz="2400" dirty="0">
-                  <a:solidFill>
-                    <a:schemeClr val="bg1"/>
-                  </a:solidFill>
-                </a:endParaRPr>
+                <a:endParaRPr lang="en-US" sz="2000" dirty="0"/>
               </a:p>
             </p:txBody>
           </p:sp>
         </mc:Choice>
-        <mc:Fallback xmlns="">
+        <mc:Fallback>
           <p:sp>
             <p:nvSpPr>
-              <p:cNvPr id="4" name="TextBox 3">
+              <p:cNvPr id="22" name="TextBox 21">
                 <a:extLst>
                   <a:ext uri="{FF2B5EF4-FFF2-40B4-BE49-F238E27FC236}">
-                    <a16:creationId xmlns:a16="http://schemas.microsoft.com/office/drawing/2014/main" id="{E2B1BD59-845A-47AB-996C-07BD385B7B12}"/>
+                    <a16:creationId xmlns:a16="http://schemas.microsoft.com/office/drawing/2014/main" id="{5322D369-95EB-45F5-805B-59AA860DE229}"/>
                   </a:ext>
                 </a:extLst>
               </p:cNvPr>
@@ -6014,181 +6187,8 @@
             </p:nvSpPr>
             <p:spPr>
               <a:xfrm>
-                <a:off x="2881744" y="1861992"/>
-                <a:ext cx="1791068" cy="694036"/>
-              </a:xfrm>
-              <a:prstGeom prst="rect">
-                <a:avLst/>
-              </a:prstGeom>
-              <a:blipFill>
-                <a:blip r:embed="rId6"/>
-                <a:stretch>
-                  <a:fillRect/>
-                </a:stretch>
-              </a:blipFill>
-            </p:spPr>
-            <p:txBody>
-              <a:bodyPr/>
-              <a:lstStyle/>
-              <a:p>
-                <a:r>
-                  <a:rPr lang="en-US">
-                    <a:noFill/>
-                  </a:rPr>
-                  <a:t> </a:t>
-                </a:r>
-              </a:p>
-            </p:txBody>
-          </p:sp>
-        </mc:Fallback>
-      </mc:AlternateContent>
-      <mc:AlternateContent xmlns:mc="http://schemas.openxmlformats.org/markup-compatibility/2006" xmlns:a14="http://schemas.microsoft.com/office/drawing/2010/main">
-        <mc:Choice Requires="a14">
-          <p:sp>
-            <p:nvSpPr>
-              <p:cNvPr id="22" name="TextBox 21">
-                <a:extLst>
-                  <a:ext uri="{FF2B5EF4-FFF2-40B4-BE49-F238E27FC236}">
-                    <a16:creationId xmlns:a16="http://schemas.microsoft.com/office/drawing/2014/main" id="{06F03D2F-E8B0-461B-85AC-A12B437DFFDE}"/>
-                  </a:ext>
-                </a:extLst>
-              </p:cNvPr>
-              <p:cNvSpPr txBox="1"/>
-              <p:nvPr/>
-            </p:nvSpPr>
-            <p:spPr>
-              <a:xfrm>
-                <a:off x="5206854" y="1861992"/>
-                <a:ext cx="2130904" cy="694036"/>
-              </a:xfrm>
-              <a:prstGeom prst="rect">
-                <a:avLst/>
-              </a:prstGeom>
-              <a:noFill/>
-            </p:spPr>
-            <p:txBody>
-              <a:bodyPr wrap="none" lIns="0" tIns="0" rIns="0" bIns="0" rtlCol="0">
-                <a:spAutoFit/>
-              </a:bodyPr>
-              <a:lstStyle/>
-              <a:p>
-                <a:pPr/>
-                <a14:m>
-                  <m:oMathPara xmlns:m="http://schemas.openxmlformats.org/officeDocument/2006/math">
-                    <m:oMathParaPr>
-                      <m:jc m:val="centerGroup"/>
-                    </m:oMathParaPr>
-                    <m:oMath xmlns:m="http://schemas.openxmlformats.org/officeDocument/2006/math">
-                      <m:r>
-                        <a:rPr lang="en-US" sz="2400" b="0" i="1" smtClean="0">
-                          <a:solidFill>
-                            <a:schemeClr val="bg1"/>
-                          </a:solidFill>
-                          <a:latin typeface="Cambria Math" panose="02040503050406030204" pitchFamily="18" charset="0"/>
-                        </a:rPr>
-                        <m:t>3</m:t>
-                      </m:r>
-                      <m:r>
-                        <a:rPr lang="en-US" sz="2400" b="0" i="1" smtClean="0">
-                          <a:solidFill>
-                            <a:schemeClr val="bg1"/>
-                          </a:solidFill>
-                          <a:latin typeface="Cambria Math" panose="02040503050406030204" pitchFamily="18" charset="0"/>
-                        </a:rPr>
-                        <m:t>𝐹𝐺</m:t>
-                      </m:r>
-                      <m:r>
-                        <a:rPr lang="en-US" sz="2400" b="0" i="1" smtClean="0">
-                          <a:solidFill>
-                            <a:schemeClr val="bg1"/>
-                          </a:solidFill>
-                          <a:latin typeface="Cambria Math" panose="02040503050406030204" pitchFamily="18" charset="0"/>
-                        </a:rPr>
-                        <m:t>%=</m:t>
-                      </m:r>
-                      <m:f>
-                        <m:fPr>
-                          <m:ctrlPr>
-                            <a:rPr lang="en-US" sz="2400" b="0" i="1" smtClean="0">
-                              <a:solidFill>
-                                <a:schemeClr val="bg1"/>
-                              </a:solidFill>
-                              <a:latin typeface="Cambria Math" panose="02040503050406030204" pitchFamily="18" charset="0"/>
-                            </a:rPr>
-                          </m:ctrlPr>
-                        </m:fPr>
-                        <m:num>
-                          <m:r>
-                            <a:rPr lang="en-US" sz="2400" b="0" i="1" smtClean="0">
-                              <a:solidFill>
-                                <a:schemeClr val="bg1"/>
-                              </a:solidFill>
-                              <a:latin typeface="Cambria Math" panose="02040503050406030204" pitchFamily="18" charset="0"/>
-                            </a:rPr>
-                            <m:t>3</m:t>
-                          </m:r>
-                          <m:r>
-                            <a:rPr lang="en-US" sz="2400" b="0" i="1" smtClean="0">
-                              <a:solidFill>
-                                <a:schemeClr val="bg1"/>
-                              </a:solidFill>
-                              <a:latin typeface="Cambria Math" panose="02040503050406030204" pitchFamily="18" charset="0"/>
-                            </a:rPr>
-                            <m:t>𝐹𝐺𝑀</m:t>
-                          </m:r>
-                        </m:num>
-                        <m:den>
-                          <m:r>
-                            <a:rPr lang="en-US" sz="2400" b="0" i="1" smtClean="0">
-                              <a:solidFill>
-                                <a:schemeClr val="bg1"/>
-                              </a:solidFill>
-                              <a:latin typeface="Cambria Math" panose="02040503050406030204" pitchFamily="18" charset="0"/>
-                            </a:rPr>
-                            <m:t>3</m:t>
-                          </m:r>
-                          <m:r>
-                            <a:rPr lang="en-US" sz="2400" b="0" i="1" smtClean="0">
-                              <a:solidFill>
-                                <a:schemeClr val="bg1"/>
-                              </a:solidFill>
-                              <a:latin typeface="Cambria Math" panose="02040503050406030204" pitchFamily="18" charset="0"/>
-                            </a:rPr>
-                            <m:t>𝐹𝐺𝐴</m:t>
-                          </m:r>
-                        </m:den>
-                      </m:f>
-                    </m:oMath>
-                  </m:oMathPara>
-                </a14:m>
-                <a:endParaRPr lang="en-US" sz="2400" dirty="0">
-                  <a:solidFill>
-                    <a:schemeClr val="bg1"/>
-                  </a:solidFill>
-                </a:endParaRPr>
-              </a:p>
-            </p:txBody>
-          </p:sp>
-        </mc:Choice>
-        <mc:Fallback xmlns="">
-          <p:sp>
-            <p:nvSpPr>
-              <p:cNvPr id="22" name="TextBox 21">
-                <a:extLst>
-                  <a:ext uri="{FF2B5EF4-FFF2-40B4-BE49-F238E27FC236}">
-                    <a16:creationId xmlns:a16="http://schemas.microsoft.com/office/drawing/2014/main" id="{06F03D2F-E8B0-461B-85AC-A12B437DFFDE}"/>
-                  </a:ext>
-                </a:extLst>
-              </p:cNvPr>
-              <p:cNvSpPr txBox="1">
-                <a:spLocks noRot="1" noChangeAspect="1" noMove="1" noResize="1" noEditPoints="1" noAdjustHandles="1" noChangeArrowheads="1" noChangeShapeType="1" noTextEdit="1"/>
-              </p:cNvSpPr>
-              <p:nvPr/>
-            </p:nvSpPr>
-            <p:spPr>
-              <a:xfrm>
-                <a:off x="5206854" y="1861992"/>
-                <a:ext cx="2130904" cy="694036"/>
+                <a:off x="2578159" y="4173311"/>
+                <a:ext cx="5366433" cy="400110"/>
               </a:xfrm>
               <a:prstGeom prst="rect">
                 <a:avLst/>
@@ -6215,14 +6215,14 @@
           </p:sp>
         </mc:Fallback>
       </mc:AlternateContent>
-      <mc:AlternateContent xmlns:mc="http://schemas.openxmlformats.org/markup-compatibility/2006" xmlns:a14="http://schemas.microsoft.com/office/drawing/2010/main">
-        <mc:Choice Requires="a14">
+      <mc:AlternateContent xmlns:mc="http://schemas.openxmlformats.org/markup-compatibility/2006">
+        <mc:Choice xmlns:a14="http://schemas.microsoft.com/office/drawing/2010/main" Requires="a14">
           <p:sp>
             <p:nvSpPr>
               <p:cNvPr id="25" name="TextBox 24">
                 <a:extLst>
                   <a:ext uri="{FF2B5EF4-FFF2-40B4-BE49-F238E27FC236}">
-                    <a16:creationId xmlns:a16="http://schemas.microsoft.com/office/drawing/2014/main" id="{3A5F4B13-1CE3-4ECD-9621-55D069017667}"/>
+                    <a16:creationId xmlns:a16="http://schemas.microsoft.com/office/drawing/2014/main" id="{0F07DC4A-BC70-48F7-B55D-894E591F2650}"/>
                   </a:ext>
                 </a:extLst>
               </p:cNvPr>
@@ -6231,8 +6231,8 @@
             </p:nvSpPr>
             <p:spPr>
               <a:xfrm>
-                <a:off x="3091098" y="4931443"/>
-                <a:ext cx="3928511" cy="701539"/>
+                <a:off x="2578159" y="5747580"/>
+                <a:ext cx="5366433" cy="400110"/>
               </a:xfrm>
               <a:prstGeom prst="rect">
                 <a:avLst/>
@@ -6240,7 +6240,7 @@
               <a:noFill/>
             </p:spPr>
             <p:txBody>
-              <a:bodyPr wrap="none" lIns="0" tIns="0" rIns="0" bIns="0" rtlCol="0">
+              <a:bodyPr wrap="square" rtlCol="0">
                 <a:spAutoFit/>
               </a:bodyPr>
               <a:lstStyle/>
@@ -6249,98 +6249,65 @@
                 <a14:m>
                   <m:oMathPara xmlns:m="http://schemas.openxmlformats.org/officeDocument/2006/math">
                     <m:oMathParaPr>
-                      <m:jc m:val="centerGroup"/>
+                      <m:jc m:val="left"/>
                     </m:oMathParaPr>
                     <m:oMath xmlns:m="http://schemas.openxmlformats.org/officeDocument/2006/math">
                       <m:r>
-                        <a:rPr lang="en-US" sz="2400" b="0" i="1" smtClean="0">
+                        <a:rPr lang="en-US" sz="2000" b="0" i="1" smtClean="0">
                           <a:solidFill>
                             <a:schemeClr val="bg1"/>
                           </a:solidFill>
                           <a:latin typeface="Cambria Math" panose="02040503050406030204" pitchFamily="18" charset="0"/>
                         </a:rPr>
-                        <m:t>𝐸𝐹𝐺</m:t>
+                        <m:t>−0.3846154−</m:t>
                       </m:r>
-                      <m:r>
-                        <a:rPr lang="en-US" sz="2400" b="0" i="1" smtClean="0">
-                          <a:solidFill>
-                            <a:schemeClr val="bg1"/>
-                          </a:solidFill>
-                          <a:latin typeface="Cambria Math" panose="02040503050406030204" pitchFamily="18" charset="0"/>
-                        </a:rPr>
-                        <m:t>%=</m:t>
-                      </m:r>
-                      <m:f>
-                        <m:fPr>
+                      <m:d>
+                        <m:dPr>
                           <m:ctrlPr>
-                            <a:rPr lang="en-US" sz="2400" b="0" i="1" smtClean="0">
+                            <a:rPr lang="en-US" sz="2000" b="0" i="1" smtClean="0">
                               <a:solidFill>
                                 <a:schemeClr val="bg1"/>
                               </a:solidFill>
                               <a:latin typeface="Cambria Math" panose="02040503050406030204" pitchFamily="18" charset="0"/>
                             </a:rPr>
                           </m:ctrlPr>
-                        </m:fPr>
-                        <m:num>
+                        </m:dPr>
+                        <m:e>
                           <m:r>
-                            <a:rPr lang="en-US" sz="2400" b="0" i="1" smtClean="0">
+                            <a:rPr lang="en-US" sz="2000" b="0" i="1" smtClean="0">
                               <a:solidFill>
                                 <a:schemeClr val="bg1"/>
                               </a:solidFill>
                               <a:latin typeface="Cambria Math" panose="02040503050406030204" pitchFamily="18" charset="0"/>
                             </a:rPr>
-                            <m:t>𝐹𝐺𝑀</m:t>
+                            <m:t>10.12711</m:t>
                           </m:r>
-                          <m:r>
-                            <a:rPr lang="en-US" sz="2400" b="0" i="1" smtClean="0">
-                              <a:solidFill>
-                                <a:schemeClr val="bg1"/>
-                              </a:solidFill>
-                              <a:latin typeface="Cambria Math" panose="02040503050406030204" pitchFamily="18" charset="0"/>
-                            </a:rPr>
-                            <m:t>+0.5×3</m:t>
-                          </m:r>
-                          <m:r>
-                            <a:rPr lang="en-US" sz="2400" b="0" i="1" smtClean="0">
-                              <a:solidFill>
-                                <a:schemeClr val="bg1"/>
-                              </a:solidFill>
-                              <a:latin typeface="Cambria Math" panose="02040503050406030204" pitchFamily="18" charset="0"/>
-                            </a:rPr>
-                            <m:t>𝐹𝐺𝑀</m:t>
-                          </m:r>
-                        </m:num>
-                        <m:den>
-                          <m:r>
-                            <a:rPr lang="en-US" sz="2400" b="0" i="1" smtClean="0">
-                              <a:solidFill>
-                                <a:schemeClr val="bg1"/>
-                              </a:solidFill>
-                              <a:latin typeface="Cambria Math" panose="02040503050406030204" pitchFamily="18" charset="0"/>
-                            </a:rPr>
-                            <m:t>𝐹𝐺𝐴</m:t>
-                          </m:r>
-                        </m:den>
-                      </m:f>
+                        </m:e>
+                      </m:d>
+                      <m:r>
+                        <a:rPr lang="en-US" sz="2000" b="0" i="1" smtClean="0">
+                          <a:solidFill>
+                            <a:schemeClr val="bg1"/>
+                          </a:solidFill>
+                          <a:latin typeface="Cambria Math" panose="02040503050406030204" pitchFamily="18" charset="0"/>
+                        </a:rPr>
+                        <m:t>=9.742491</m:t>
+                      </m:r>
                     </m:oMath>
                   </m:oMathPara>
                 </a14:m>
-                <a:endParaRPr lang="en-US" sz="2400" dirty="0">
-                  <a:solidFill>
-                    <a:schemeClr val="bg1"/>
-                  </a:solidFill>
-                </a:endParaRPr>
+                <a:endParaRPr lang="en-US" sz="2000" dirty="0"/>
               </a:p>
             </p:txBody>
           </p:sp>
         </mc:Choice>
-        <mc:Fallback xmlns="">
+        <mc:Fallback>
           <p:sp>
             <p:nvSpPr>
               <p:cNvPr id="25" name="TextBox 24">
                 <a:extLst>
                   <a:ext uri="{FF2B5EF4-FFF2-40B4-BE49-F238E27FC236}">
-                    <a16:creationId xmlns:a16="http://schemas.microsoft.com/office/drawing/2014/main" id="{3A5F4B13-1CE3-4ECD-9621-55D069017667}"/>
+                    <a16:creationId xmlns:a16="http://schemas.microsoft.com/office/drawing/2014/main" id="{0F07DC4A-BC70-48F7-B55D-894E591F2650}"/>
                   </a:ext>
                 </a:extLst>
               </p:cNvPr>
@@ -6351,8 +6318,2407 @@
             </p:nvSpPr>
             <p:spPr>
               <a:xfrm>
-                <a:off x="3091098" y="4931443"/>
-                <a:ext cx="3928511" cy="701539"/>
+                <a:off x="2578159" y="5747580"/>
+                <a:ext cx="5366433" cy="400110"/>
+              </a:xfrm>
+              <a:prstGeom prst="rect">
+                <a:avLst/>
+              </a:prstGeom>
+              <a:blipFill>
+                <a:blip r:embed="rId8"/>
+                <a:stretch>
+                  <a:fillRect/>
+                </a:stretch>
+              </a:blipFill>
+            </p:spPr>
+            <p:txBody>
+              <a:bodyPr/>
+              <a:lstStyle/>
+              <a:p>
+                <a:r>
+                  <a:rPr lang="en-US">
+                    <a:noFill/>
+                  </a:rPr>
+                  <a:t> </a:t>
+                </a:r>
+              </a:p>
+            </p:txBody>
+          </p:sp>
+        </mc:Fallback>
+      </mc:AlternateContent>
+      <p:sp>
+        <p:nvSpPr>
+          <p:cNvPr id="3" name="Oval 2">
+            <a:extLst>
+              <a:ext uri="{FF2B5EF4-FFF2-40B4-BE49-F238E27FC236}">
+                <a16:creationId xmlns:a16="http://schemas.microsoft.com/office/drawing/2014/main" id="{48844667-61DB-4D65-9087-95CF0411FF8A}"/>
+              </a:ext>
+            </a:extLst>
+          </p:cNvPr>
+          <p:cNvSpPr/>
+          <p:nvPr/>
+        </p:nvSpPr>
+        <p:spPr>
+          <a:xfrm>
+            <a:off x="5876149" y="5632982"/>
+            <a:ext cx="1143460" cy="715767"/>
+          </a:xfrm>
+          <a:prstGeom prst="ellipse">
+            <a:avLst/>
+          </a:prstGeom>
+          <a:noFill/>
+          <a:ln w="38100">
+            <a:solidFill>
+              <a:srgbClr val="D34817"/>
+            </a:solidFill>
+          </a:ln>
+        </p:spPr>
+        <p:style>
+          <a:lnRef idx="2">
+            <a:schemeClr val="accent1">
+              <a:shade val="50000"/>
+            </a:schemeClr>
+          </a:lnRef>
+          <a:fillRef idx="1">
+            <a:schemeClr val="accent1"/>
+          </a:fillRef>
+          <a:effectRef idx="0">
+            <a:schemeClr val="accent1"/>
+          </a:effectRef>
+          <a:fontRef idx="minor">
+            <a:schemeClr val="lt1"/>
+          </a:fontRef>
+        </p:style>
+        <p:txBody>
+          <a:bodyPr rtlCol="0" anchor="ctr"/>
+          <a:lstStyle/>
+          <a:p>
+            <a:pPr algn="ctr"/>
+            <a:endParaRPr lang="en-US"/>
+          </a:p>
+        </p:txBody>
+      </p:sp>
+      <p:cxnSp>
+        <p:nvCxnSpPr>
+          <p:cNvPr id="26" name="Straight Arrow Connector 25">
+            <a:extLst>
+              <a:ext uri="{FF2B5EF4-FFF2-40B4-BE49-F238E27FC236}">
+                <a16:creationId xmlns:a16="http://schemas.microsoft.com/office/drawing/2014/main" id="{180455F5-4A5B-4218-AE2C-8856DB75064F}"/>
+              </a:ext>
+            </a:extLst>
+          </p:cNvPr>
+          <p:cNvCxnSpPr>
+            <a:cxnSpLocks/>
+          </p:cNvCxnSpPr>
+          <p:nvPr/>
+        </p:nvCxnSpPr>
+        <p:spPr>
+          <a:xfrm flipV="1">
+            <a:off x="7019609" y="5990866"/>
+            <a:ext cx="1164820" cy="1"/>
+          </a:xfrm>
+          <a:prstGeom prst="straightConnector1">
+            <a:avLst/>
+          </a:prstGeom>
+          <a:ln w="57150">
+            <a:tailEnd type="triangle"/>
+          </a:ln>
+        </p:spPr>
+        <p:style>
+          <a:lnRef idx="1">
+            <a:schemeClr val="accent1"/>
+          </a:lnRef>
+          <a:fillRef idx="0">
+            <a:schemeClr val="accent1"/>
+          </a:fillRef>
+          <a:effectRef idx="0">
+            <a:schemeClr val="accent1"/>
+          </a:effectRef>
+          <a:fontRef idx="minor">
+            <a:schemeClr val="tx1"/>
+          </a:fontRef>
+        </p:style>
+      </p:cxnSp>
+      <p:sp>
+        <p:nvSpPr>
+          <p:cNvPr id="5" name="TextBox 4">
+            <a:extLst>
+              <a:ext uri="{FF2B5EF4-FFF2-40B4-BE49-F238E27FC236}">
+                <a16:creationId xmlns:a16="http://schemas.microsoft.com/office/drawing/2014/main" id="{E0BF98A8-AECB-4B84-9F96-470CA30A4E16}"/>
+              </a:ext>
+            </a:extLst>
+          </p:cNvPr>
+          <p:cNvSpPr txBox="1"/>
+          <p:nvPr/>
+        </p:nvSpPr>
+        <p:spPr>
+          <a:xfrm>
+            <a:off x="8163069" y="5779297"/>
+            <a:ext cx="2821501" cy="400110"/>
+          </a:xfrm>
+          <a:prstGeom prst="rect">
+            <a:avLst/>
+          </a:prstGeom>
+          <a:noFill/>
+        </p:spPr>
+        <p:txBody>
+          <a:bodyPr wrap="square" rtlCol="0">
+            <a:spAutoFit/>
+          </a:bodyPr>
+          <a:lstStyle/>
+          <a:p>
+            <a:r>
+              <a:rPr lang="en-US" sz="2000" dirty="0">
+                <a:solidFill>
+                  <a:schemeClr val="bg1"/>
+                </a:solidFill>
+                <a:latin typeface="Calibri" panose="020F0502020204030204" pitchFamily="34" charset="0"/>
+                <a:cs typeface="Calibri" panose="020F0502020204030204" pitchFamily="34" charset="0"/>
+              </a:rPr>
+              <a:t>Player 15’s Adjusted +/-</a:t>
+            </a:r>
+          </a:p>
+        </p:txBody>
+      </p:sp>
+    </p:spTree>
+    <p:extLst>
+      <p:ext uri="{BB962C8B-B14F-4D97-AF65-F5344CB8AC3E}">
+        <p14:creationId xmlns:p14="http://schemas.microsoft.com/office/powerpoint/2010/main" val="1904498274"/>
+      </p:ext>
+    </p:extLst>
+  </p:cSld>
+  <p:clrMapOvr>
+    <a:masterClrMapping/>
+  </p:clrMapOvr>
+</p:sld>
+</file>
+
+<file path=ppt/slides/slide11.xml><?xml version="1.0" encoding="utf-8"?>
+<p:sld xmlns:a="http://schemas.openxmlformats.org/drawingml/2006/main" xmlns:r="http://schemas.openxmlformats.org/officeDocument/2006/relationships" xmlns:p="http://schemas.openxmlformats.org/presentationml/2006/main">
+  <p:cSld>
+    <p:bg>
+      <p:bgPr>
+        <a:solidFill>
+          <a:srgbClr val="395583"/>
+        </a:solidFill>
+        <a:effectLst/>
+      </p:bgPr>
+    </p:bg>
+    <p:spTree>
+      <p:nvGrpSpPr>
+        <p:cNvPr id="1" name=""/>
+        <p:cNvGrpSpPr/>
+        <p:nvPr/>
+      </p:nvGrpSpPr>
+      <p:grpSpPr>
+        <a:xfrm>
+          <a:off x="0" y="0"/>
+          <a:ext cx="0" cy="0"/>
+          <a:chOff x="0" y="0"/>
+          <a:chExt cx="0" cy="0"/>
+        </a:xfrm>
+      </p:grpSpPr>
+      <p:pic>
+        <p:nvPicPr>
+          <p:cNvPr id="23" name="Graphic 22" descr="Basketball">
+            <a:extLst>
+              <a:ext uri="{FF2B5EF4-FFF2-40B4-BE49-F238E27FC236}">
+                <a16:creationId xmlns:a16="http://schemas.microsoft.com/office/drawing/2014/main" id="{E9648A1B-FAF4-4D5E-A5FA-056876B6D1ED}"/>
+              </a:ext>
+            </a:extLst>
+          </p:cNvPr>
+          <p:cNvPicPr>
+            <a:picLocks noChangeAspect="1"/>
+          </p:cNvPicPr>
+          <p:nvPr/>
+        </p:nvPicPr>
+        <p:blipFill>
+          <a:blip r:embed="rId3">
+            <a:extLst>
+              <a:ext uri="{28A0092B-C50C-407E-A947-70E740481C1C}">
+                <a14:useLocalDpi xmlns:a14="http://schemas.microsoft.com/office/drawing/2010/main" val="0"/>
+              </a:ext>
+              <a:ext uri="{96DAC541-7B7A-43D3-8B79-37D633B846F1}">
+                <asvg:svgBlip xmlns:asvg="http://schemas.microsoft.com/office/drawing/2016/SVG/main" r:embed="rId4"/>
+              </a:ext>
+            </a:extLst>
+          </a:blip>
+          <a:stretch>
+            <a:fillRect/>
+          </a:stretch>
+        </p:blipFill>
+        <p:spPr>
+          <a:xfrm>
+            <a:off x="744683" y="-47773"/>
+            <a:ext cx="1236707" cy="1236707"/>
+          </a:xfrm>
+          <a:prstGeom prst="rect">
+            <a:avLst/>
+          </a:prstGeom>
+        </p:spPr>
+      </p:pic>
+      <p:sp>
+        <p:nvSpPr>
+          <p:cNvPr id="2" name="Title 1">
+            <a:extLst>
+              <a:ext uri="{FF2B5EF4-FFF2-40B4-BE49-F238E27FC236}">
+                <a16:creationId xmlns:a16="http://schemas.microsoft.com/office/drawing/2014/main" id="{9DA33D13-A6DD-4F70-90E0-B2FBF766CA6D}"/>
+              </a:ext>
+            </a:extLst>
+          </p:cNvPr>
+          <p:cNvSpPr>
+            <a:spLocks noGrp="1"/>
+          </p:cNvSpPr>
+          <p:nvPr>
+            <p:ph type="title"/>
+          </p:nvPr>
+        </p:nvSpPr>
+        <p:spPr>
+          <a:xfrm>
+            <a:off x="2146146" y="288168"/>
+            <a:ext cx="9746927" cy="772006"/>
+          </a:xfrm>
+        </p:spPr>
+        <p:txBody>
+          <a:bodyPr>
+            <a:normAutofit/>
+          </a:bodyPr>
+          <a:lstStyle/>
+          <a:p>
+            <a:r>
+              <a:rPr lang="en-US" dirty="0">
+                <a:solidFill>
+                  <a:schemeClr val="bg1"/>
+                </a:solidFill>
+                <a:latin typeface="Selawik Semibold" panose="020B0702040204020203" pitchFamily="34" charset="0"/>
+              </a:rPr>
+              <a:t>+/- Player Ratings</a:t>
+            </a:r>
+          </a:p>
+        </p:txBody>
+      </p:sp>
+      <p:pic>
+        <p:nvPicPr>
+          <p:cNvPr id="27" name="Picture 26" descr="A close up of a toy&#10;&#10;Description automatically generated">
+            <a:extLst>
+              <a:ext uri="{FF2B5EF4-FFF2-40B4-BE49-F238E27FC236}">
+                <a16:creationId xmlns:a16="http://schemas.microsoft.com/office/drawing/2014/main" id="{F3F65D40-5045-4F6A-881C-5E044D5BEB71}"/>
+              </a:ext>
+            </a:extLst>
+          </p:cNvPr>
+          <p:cNvPicPr>
+            <a:picLocks noChangeAspect="1"/>
+          </p:cNvPicPr>
+          <p:nvPr/>
+        </p:nvPicPr>
+        <p:blipFill rotWithShape="1">
+          <a:blip r:embed="rId5">
+            <a:extLst>
+              <a:ext uri="{28A0092B-C50C-407E-A947-70E740481C1C}">
+                <a14:useLocalDpi xmlns:a14="http://schemas.microsoft.com/office/drawing/2010/main" val="0"/>
+              </a:ext>
+            </a:extLst>
+          </a:blip>
+          <a:srcRect t="11405" r="-2" b="25800"/>
+          <a:stretch/>
+        </p:blipFill>
+        <p:spPr>
+          <a:xfrm>
+            <a:off x="455571" y="3932600"/>
+            <a:ext cx="1598646" cy="1115388"/>
+          </a:xfrm>
+          <a:prstGeom prst="rect">
+            <a:avLst/>
+          </a:prstGeom>
+        </p:spPr>
+      </p:pic>
+      <p:sp>
+        <p:nvSpPr>
+          <p:cNvPr id="24" name="Content Placeholder 2">
+            <a:extLst>
+              <a:ext uri="{FF2B5EF4-FFF2-40B4-BE49-F238E27FC236}">
+                <a16:creationId xmlns:a16="http://schemas.microsoft.com/office/drawing/2014/main" id="{52313B83-B214-43D7-AC39-182CE4FA3E53}"/>
+              </a:ext>
+            </a:extLst>
+          </p:cNvPr>
+          <p:cNvSpPr>
+            <a:spLocks noGrp="1"/>
+          </p:cNvSpPr>
+          <p:nvPr>
+            <p:ph idx="1"/>
+          </p:nvPr>
+        </p:nvSpPr>
+        <p:spPr>
+          <a:xfrm>
+            <a:off x="2071468" y="1275565"/>
+            <a:ext cx="8934462" cy="5541546"/>
+          </a:xfrm>
+        </p:spPr>
+        <p:txBody>
+          <a:bodyPr>
+            <a:normAutofit/>
+          </a:bodyPr>
+          <a:lstStyle/>
+          <a:p>
+            <a:pPr>
+              <a:buSzPct val="100000"/>
+            </a:pPr>
+            <a:r>
+              <a:rPr lang="en-US" sz="2400" dirty="0">
+                <a:solidFill>
+                  <a:schemeClr val="bg1"/>
+                </a:solidFill>
+                <a:latin typeface="Selawik Semibold" panose="020B0702040204020203" pitchFamily="34" charset="0"/>
+              </a:rPr>
+              <a:t>Comparing Adjusted +/- to Pure +/-</a:t>
+            </a:r>
+          </a:p>
+          <a:p>
+            <a:pPr lvl="1">
+              <a:buSzPct val="100000"/>
+            </a:pPr>
+            <a:r>
+              <a:rPr lang="en-US" sz="2000" dirty="0">
+                <a:solidFill>
+                  <a:schemeClr val="bg1"/>
+                </a:solidFill>
+                <a:latin typeface="Selawik Semibold" panose="020B0702040204020203" pitchFamily="34" charset="0"/>
+              </a:rPr>
+              <a:t>Code for These Calculations on Player 15</a:t>
+            </a:r>
+          </a:p>
+          <a:p>
+            <a:pPr marL="0" indent="0">
+              <a:buSzPct val="100000"/>
+              <a:buNone/>
+            </a:pPr>
+            <a:endParaRPr lang="en-US" sz="2400" dirty="0">
+              <a:solidFill>
+                <a:schemeClr val="bg1"/>
+              </a:solidFill>
+              <a:latin typeface="Selawik Semibold" panose="020B0702040204020203" pitchFamily="34" charset="0"/>
+            </a:endParaRPr>
+          </a:p>
+          <a:p>
+            <a:pPr marL="0" indent="0">
+              <a:buSzPct val="100000"/>
+              <a:buNone/>
+            </a:pPr>
+            <a:endParaRPr lang="en-US" sz="2400" dirty="0">
+              <a:solidFill>
+                <a:schemeClr val="bg1"/>
+              </a:solidFill>
+              <a:latin typeface="Selawik Semibold" panose="020B0702040204020203" pitchFamily="34" charset="0"/>
+            </a:endParaRPr>
+          </a:p>
+          <a:p>
+            <a:pPr lvl="1">
+              <a:buSzPct val="100000"/>
+            </a:pPr>
+            <a:endParaRPr lang="en-US" sz="2000" dirty="0">
+              <a:solidFill>
+                <a:schemeClr val="bg1"/>
+              </a:solidFill>
+              <a:latin typeface="Selawik Semibold" panose="020B0702040204020203" pitchFamily="34" charset="0"/>
+            </a:endParaRPr>
+          </a:p>
+        </p:txBody>
+      </p:sp>
+      <p:cxnSp>
+        <p:nvCxnSpPr>
+          <p:cNvPr id="33" name="Straight Connector 32">
+            <a:extLst>
+              <a:ext uri="{FF2B5EF4-FFF2-40B4-BE49-F238E27FC236}">
+                <a16:creationId xmlns:a16="http://schemas.microsoft.com/office/drawing/2014/main" id="{1164AB91-DF9B-4348-85B4-B3DBD68D0AB8}"/>
+              </a:ext>
+            </a:extLst>
+          </p:cNvPr>
+          <p:cNvCxnSpPr>
+            <a:cxnSpLocks/>
+          </p:cNvCxnSpPr>
+          <p:nvPr/>
+        </p:nvCxnSpPr>
+        <p:spPr>
+          <a:xfrm flipV="1">
+            <a:off x="1772959" y="1060174"/>
+            <a:ext cx="9513948" cy="40889"/>
+          </a:xfrm>
+          <a:prstGeom prst="line">
+            <a:avLst/>
+          </a:prstGeom>
+          <a:ln w="101600">
+            <a:solidFill>
+              <a:schemeClr val="bg1"/>
+            </a:solidFill>
+          </a:ln>
+        </p:spPr>
+        <p:style>
+          <a:lnRef idx="1">
+            <a:schemeClr val="accent1"/>
+          </a:lnRef>
+          <a:fillRef idx="0">
+            <a:schemeClr val="accent1"/>
+          </a:fillRef>
+          <a:effectRef idx="0">
+            <a:schemeClr val="accent1"/>
+          </a:effectRef>
+          <a:fontRef idx="minor">
+            <a:schemeClr val="tx1"/>
+          </a:fontRef>
+        </p:style>
+      </p:cxnSp>
+      <p:pic>
+        <p:nvPicPr>
+          <p:cNvPr id="35" name="Picture 34" descr="A picture containing clipart&#10;&#10;Description automatically generated">
+            <a:extLst>
+              <a:ext uri="{FF2B5EF4-FFF2-40B4-BE49-F238E27FC236}">
+                <a16:creationId xmlns:a16="http://schemas.microsoft.com/office/drawing/2014/main" id="{36A4252C-FA56-4DE4-B601-DA4D32813E54}"/>
+              </a:ext>
+            </a:extLst>
+          </p:cNvPr>
+          <p:cNvPicPr>
+            <a:picLocks noChangeAspect="1"/>
+          </p:cNvPicPr>
+          <p:nvPr/>
+        </p:nvPicPr>
+        <p:blipFill rotWithShape="1">
+          <a:blip r:embed="rId6">
+            <a:extLst>
+              <a:ext uri="{28A0092B-C50C-407E-A947-70E740481C1C}">
+                <a14:useLocalDpi xmlns:a14="http://schemas.microsoft.com/office/drawing/2010/main" val="0"/>
+              </a:ext>
+            </a:extLst>
+          </a:blip>
+          <a:srcRect l="11332" r="8033" b="-1"/>
+          <a:stretch/>
+        </p:blipFill>
+        <p:spPr>
+          <a:xfrm>
+            <a:off x="450297" y="2817212"/>
+            <a:ext cx="1598904" cy="1115388"/>
+          </a:xfrm>
+          <a:prstGeom prst="rect">
+            <a:avLst/>
+          </a:prstGeom>
+        </p:spPr>
+      </p:pic>
+      <p:cxnSp>
+        <p:nvCxnSpPr>
+          <p:cNvPr id="42" name="Straight Connector 41">
+            <a:extLst>
+              <a:ext uri="{FF2B5EF4-FFF2-40B4-BE49-F238E27FC236}">
+                <a16:creationId xmlns:a16="http://schemas.microsoft.com/office/drawing/2014/main" id="{0AC0AF4A-02B5-401B-9183-DFBDCAC17CB5}"/>
+              </a:ext>
+            </a:extLst>
+          </p:cNvPr>
+          <p:cNvCxnSpPr>
+            <a:cxnSpLocks/>
+          </p:cNvCxnSpPr>
+          <p:nvPr/>
+        </p:nvCxnSpPr>
+        <p:spPr>
+          <a:xfrm flipV="1">
+            <a:off x="1443448" y="1087104"/>
+            <a:ext cx="364940" cy="567192"/>
+          </a:xfrm>
+          <a:prstGeom prst="line">
+            <a:avLst/>
+          </a:prstGeom>
+          <a:ln w="101600">
+            <a:solidFill>
+              <a:schemeClr val="bg1"/>
+            </a:solidFill>
+          </a:ln>
+        </p:spPr>
+        <p:style>
+          <a:lnRef idx="1">
+            <a:schemeClr val="accent1"/>
+          </a:lnRef>
+          <a:fillRef idx="0">
+            <a:schemeClr val="accent1"/>
+          </a:fillRef>
+          <a:effectRef idx="0">
+            <a:schemeClr val="accent1"/>
+          </a:effectRef>
+          <a:fontRef idx="minor">
+            <a:schemeClr val="tx1"/>
+          </a:fontRef>
+        </p:style>
+      </p:cxnSp>
+      <p:cxnSp>
+        <p:nvCxnSpPr>
+          <p:cNvPr id="44" name="Straight Connector 43">
+            <a:extLst>
+              <a:ext uri="{FF2B5EF4-FFF2-40B4-BE49-F238E27FC236}">
+                <a16:creationId xmlns:a16="http://schemas.microsoft.com/office/drawing/2014/main" id="{3C0D842E-CE3C-450F-A5A5-11DDD6118C09}"/>
+              </a:ext>
+            </a:extLst>
+          </p:cNvPr>
+          <p:cNvCxnSpPr>
+            <a:cxnSpLocks/>
+          </p:cNvCxnSpPr>
+          <p:nvPr/>
+        </p:nvCxnSpPr>
+        <p:spPr>
+          <a:xfrm>
+            <a:off x="443317" y="-93164"/>
+            <a:ext cx="1000131" cy="1802428"/>
+          </a:xfrm>
+          <a:prstGeom prst="line">
+            <a:avLst/>
+          </a:prstGeom>
+          <a:ln w="101600">
+            <a:solidFill>
+              <a:schemeClr val="bg1"/>
+            </a:solidFill>
+          </a:ln>
+        </p:spPr>
+        <p:style>
+          <a:lnRef idx="1">
+            <a:schemeClr val="accent1"/>
+          </a:lnRef>
+          <a:fillRef idx="0">
+            <a:schemeClr val="accent1"/>
+          </a:fillRef>
+          <a:effectRef idx="0">
+            <a:schemeClr val="accent1"/>
+          </a:effectRef>
+          <a:fontRef idx="minor">
+            <a:schemeClr val="tx1"/>
+          </a:fontRef>
+        </p:style>
+      </p:cxnSp>
+      <p:cxnSp>
+        <p:nvCxnSpPr>
+          <p:cNvPr id="52" name="Straight Connector 51">
+            <a:extLst>
+              <a:ext uri="{FF2B5EF4-FFF2-40B4-BE49-F238E27FC236}">
+                <a16:creationId xmlns:a16="http://schemas.microsoft.com/office/drawing/2014/main" id="{67D3C56B-D516-4628-8E26-F56918CF8C92}"/>
+              </a:ext>
+            </a:extLst>
+          </p:cNvPr>
+          <p:cNvCxnSpPr>
+            <a:cxnSpLocks/>
+          </p:cNvCxnSpPr>
+          <p:nvPr/>
+        </p:nvCxnSpPr>
+        <p:spPr>
+          <a:xfrm>
+            <a:off x="369948" y="3889614"/>
+            <a:ext cx="1590634" cy="0"/>
+          </a:xfrm>
+          <a:prstGeom prst="line">
+            <a:avLst/>
+          </a:prstGeom>
+          <a:ln w="101600">
+            <a:solidFill>
+              <a:srgbClr val="A6A1A1"/>
+            </a:solidFill>
+          </a:ln>
+        </p:spPr>
+        <p:style>
+          <a:lnRef idx="1">
+            <a:schemeClr val="accent1"/>
+          </a:lnRef>
+          <a:fillRef idx="0">
+            <a:schemeClr val="accent1"/>
+          </a:fillRef>
+          <a:effectRef idx="0">
+            <a:schemeClr val="accent1"/>
+          </a:effectRef>
+          <a:fontRef idx="minor">
+            <a:schemeClr val="tx1"/>
+          </a:fontRef>
+        </p:style>
+      </p:cxnSp>
+      <p:cxnSp>
+        <p:nvCxnSpPr>
+          <p:cNvPr id="57" name="Straight Connector 56">
+            <a:extLst>
+              <a:ext uri="{FF2B5EF4-FFF2-40B4-BE49-F238E27FC236}">
+                <a16:creationId xmlns:a16="http://schemas.microsoft.com/office/drawing/2014/main" id="{B290DB4C-815D-42FC-98C1-898CC129644A}"/>
+              </a:ext>
+            </a:extLst>
+          </p:cNvPr>
+          <p:cNvCxnSpPr>
+            <a:cxnSpLocks/>
+          </p:cNvCxnSpPr>
+          <p:nvPr/>
+        </p:nvCxnSpPr>
+        <p:spPr>
+          <a:xfrm>
+            <a:off x="373606" y="2789797"/>
+            <a:ext cx="1590634" cy="0"/>
+          </a:xfrm>
+          <a:prstGeom prst="line">
+            <a:avLst/>
+          </a:prstGeom>
+          <a:ln w="101600">
+            <a:solidFill>
+              <a:srgbClr val="A6A1A1"/>
+            </a:solidFill>
+          </a:ln>
+        </p:spPr>
+        <p:style>
+          <a:lnRef idx="1">
+            <a:schemeClr val="accent1"/>
+          </a:lnRef>
+          <a:fillRef idx="0">
+            <a:schemeClr val="accent1"/>
+          </a:fillRef>
+          <a:effectRef idx="0">
+            <a:schemeClr val="accent1"/>
+          </a:effectRef>
+          <a:fontRef idx="minor">
+            <a:schemeClr val="tx1"/>
+          </a:fontRef>
+        </p:style>
+      </p:cxnSp>
+      <p:cxnSp>
+        <p:nvCxnSpPr>
+          <p:cNvPr id="58" name="Straight Connector 57">
+            <a:extLst>
+              <a:ext uri="{FF2B5EF4-FFF2-40B4-BE49-F238E27FC236}">
+                <a16:creationId xmlns:a16="http://schemas.microsoft.com/office/drawing/2014/main" id="{B7FDB3DF-10DC-4872-BCF3-6F2CC6DD0F1C}"/>
+              </a:ext>
+            </a:extLst>
+          </p:cNvPr>
+          <p:cNvCxnSpPr>
+            <a:cxnSpLocks/>
+          </p:cNvCxnSpPr>
+          <p:nvPr/>
+        </p:nvCxnSpPr>
+        <p:spPr>
+          <a:xfrm>
+            <a:off x="373606" y="5047988"/>
+            <a:ext cx="1590634" cy="0"/>
+          </a:xfrm>
+          <a:prstGeom prst="line">
+            <a:avLst/>
+          </a:prstGeom>
+          <a:ln w="101600">
+            <a:solidFill>
+              <a:schemeClr val="bg1">
+                <a:lumMod val="65000"/>
+              </a:schemeClr>
+            </a:solidFill>
+          </a:ln>
+        </p:spPr>
+        <p:style>
+          <a:lnRef idx="1">
+            <a:schemeClr val="accent1"/>
+          </a:lnRef>
+          <a:fillRef idx="0">
+            <a:schemeClr val="accent1"/>
+          </a:fillRef>
+          <a:effectRef idx="0">
+            <a:schemeClr val="accent1"/>
+          </a:effectRef>
+          <a:fontRef idx="minor">
+            <a:schemeClr val="tx1"/>
+          </a:fontRef>
+        </p:style>
+      </p:cxnSp>
+      <p:pic>
+        <p:nvPicPr>
+          <p:cNvPr id="61" name="Picture 60" descr="A close up of a toy&#10;&#10;Description automatically generated">
+            <a:extLst>
+              <a:ext uri="{FF2B5EF4-FFF2-40B4-BE49-F238E27FC236}">
+                <a16:creationId xmlns:a16="http://schemas.microsoft.com/office/drawing/2014/main" id="{96AE0023-E4EA-4D16-8B99-96DA8E83150F}"/>
+              </a:ext>
+            </a:extLst>
+          </p:cNvPr>
+          <p:cNvPicPr>
+            <a:picLocks noChangeAspect="1"/>
+          </p:cNvPicPr>
+          <p:nvPr/>
+        </p:nvPicPr>
+        <p:blipFill rotWithShape="1">
+          <a:blip r:embed="rId5">
+            <a:extLst>
+              <a:ext uri="{28A0092B-C50C-407E-A947-70E740481C1C}">
+                <a14:useLocalDpi xmlns:a14="http://schemas.microsoft.com/office/drawing/2010/main" val="0"/>
+              </a:ext>
+            </a:extLst>
+          </a:blip>
+          <a:srcRect t="11405" r="-2" b="25800"/>
+          <a:stretch/>
+        </p:blipFill>
+        <p:spPr>
+          <a:xfrm>
+            <a:off x="455571" y="6190676"/>
+            <a:ext cx="1598646" cy="1115388"/>
+          </a:xfrm>
+          <a:prstGeom prst="rect">
+            <a:avLst/>
+          </a:prstGeom>
+        </p:spPr>
+      </p:pic>
+      <p:pic>
+        <p:nvPicPr>
+          <p:cNvPr id="62" name="Picture 61" descr="A picture containing clipart&#10;&#10;Description automatically generated">
+            <a:extLst>
+              <a:ext uri="{FF2B5EF4-FFF2-40B4-BE49-F238E27FC236}">
+                <a16:creationId xmlns:a16="http://schemas.microsoft.com/office/drawing/2014/main" id="{569B3D08-70E8-4C8B-A239-7C18FB492C6D}"/>
+              </a:ext>
+            </a:extLst>
+          </p:cNvPr>
+          <p:cNvPicPr>
+            <a:picLocks noChangeAspect="1"/>
+          </p:cNvPicPr>
+          <p:nvPr/>
+        </p:nvPicPr>
+        <p:blipFill rotWithShape="1">
+          <a:blip r:embed="rId6">
+            <a:extLst>
+              <a:ext uri="{28A0092B-C50C-407E-A947-70E740481C1C}">
+                <a14:useLocalDpi xmlns:a14="http://schemas.microsoft.com/office/drawing/2010/main" val="0"/>
+              </a:ext>
+            </a:extLst>
+          </a:blip>
+          <a:srcRect l="11332" r="8033" b="-1"/>
+          <a:stretch/>
+        </p:blipFill>
+        <p:spPr>
+          <a:xfrm>
+            <a:off x="450297" y="5075288"/>
+            <a:ext cx="1598904" cy="1115388"/>
+          </a:xfrm>
+          <a:prstGeom prst="rect">
+            <a:avLst/>
+          </a:prstGeom>
+        </p:spPr>
+      </p:pic>
+      <p:cxnSp>
+        <p:nvCxnSpPr>
+          <p:cNvPr id="63" name="Straight Connector 62">
+            <a:extLst>
+              <a:ext uri="{FF2B5EF4-FFF2-40B4-BE49-F238E27FC236}">
+                <a16:creationId xmlns:a16="http://schemas.microsoft.com/office/drawing/2014/main" id="{20DB3758-374A-4C64-B771-E4915100FBBC}"/>
+              </a:ext>
+            </a:extLst>
+          </p:cNvPr>
+          <p:cNvCxnSpPr>
+            <a:cxnSpLocks/>
+          </p:cNvCxnSpPr>
+          <p:nvPr/>
+        </p:nvCxnSpPr>
+        <p:spPr>
+          <a:xfrm>
+            <a:off x="369948" y="6147690"/>
+            <a:ext cx="1590634" cy="0"/>
+          </a:xfrm>
+          <a:prstGeom prst="line">
+            <a:avLst/>
+          </a:prstGeom>
+          <a:ln w="101600">
+            <a:solidFill>
+              <a:srgbClr val="A6A1A1"/>
+            </a:solidFill>
+          </a:ln>
+        </p:spPr>
+        <p:style>
+          <a:lnRef idx="1">
+            <a:schemeClr val="accent1"/>
+          </a:lnRef>
+          <a:fillRef idx="0">
+            <a:schemeClr val="accent1"/>
+          </a:fillRef>
+          <a:effectRef idx="0">
+            <a:schemeClr val="accent1"/>
+          </a:effectRef>
+          <a:fontRef idx="minor">
+            <a:schemeClr val="tx1"/>
+          </a:fontRef>
+        </p:style>
+      </p:cxnSp>
+      <p:cxnSp>
+        <p:nvCxnSpPr>
+          <p:cNvPr id="64" name="Straight Connector 63">
+            <a:extLst>
+              <a:ext uri="{FF2B5EF4-FFF2-40B4-BE49-F238E27FC236}">
+                <a16:creationId xmlns:a16="http://schemas.microsoft.com/office/drawing/2014/main" id="{3BDADCEE-4407-4364-B613-6D0D45453CB7}"/>
+              </a:ext>
+            </a:extLst>
+          </p:cNvPr>
+          <p:cNvCxnSpPr>
+            <a:cxnSpLocks/>
+          </p:cNvCxnSpPr>
+          <p:nvPr/>
+        </p:nvCxnSpPr>
+        <p:spPr>
+          <a:xfrm>
+            <a:off x="373606" y="5047873"/>
+            <a:ext cx="1590634" cy="0"/>
+          </a:xfrm>
+          <a:prstGeom prst="line">
+            <a:avLst/>
+          </a:prstGeom>
+          <a:ln w="101600">
+            <a:solidFill>
+              <a:srgbClr val="A6A1A1"/>
+            </a:solidFill>
+          </a:ln>
+        </p:spPr>
+        <p:style>
+          <a:lnRef idx="1">
+            <a:schemeClr val="accent1"/>
+          </a:lnRef>
+          <a:fillRef idx="0">
+            <a:schemeClr val="accent1"/>
+          </a:fillRef>
+          <a:effectRef idx="0">
+            <a:schemeClr val="accent1"/>
+          </a:effectRef>
+          <a:fontRef idx="minor">
+            <a:schemeClr val="tx1"/>
+          </a:fontRef>
+        </p:style>
+      </p:cxnSp>
+      <p:cxnSp>
+        <p:nvCxnSpPr>
+          <p:cNvPr id="65" name="Straight Connector 64">
+            <a:extLst>
+              <a:ext uri="{FF2B5EF4-FFF2-40B4-BE49-F238E27FC236}">
+                <a16:creationId xmlns:a16="http://schemas.microsoft.com/office/drawing/2014/main" id="{DFF830B1-81C0-4325-8FC2-FD52D52FBC55}"/>
+              </a:ext>
+            </a:extLst>
+          </p:cNvPr>
+          <p:cNvCxnSpPr>
+            <a:cxnSpLocks/>
+          </p:cNvCxnSpPr>
+          <p:nvPr/>
+        </p:nvCxnSpPr>
+        <p:spPr>
+          <a:xfrm>
+            <a:off x="373606" y="7306064"/>
+            <a:ext cx="1590634" cy="0"/>
+          </a:xfrm>
+          <a:prstGeom prst="line">
+            <a:avLst/>
+          </a:prstGeom>
+          <a:ln w="101600">
+            <a:solidFill>
+              <a:schemeClr val="bg1">
+                <a:lumMod val="65000"/>
+              </a:schemeClr>
+            </a:solidFill>
+          </a:ln>
+        </p:spPr>
+        <p:style>
+          <a:lnRef idx="1">
+            <a:schemeClr val="accent1"/>
+          </a:lnRef>
+          <a:fillRef idx="0">
+            <a:schemeClr val="accent1"/>
+          </a:fillRef>
+          <a:effectRef idx="0">
+            <a:schemeClr val="accent1"/>
+          </a:effectRef>
+          <a:fontRef idx="minor">
+            <a:schemeClr val="tx1"/>
+          </a:fontRef>
+        </p:style>
+      </p:cxnSp>
+      <p:cxnSp>
+        <p:nvCxnSpPr>
+          <p:cNvPr id="37" name="Straight Connector 36">
+            <a:extLst>
+              <a:ext uri="{FF2B5EF4-FFF2-40B4-BE49-F238E27FC236}">
+                <a16:creationId xmlns:a16="http://schemas.microsoft.com/office/drawing/2014/main" id="{AD695731-30B6-474A-893D-D960E2F39AF9}"/>
+              </a:ext>
+            </a:extLst>
+          </p:cNvPr>
+          <p:cNvCxnSpPr>
+            <a:cxnSpLocks/>
+          </p:cNvCxnSpPr>
+          <p:nvPr/>
+        </p:nvCxnSpPr>
+        <p:spPr>
+          <a:xfrm flipV="1">
+            <a:off x="2010803" y="1087104"/>
+            <a:ext cx="0" cy="5770896"/>
+          </a:xfrm>
+          <a:prstGeom prst="line">
+            <a:avLst/>
+          </a:prstGeom>
+          <a:ln w="101600">
+            <a:solidFill>
+              <a:schemeClr val="bg1"/>
+            </a:solidFill>
+          </a:ln>
+        </p:spPr>
+        <p:style>
+          <a:lnRef idx="1">
+            <a:schemeClr val="accent1"/>
+          </a:lnRef>
+          <a:fillRef idx="0">
+            <a:schemeClr val="accent1"/>
+          </a:fillRef>
+          <a:effectRef idx="0">
+            <a:schemeClr val="accent1"/>
+          </a:effectRef>
+          <a:fontRef idx="minor">
+            <a:schemeClr val="tx1"/>
+          </a:fontRef>
+        </p:style>
+      </p:cxnSp>
+      <p:pic>
+        <p:nvPicPr>
+          <p:cNvPr id="4" name="Picture 3">
+            <a:extLst>
+              <a:ext uri="{FF2B5EF4-FFF2-40B4-BE49-F238E27FC236}">
+                <a16:creationId xmlns:a16="http://schemas.microsoft.com/office/drawing/2014/main" id="{F6B432DA-7423-4A1C-82CF-9FC9825A2336}"/>
+              </a:ext>
+            </a:extLst>
+          </p:cNvPr>
+          <p:cNvPicPr>
+            <a:picLocks noChangeAspect="1"/>
+          </p:cNvPicPr>
+          <p:nvPr/>
+        </p:nvPicPr>
+        <p:blipFill>
+          <a:blip r:embed="rId7"/>
+          <a:stretch>
+            <a:fillRect/>
+          </a:stretch>
+        </p:blipFill>
+        <p:spPr>
+          <a:xfrm>
+            <a:off x="2677220" y="2168121"/>
+            <a:ext cx="8389374" cy="3675181"/>
+          </a:xfrm>
+          <a:prstGeom prst="rect">
+            <a:avLst/>
+          </a:prstGeom>
+          <a:ln w="38100">
+            <a:solidFill>
+              <a:srgbClr val="A6A1A1"/>
+            </a:solidFill>
+          </a:ln>
+        </p:spPr>
+      </p:pic>
+    </p:spTree>
+    <p:extLst>
+      <p:ext uri="{BB962C8B-B14F-4D97-AF65-F5344CB8AC3E}">
+        <p14:creationId xmlns:p14="http://schemas.microsoft.com/office/powerpoint/2010/main" val="2779833369"/>
+      </p:ext>
+    </p:extLst>
+  </p:cSld>
+  <p:clrMapOvr>
+    <a:masterClrMapping/>
+  </p:clrMapOvr>
+</p:sld>
+</file>
+
+<file path=ppt/slides/slide12.xml><?xml version="1.0" encoding="utf-8"?>
+<p:sld xmlns:a="http://schemas.openxmlformats.org/drawingml/2006/main" xmlns:r="http://schemas.openxmlformats.org/officeDocument/2006/relationships" xmlns:p="http://schemas.openxmlformats.org/presentationml/2006/main">
+  <p:cSld>
+    <p:bg>
+      <p:bgPr>
+        <a:solidFill>
+          <a:srgbClr val="395583"/>
+        </a:solidFill>
+        <a:effectLst/>
+      </p:bgPr>
+    </p:bg>
+    <p:spTree>
+      <p:nvGrpSpPr>
+        <p:cNvPr id="1" name=""/>
+        <p:cNvGrpSpPr/>
+        <p:nvPr/>
+      </p:nvGrpSpPr>
+      <p:grpSpPr>
+        <a:xfrm>
+          <a:off x="0" y="0"/>
+          <a:ext cx="0" cy="0"/>
+          <a:chOff x="0" y="0"/>
+          <a:chExt cx="0" cy="0"/>
+        </a:xfrm>
+      </p:grpSpPr>
+      <p:pic>
+        <p:nvPicPr>
+          <p:cNvPr id="23" name="Graphic 22" descr="Basketball">
+            <a:extLst>
+              <a:ext uri="{FF2B5EF4-FFF2-40B4-BE49-F238E27FC236}">
+                <a16:creationId xmlns:a16="http://schemas.microsoft.com/office/drawing/2014/main" id="{E9648A1B-FAF4-4D5E-A5FA-056876B6D1ED}"/>
+              </a:ext>
+            </a:extLst>
+          </p:cNvPr>
+          <p:cNvPicPr>
+            <a:picLocks noChangeAspect="1"/>
+          </p:cNvPicPr>
+          <p:nvPr/>
+        </p:nvPicPr>
+        <p:blipFill>
+          <a:blip r:embed="rId3">
+            <a:extLst>
+              <a:ext uri="{28A0092B-C50C-407E-A947-70E740481C1C}">
+                <a14:useLocalDpi xmlns:a14="http://schemas.microsoft.com/office/drawing/2010/main" val="0"/>
+              </a:ext>
+              <a:ext uri="{96DAC541-7B7A-43D3-8B79-37D633B846F1}">
+                <asvg:svgBlip xmlns:asvg="http://schemas.microsoft.com/office/drawing/2016/SVG/main" r:embed="rId4"/>
+              </a:ext>
+            </a:extLst>
+          </a:blip>
+          <a:stretch>
+            <a:fillRect/>
+          </a:stretch>
+        </p:blipFill>
+        <p:spPr>
+          <a:xfrm>
+            <a:off x="744683" y="-47773"/>
+            <a:ext cx="1236707" cy="1236707"/>
+          </a:xfrm>
+          <a:prstGeom prst="rect">
+            <a:avLst/>
+          </a:prstGeom>
+        </p:spPr>
+      </p:pic>
+      <p:sp>
+        <p:nvSpPr>
+          <p:cNvPr id="2" name="Title 1">
+            <a:extLst>
+              <a:ext uri="{FF2B5EF4-FFF2-40B4-BE49-F238E27FC236}">
+                <a16:creationId xmlns:a16="http://schemas.microsoft.com/office/drawing/2014/main" id="{9DA33D13-A6DD-4F70-90E0-B2FBF766CA6D}"/>
+              </a:ext>
+            </a:extLst>
+          </p:cNvPr>
+          <p:cNvSpPr>
+            <a:spLocks noGrp="1"/>
+          </p:cNvSpPr>
+          <p:nvPr>
+            <p:ph type="title"/>
+          </p:nvPr>
+        </p:nvSpPr>
+        <p:spPr>
+          <a:xfrm>
+            <a:off x="2146146" y="288168"/>
+            <a:ext cx="9746927" cy="772006"/>
+          </a:xfrm>
+        </p:spPr>
+        <p:txBody>
+          <a:bodyPr>
+            <a:normAutofit/>
+          </a:bodyPr>
+          <a:lstStyle/>
+          <a:p>
+            <a:r>
+              <a:rPr lang="en-US" dirty="0">
+                <a:solidFill>
+                  <a:schemeClr val="bg1"/>
+                </a:solidFill>
+                <a:latin typeface="Selawik Semibold" panose="020B0702040204020203" pitchFamily="34" charset="0"/>
+              </a:rPr>
+              <a:t>+/- Player Ratings</a:t>
+            </a:r>
+          </a:p>
+        </p:txBody>
+      </p:sp>
+      <p:pic>
+        <p:nvPicPr>
+          <p:cNvPr id="27" name="Picture 26" descr="A close up of a toy&#10;&#10;Description automatically generated">
+            <a:extLst>
+              <a:ext uri="{FF2B5EF4-FFF2-40B4-BE49-F238E27FC236}">
+                <a16:creationId xmlns:a16="http://schemas.microsoft.com/office/drawing/2014/main" id="{F3F65D40-5045-4F6A-881C-5E044D5BEB71}"/>
+              </a:ext>
+            </a:extLst>
+          </p:cNvPr>
+          <p:cNvPicPr>
+            <a:picLocks noChangeAspect="1"/>
+          </p:cNvPicPr>
+          <p:nvPr/>
+        </p:nvPicPr>
+        <p:blipFill rotWithShape="1">
+          <a:blip r:embed="rId5">
+            <a:extLst>
+              <a:ext uri="{28A0092B-C50C-407E-A947-70E740481C1C}">
+                <a14:useLocalDpi xmlns:a14="http://schemas.microsoft.com/office/drawing/2010/main" val="0"/>
+              </a:ext>
+            </a:extLst>
+          </a:blip>
+          <a:srcRect t="11405" r="-2" b="25800"/>
+          <a:stretch/>
+        </p:blipFill>
+        <p:spPr>
+          <a:xfrm>
+            <a:off x="455571" y="3932600"/>
+            <a:ext cx="1598646" cy="1115388"/>
+          </a:xfrm>
+          <a:prstGeom prst="rect">
+            <a:avLst/>
+          </a:prstGeom>
+        </p:spPr>
+      </p:pic>
+      <p:sp>
+        <p:nvSpPr>
+          <p:cNvPr id="24" name="Content Placeholder 2">
+            <a:extLst>
+              <a:ext uri="{FF2B5EF4-FFF2-40B4-BE49-F238E27FC236}">
+                <a16:creationId xmlns:a16="http://schemas.microsoft.com/office/drawing/2014/main" id="{52313B83-B214-43D7-AC39-182CE4FA3E53}"/>
+              </a:ext>
+            </a:extLst>
+          </p:cNvPr>
+          <p:cNvSpPr>
+            <a:spLocks noGrp="1"/>
+          </p:cNvSpPr>
+          <p:nvPr>
+            <p:ph idx="1"/>
+          </p:nvPr>
+        </p:nvSpPr>
+        <p:spPr>
+          <a:xfrm>
+            <a:off x="2071467" y="1275565"/>
+            <a:ext cx="9215421" cy="5541546"/>
+          </a:xfrm>
+        </p:spPr>
+        <p:txBody>
+          <a:bodyPr>
+            <a:normAutofit/>
+          </a:bodyPr>
+          <a:lstStyle/>
+          <a:p>
+            <a:pPr>
+              <a:buSzPct val="100000"/>
+            </a:pPr>
+            <a:r>
+              <a:rPr lang="en-US" sz="2400" dirty="0">
+                <a:solidFill>
+                  <a:schemeClr val="bg1"/>
+                </a:solidFill>
+                <a:latin typeface="Selawik Semibold" panose="020B0702040204020203" pitchFamily="34" charset="0"/>
+              </a:rPr>
+              <a:t>WINVAL System</a:t>
+            </a:r>
+          </a:p>
+          <a:p>
+            <a:pPr lvl="1">
+              <a:buSzPct val="100000"/>
+            </a:pPr>
+            <a:r>
+              <a:rPr lang="en-US" sz="2000" dirty="0">
+                <a:solidFill>
+                  <a:schemeClr val="bg1"/>
+                </a:solidFill>
+                <a:latin typeface="Selawik Semibold" panose="020B0702040204020203" pitchFamily="34" charset="0"/>
+              </a:rPr>
+              <a:t>Created by Wayne Winston and Jeff </a:t>
+            </a:r>
+            <a:r>
+              <a:rPr lang="en-US" sz="2000" dirty="0" err="1">
+                <a:solidFill>
+                  <a:schemeClr val="bg1"/>
+                </a:solidFill>
+                <a:latin typeface="Selawik Semibold" panose="020B0702040204020203" pitchFamily="34" charset="0"/>
+              </a:rPr>
+              <a:t>Sagarin</a:t>
+            </a:r>
+            <a:endParaRPr lang="en-US" sz="2000" dirty="0">
+              <a:solidFill>
+                <a:schemeClr val="bg1"/>
+              </a:solidFill>
+              <a:latin typeface="Selawik Semibold" panose="020B0702040204020203" pitchFamily="34" charset="0"/>
+            </a:endParaRPr>
+          </a:p>
+          <a:p>
+            <a:pPr lvl="1">
+              <a:buSzPct val="100000"/>
+            </a:pPr>
+            <a:r>
+              <a:rPr lang="en-US" sz="2000" dirty="0">
+                <a:solidFill>
+                  <a:schemeClr val="bg1"/>
+                </a:solidFill>
+                <a:latin typeface="Selawik Semibold" panose="020B0702040204020203" pitchFamily="34" charset="0"/>
+              </a:rPr>
+              <a:t>Adjusts for Home Team Advantage (+3.2 Points Per 48 Minutes)</a:t>
+            </a:r>
+          </a:p>
+          <a:p>
+            <a:pPr lvl="1">
+              <a:buSzPct val="100000"/>
+            </a:pPr>
+            <a:r>
+              <a:rPr lang="en-US" sz="2000" dirty="0">
+                <a:solidFill>
+                  <a:schemeClr val="bg1"/>
+                </a:solidFill>
+                <a:latin typeface="Selawik Semibold" panose="020B0702040204020203" pitchFamily="34" charset="0"/>
+              </a:rPr>
+              <a:t>Adjusts for Time Interval Where Court Composition is Constant</a:t>
+            </a:r>
+          </a:p>
+          <a:p>
+            <a:pPr lvl="1">
+              <a:buSzPct val="100000"/>
+            </a:pPr>
+            <a:r>
+              <a:rPr lang="en-US" sz="2000" dirty="0">
+                <a:solidFill>
+                  <a:schemeClr val="bg1"/>
+                </a:solidFill>
+                <a:latin typeface="Selawik Semibold" panose="020B0702040204020203" pitchFamily="34" charset="0"/>
+              </a:rPr>
+              <a:t>Home Team Scores 9, Away Team Scores 7, and 3 Minute Time Segment</a:t>
+            </a:r>
+          </a:p>
+          <a:p>
+            <a:pPr lvl="1">
+              <a:buSzPct val="100000"/>
+            </a:pPr>
+            <a:endParaRPr lang="en-US" sz="2000" dirty="0">
+              <a:solidFill>
+                <a:schemeClr val="bg1"/>
+              </a:solidFill>
+              <a:latin typeface="Selawik Semibold" panose="020B0702040204020203" pitchFamily="34" charset="0"/>
+            </a:endParaRPr>
+          </a:p>
+          <a:p>
+            <a:pPr lvl="1">
+              <a:buSzPct val="100000"/>
+            </a:pPr>
+            <a:endParaRPr lang="en-US" sz="2000" dirty="0">
+              <a:solidFill>
+                <a:schemeClr val="bg1"/>
+              </a:solidFill>
+              <a:latin typeface="Selawik Semibold" panose="020B0702040204020203" pitchFamily="34" charset="0"/>
+            </a:endParaRPr>
+          </a:p>
+          <a:p>
+            <a:pPr lvl="1">
+              <a:buSzPct val="100000"/>
+            </a:pPr>
+            <a:endParaRPr lang="en-US" sz="2000" dirty="0">
+              <a:solidFill>
+                <a:schemeClr val="bg1"/>
+              </a:solidFill>
+              <a:latin typeface="Selawik Semibold" panose="020B0702040204020203" pitchFamily="34" charset="0"/>
+            </a:endParaRPr>
+          </a:p>
+          <a:p>
+            <a:pPr lvl="1">
+              <a:buSzPct val="100000"/>
+            </a:pPr>
+            <a:endParaRPr lang="en-US" sz="2000" dirty="0">
+              <a:solidFill>
+                <a:schemeClr val="bg1"/>
+              </a:solidFill>
+              <a:latin typeface="Selawik Semibold" panose="020B0702040204020203" pitchFamily="34" charset="0"/>
+            </a:endParaRPr>
+          </a:p>
+          <a:p>
+            <a:pPr lvl="1">
+              <a:buSzPct val="100000"/>
+            </a:pPr>
+            <a:endParaRPr lang="en-US" sz="2000" dirty="0">
+              <a:solidFill>
+                <a:schemeClr val="bg1"/>
+              </a:solidFill>
+              <a:latin typeface="Selawik Semibold" panose="020B0702040204020203" pitchFamily="34" charset="0"/>
+            </a:endParaRPr>
+          </a:p>
+          <a:p>
+            <a:pPr lvl="1">
+              <a:buSzPct val="100000"/>
+            </a:pPr>
+            <a:r>
+              <a:rPr lang="en-US" sz="2000" dirty="0">
+                <a:solidFill>
+                  <a:schemeClr val="bg1"/>
+                </a:solidFill>
+                <a:latin typeface="Selawik Semibold" panose="020B0702040204020203" pitchFamily="34" charset="0"/>
+              </a:rPr>
+              <a:t>Actual Adjusted Margin is 1.8 Points</a:t>
+            </a:r>
+          </a:p>
+          <a:p>
+            <a:pPr lvl="1">
+              <a:buSzPct val="100000"/>
+            </a:pPr>
+            <a:r>
+              <a:rPr lang="en-US" sz="2000" dirty="0">
+                <a:solidFill>
+                  <a:schemeClr val="bg1"/>
+                </a:solidFill>
+                <a:latin typeface="Selawik Semibold" panose="020B0702040204020203" pitchFamily="34" charset="0"/>
+              </a:rPr>
+              <a:t>Actual Adjusted Margin Per Minute is 1.8/3 = 0.6 Points</a:t>
+            </a:r>
+          </a:p>
+          <a:p>
+            <a:pPr lvl="1">
+              <a:buSzPct val="100000"/>
+            </a:pPr>
+            <a:endParaRPr lang="en-US" sz="2000" dirty="0">
+              <a:solidFill>
+                <a:schemeClr val="bg1"/>
+              </a:solidFill>
+              <a:latin typeface="Selawik Semibold" panose="020B0702040204020203" pitchFamily="34" charset="0"/>
+            </a:endParaRPr>
+          </a:p>
+          <a:p>
+            <a:pPr lvl="1">
+              <a:buSzPct val="100000"/>
+            </a:pPr>
+            <a:endParaRPr lang="en-US" sz="2000" dirty="0">
+              <a:solidFill>
+                <a:schemeClr val="bg1"/>
+              </a:solidFill>
+              <a:latin typeface="Selawik Semibold" panose="020B0702040204020203" pitchFamily="34" charset="0"/>
+            </a:endParaRPr>
+          </a:p>
+          <a:p>
+            <a:pPr marL="0" indent="0">
+              <a:buSzPct val="100000"/>
+              <a:buNone/>
+            </a:pPr>
+            <a:endParaRPr lang="en-US" sz="2400" dirty="0">
+              <a:solidFill>
+                <a:schemeClr val="bg1"/>
+              </a:solidFill>
+              <a:latin typeface="Selawik Semibold" panose="020B0702040204020203" pitchFamily="34" charset="0"/>
+            </a:endParaRPr>
+          </a:p>
+          <a:p>
+            <a:pPr marL="0" indent="0">
+              <a:buSzPct val="100000"/>
+              <a:buNone/>
+            </a:pPr>
+            <a:endParaRPr lang="en-US" sz="2400" dirty="0">
+              <a:solidFill>
+                <a:schemeClr val="bg1"/>
+              </a:solidFill>
+              <a:latin typeface="Selawik Semibold" panose="020B0702040204020203" pitchFamily="34" charset="0"/>
+            </a:endParaRPr>
+          </a:p>
+          <a:p>
+            <a:pPr lvl="1">
+              <a:buSzPct val="100000"/>
+            </a:pPr>
+            <a:endParaRPr lang="en-US" sz="2000" dirty="0">
+              <a:solidFill>
+                <a:schemeClr val="bg1"/>
+              </a:solidFill>
+              <a:latin typeface="Selawik Semibold" panose="020B0702040204020203" pitchFamily="34" charset="0"/>
+            </a:endParaRPr>
+          </a:p>
+        </p:txBody>
+      </p:sp>
+      <p:cxnSp>
+        <p:nvCxnSpPr>
+          <p:cNvPr id="33" name="Straight Connector 32">
+            <a:extLst>
+              <a:ext uri="{FF2B5EF4-FFF2-40B4-BE49-F238E27FC236}">
+                <a16:creationId xmlns:a16="http://schemas.microsoft.com/office/drawing/2014/main" id="{1164AB91-DF9B-4348-85B4-B3DBD68D0AB8}"/>
+              </a:ext>
+            </a:extLst>
+          </p:cNvPr>
+          <p:cNvCxnSpPr>
+            <a:cxnSpLocks/>
+          </p:cNvCxnSpPr>
+          <p:nvPr/>
+        </p:nvCxnSpPr>
+        <p:spPr>
+          <a:xfrm flipV="1">
+            <a:off x="1772959" y="1060174"/>
+            <a:ext cx="9513948" cy="40889"/>
+          </a:xfrm>
+          <a:prstGeom prst="line">
+            <a:avLst/>
+          </a:prstGeom>
+          <a:ln w="101600">
+            <a:solidFill>
+              <a:schemeClr val="bg1"/>
+            </a:solidFill>
+          </a:ln>
+        </p:spPr>
+        <p:style>
+          <a:lnRef idx="1">
+            <a:schemeClr val="accent1"/>
+          </a:lnRef>
+          <a:fillRef idx="0">
+            <a:schemeClr val="accent1"/>
+          </a:fillRef>
+          <a:effectRef idx="0">
+            <a:schemeClr val="accent1"/>
+          </a:effectRef>
+          <a:fontRef idx="minor">
+            <a:schemeClr val="tx1"/>
+          </a:fontRef>
+        </p:style>
+      </p:cxnSp>
+      <p:pic>
+        <p:nvPicPr>
+          <p:cNvPr id="35" name="Picture 34" descr="A picture containing clipart&#10;&#10;Description automatically generated">
+            <a:extLst>
+              <a:ext uri="{FF2B5EF4-FFF2-40B4-BE49-F238E27FC236}">
+                <a16:creationId xmlns:a16="http://schemas.microsoft.com/office/drawing/2014/main" id="{36A4252C-FA56-4DE4-B601-DA4D32813E54}"/>
+              </a:ext>
+            </a:extLst>
+          </p:cNvPr>
+          <p:cNvPicPr>
+            <a:picLocks noChangeAspect="1"/>
+          </p:cNvPicPr>
+          <p:nvPr/>
+        </p:nvPicPr>
+        <p:blipFill rotWithShape="1">
+          <a:blip r:embed="rId6">
+            <a:extLst>
+              <a:ext uri="{28A0092B-C50C-407E-A947-70E740481C1C}">
+                <a14:useLocalDpi xmlns:a14="http://schemas.microsoft.com/office/drawing/2010/main" val="0"/>
+              </a:ext>
+            </a:extLst>
+          </a:blip>
+          <a:srcRect l="11332" r="8033" b="-1"/>
+          <a:stretch/>
+        </p:blipFill>
+        <p:spPr>
+          <a:xfrm>
+            <a:off x="450297" y="2817212"/>
+            <a:ext cx="1598904" cy="1115388"/>
+          </a:xfrm>
+          <a:prstGeom prst="rect">
+            <a:avLst/>
+          </a:prstGeom>
+        </p:spPr>
+      </p:pic>
+      <p:cxnSp>
+        <p:nvCxnSpPr>
+          <p:cNvPr id="42" name="Straight Connector 41">
+            <a:extLst>
+              <a:ext uri="{FF2B5EF4-FFF2-40B4-BE49-F238E27FC236}">
+                <a16:creationId xmlns:a16="http://schemas.microsoft.com/office/drawing/2014/main" id="{0AC0AF4A-02B5-401B-9183-DFBDCAC17CB5}"/>
+              </a:ext>
+            </a:extLst>
+          </p:cNvPr>
+          <p:cNvCxnSpPr>
+            <a:cxnSpLocks/>
+          </p:cNvCxnSpPr>
+          <p:nvPr/>
+        </p:nvCxnSpPr>
+        <p:spPr>
+          <a:xfrm flipV="1">
+            <a:off x="1443448" y="1087104"/>
+            <a:ext cx="364940" cy="567192"/>
+          </a:xfrm>
+          <a:prstGeom prst="line">
+            <a:avLst/>
+          </a:prstGeom>
+          <a:ln w="101600">
+            <a:solidFill>
+              <a:schemeClr val="bg1"/>
+            </a:solidFill>
+          </a:ln>
+        </p:spPr>
+        <p:style>
+          <a:lnRef idx="1">
+            <a:schemeClr val="accent1"/>
+          </a:lnRef>
+          <a:fillRef idx="0">
+            <a:schemeClr val="accent1"/>
+          </a:fillRef>
+          <a:effectRef idx="0">
+            <a:schemeClr val="accent1"/>
+          </a:effectRef>
+          <a:fontRef idx="minor">
+            <a:schemeClr val="tx1"/>
+          </a:fontRef>
+        </p:style>
+      </p:cxnSp>
+      <p:cxnSp>
+        <p:nvCxnSpPr>
+          <p:cNvPr id="44" name="Straight Connector 43">
+            <a:extLst>
+              <a:ext uri="{FF2B5EF4-FFF2-40B4-BE49-F238E27FC236}">
+                <a16:creationId xmlns:a16="http://schemas.microsoft.com/office/drawing/2014/main" id="{3C0D842E-CE3C-450F-A5A5-11DDD6118C09}"/>
+              </a:ext>
+            </a:extLst>
+          </p:cNvPr>
+          <p:cNvCxnSpPr>
+            <a:cxnSpLocks/>
+          </p:cNvCxnSpPr>
+          <p:nvPr/>
+        </p:nvCxnSpPr>
+        <p:spPr>
+          <a:xfrm>
+            <a:off x="443317" y="-93164"/>
+            <a:ext cx="1000131" cy="1802428"/>
+          </a:xfrm>
+          <a:prstGeom prst="line">
+            <a:avLst/>
+          </a:prstGeom>
+          <a:ln w="101600">
+            <a:solidFill>
+              <a:schemeClr val="bg1"/>
+            </a:solidFill>
+          </a:ln>
+        </p:spPr>
+        <p:style>
+          <a:lnRef idx="1">
+            <a:schemeClr val="accent1"/>
+          </a:lnRef>
+          <a:fillRef idx="0">
+            <a:schemeClr val="accent1"/>
+          </a:fillRef>
+          <a:effectRef idx="0">
+            <a:schemeClr val="accent1"/>
+          </a:effectRef>
+          <a:fontRef idx="minor">
+            <a:schemeClr val="tx1"/>
+          </a:fontRef>
+        </p:style>
+      </p:cxnSp>
+      <p:cxnSp>
+        <p:nvCxnSpPr>
+          <p:cNvPr id="52" name="Straight Connector 51">
+            <a:extLst>
+              <a:ext uri="{FF2B5EF4-FFF2-40B4-BE49-F238E27FC236}">
+                <a16:creationId xmlns:a16="http://schemas.microsoft.com/office/drawing/2014/main" id="{67D3C56B-D516-4628-8E26-F56918CF8C92}"/>
+              </a:ext>
+            </a:extLst>
+          </p:cNvPr>
+          <p:cNvCxnSpPr>
+            <a:cxnSpLocks/>
+          </p:cNvCxnSpPr>
+          <p:nvPr/>
+        </p:nvCxnSpPr>
+        <p:spPr>
+          <a:xfrm>
+            <a:off x="369948" y="3889614"/>
+            <a:ext cx="1590634" cy="0"/>
+          </a:xfrm>
+          <a:prstGeom prst="line">
+            <a:avLst/>
+          </a:prstGeom>
+          <a:ln w="101600">
+            <a:solidFill>
+              <a:srgbClr val="A6A1A1"/>
+            </a:solidFill>
+          </a:ln>
+        </p:spPr>
+        <p:style>
+          <a:lnRef idx="1">
+            <a:schemeClr val="accent1"/>
+          </a:lnRef>
+          <a:fillRef idx="0">
+            <a:schemeClr val="accent1"/>
+          </a:fillRef>
+          <a:effectRef idx="0">
+            <a:schemeClr val="accent1"/>
+          </a:effectRef>
+          <a:fontRef idx="minor">
+            <a:schemeClr val="tx1"/>
+          </a:fontRef>
+        </p:style>
+      </p:cxnSp>
+      <p:cxnSp>
+        <p:nvCxnSpPr>
+          <p:cNvPr id="57" name="Straight Connector 56">
+            <a:extLst>
+              <a:ext uri="{FF2B5EF4-FFF2-40B4-BE49-F238E27FC236}">
+                <a16:creationId xmlns:a16="http://schemas.microsoft.com/office/drawing/2014/main" id="{B290DB4C-815D-42FC-98C1-898CC129644A}"/>
+              </a:ext>
+            </a:extLst>
+          </p:cNvPr>
+          <p:cNvCxnSpPr>
+            <a:cxnSpLocks/>
+          </p:cNvCxnSpPr>
+          <p:nvPr/>
+        </p:nvCxnSpPr>
+        <p:spPr>
+          <a:xfrm>
+            <a:off x="373606" y="2789797"/>
+            <a:ext cx="1590634" cy="0"/>
+          </a:xfrm>
+          <a:prstGeom prst="line">
+            <a:avLst/>
+          </a:prstGeom>
+          <a:ln w="101600">
+            <a:solidFill>
+              <a:srgbClr val="A6A1A1"/>
+            </a:solidFill>
+          </a:ln>
+        </p:spPr>
+        <p:style>
+          <a:lnRef idx="1">
+            <a:schemeClr val="accent1"/>
+          </a:lnRef>
+          <a:fillRef idx="0">
+            <a:schemeClr val="accent1"/>
+          </a:fillRef>
+          <a:effectRef idx="0">
+            <a:schemeClr val="accent1"/>
+          </a:effectRef>
+          <a:fontRef idx="minor">
+            <a:schemeClr val="tx1"/>
+          </a:fontRef>
+        </p:style>
+      </p:cxnSp>
+      <p:cxnSp>
+        <p:nvCxnSpPr>
+          <p:cNvPr id="58" name="Straight Connector 57">
+            <a:extLst>
+              <a:ext uri="{FF2B5EF4-FFF2-40B4-BE49-F238E27FC236}">
+                <a16:creationId xmlns:a16="http://schemas.microsoft.com/office/drawing/2014/main" id="{B7FDB3DF-10DC-4872-BCF3-6F2CC6DD0F1C}"/>
+              </a:ext>
+            </a:extLst>
+          </p:cNvPr>
+          <p:cNvCxnSpPr>
+            <a:cxnSpLocks/>
+          </p:cNvCxnSpPr>
+          <p:nvPr/>
+        </p:nvCxnSpPr>
+        <p:spPr>
+          <a:xfrm>
+            <a:off x="373606" y="5047988"/>
+            <a:ext cx="1590634" cy="0"/>
+          </a:xfrm>
+          <a:prstGeom prst="line">
+            <a:avLst/>
+          </a:prstGeom>
+          <a:ln w="101600">
+            <a:solidFill>
+              <a:schemeClr val="bg1">
+                <a:lumMod val="65000"/>
+              </a:schemeClr>
+            </a:solidFill>
+          </a:ln>
+        </p:spPr>
+        <p:style>
+          <a:lnRef idx="1">
+            <a:schemeClr val="accent1"/>
+          </a:lnRef>
+          <a:fillRef idx="0">
+            <a:schemeClr val="accent1"/>
+          </a:fillRef>
+          <a:effectRef idx="0">
+            <a:schemeClr val="accent1"/>
+          </a:effectRef>
+          <a:fontRef idx="minor">
+            <a:schemeClr val="tx1"/>
+          </a:fontRef>
+        </p:style>
+      </p:cxnSp>
+      <p:pic>
+        <p:nvPicPr>
+          <p:cNvPr id="61" name="Picture 60" descr="A close up of a toy&#10;&#10;Description automatically generated">
+            <a:extLst>
+              <a:ext uri="{FF2B5EF4-FFF2-40B4-BE49-F238E27FC236}">
+                <a16:creationId xmlns:a16="http://schemas.microsoft.com/office/drawing/2014/main" id="{96AE0023-E4EA-4D16-8B99-96DA8E83150F}"/>
+              </a:ext>
+            </a:extLst>
+          </p:cNvPr>
+          <p:cNvPicPr>
+            <a:picLocks noChangeAspect="1"/>
+          </p:cNvPicPr>
+          <p:nvPr/>
+        </p:nvPicPr>
+        <p:blipFill rotWithShape="1">
+          <a:blip r:embed="rId5">
+            <a:extLst>
+              <a:ext uri="{28A0092B-C50C-407E-A947-70E740481C1C}">
+                <a14:useLocalDpi xmlns:a14="http://schemas.microsoft.com/office/drawing/2010/main" val="0"/>
+              </a:ext>
+            </a:extLst>
+          </a:blip>
+          <a:srcRect t="11405" r="-2" b="25800"/>
+          <a:stretch/>
+        </p:blipFill>
+        <p:spPr>
+          <a:xfrm>
+            <a:off x="455571" y="6190676"/>
+            <a:ext cx="1598646" cy="1115388"/>
+          </a:xfrm>
+          <a:prstGeom prst="rect">
+            <a:avLst/>
+          </a:prstGeom>
+        </p:spPr>
+      </p:pic>
+      <p:pic>
+        <p:nvPicPr>
+          <p:cNvPr id="62" name="Picture 61" descr="A picture containing clipart&#10;&#10;Description automatically generated">
+            <a:extLst>
+              <a:ext uri="{FF2B5EF4-FFF2-40B4-BE49-F238E27FC236}">
+                <a16:creationId xmlns:a16="http://schemas.microsoft.com/office/drawing/2014/main" id="{569B3D08-70E8-4C8B-A239-7C18FB492C6D}"/>
+              </a:ext>
+            </a:extLst>
+          </p:cNvPr>
+          <p:cNvPicPr>
+            <a:picLocks noChangeAspect="1"/>
+          </p:cNvPicPr>
+          <p:nvPr/>
+        </p:nvPicPr>
+        <p:blipFill rotWithShape="1">
+          <a:blip r:embed="rId6">
+            <a:extLst>
+              <a:ext uri="{28A0092B-C50C-407E-A947-70E740481C1C}">
+                <a14:useLocalDpi xmlns:a14="http://schemas.microsoft.com/office/drawing/2010/main" val="0"/>
+              </a:ext>
+            </a:extLst>
+          </a:blip>
+          <a:srcRect l="11332" r="8033" b="-1"/>
+          <a:stretch/>
+        </p:blipFill>
+        <p:spPr>
+          <a:xfrm>
+            <a:off x="450297" y="5075288"/>
+            <a:ext cx="1598904" cy="1115388"/>
+          </a:xfrm>
+          <a:prstGeom prst="rect">
+            <a:avLst/>
+          </a:prstGeom>
+        </p:spPr>
+      </p:pic>
+      <p:cxnSp>
+        <p:nvCxnSpPr>
+          <p:cNvPr id="63" name="Straight Connector 62">
+            <a:extLst>
+              <a:ext uri="{FF2B5EF4-FFF2-40B4-BE49-F238E27FC236}">
+                <a16:creationId xmlns:a16="http://schemas.microsoft.com/office/drawing/2014/main" id="{20DB3758-374A-4C64-B771-E4915100FBBC}"/>
+              </a:ext>
+            </a:extLst>
+          </p:cNvPr>
+          <p:cNvCxnSpPr>
+            <a:cxnSpLocks/>
+          </p:cNvCxnSpPr>
+          <p:nvPr/>
+        </p:nvCxnSpPr>
+        <p:spPr>
+          <a:xfrm>
+            <a:off x="369948" y="6147690"/>
+            <a:ext cx="1590634" cy="0"/>
+          </a:xfrm>
+          <a:prstGeom prst="line">
+            <a:avLst/>
+          </a:prstGeom>
+          <a:ln w="101600">
+            <a:solidFill>
+              <a:srgbClr val="A6A1A1"/>
+            </a:solidFill>
+          </a:ln>
+        </p:spPr>
+        <p:style>
+          <a:lnRef idx="1">
+            <a:schemeClr val="accent1"/>
+          </a:lnRef>
+          <a:fillRef idx="0">
+            <a:schemeClr val="accent1"/>
+          </a:fillRef>
+          <a:effectRef idx="0">
+            <a:schemeClr val="accent1"/>
+          </a:effectRef>
+          <a:fontRef idx="minor">
+            <a:schemeClr val="tx1"/>
+          </a:fontRef>
+        </p:style>
+      </p:cxnSp>
+      <p:cxnSp>
+        <p:nvCxnSpPr>
+          <p:cNvPr id="64" name="Straight Connector 63">
+            <a:extLst>
+              <a:ext uri="{FF2B5EF4-FFF2-40B4-BE49-F238E27FC236}">
+                <a16:creationId xmlns:a16="http://schemas.microsoft.com/office/drawing/2014/main" id="{3BDADCEE-4407-4364-B613-6D0D45453CB7}"/>
+              </a:ext>
+            </a:extLst>
+          </p:cNvPr>
+          <p:cNvCxnSpPr>
+            <a:cxnSpLocks/>
+          </p:cNvCxnSpPr>
+          <p:nvPr/>
+        </p:nvCxnSpPr>
+        <p:spPr>
+          <a:xfrm>
+            <a:off x="373606" y="5047873"/>
+            <a:ext cx="1590634" cy="0"/>
+          </a:xfrm>
+          <a:prstGeom prst="line">
+            <a:avLst/>
+          </a:prstGeom>
+          <a:ln w="101600">
+            <a:solidFill>
+              <a:srgbClr val="A6A1A1"/>
+            </a:solidFill>
+          </a:ln>
+        </p:spPr>
+        <p:style>
+          <a:lnRef idx="1">
+            <a:schemeClr val="accent1"/>
+          </a:lnRef>
+          <a:fillRef idx="0">
+            <a:schemeClr val="accent1"/>
+          </a:fillRef>
+          <a:effectRef idx="0">
+            <a:schemeClr val="accent1"/>
+          </a:effectRef>
+          <a:fontRef idx="minor">
+            <a:schemeClr val="tx1"/>
+          </a:fontRef>
+        </p:style>
+      </p:cxnSp>
+      <p:cxnSp>
+        <p:nvCxnSpPr>
+          <p:cNvPr id="65" name="Straight Connector 64">
+            <a:extLst>
+              <a:ext uri="{FF2B5EF4-FFF2-40B4-BE49-F238E27FC236}">
+                <a16:creationId xmlns:a16="http://schemas.microsoft.com/office/drawing/2014/main" id="{DFF830B1-81C0-4325-8FC2-FD52D52FBC55}"/>
+              </a:ext>
+            </a:extLst>
+          </p:cNvPr>
+          <p:cNvCxnSpPr>
+            <a:cxnSpLocks/>
+          </p:cNvCxnSpPr>
+          <p:nvPr/>
+        </p:nvCxnSpPr>
+        <p:spPr>
+          <a:xfrm>
+            <a:off x="373606" y="7306064"/>
+            <a:ext cx="1590634" cy="0"/>
+          </a:xfrm>
+          <a:prstGeom prst="line">
+            <a:avLst/>
+          </a:prstGeom>
+          <a:ln w="101600">
+            <a:solidFill>
+              <a:schemeClr val="bg1">
+                <a:lumMod val="65000"/>
+              </a:schemeClr>
+            </a:solidFill>
+          </a:ln>
+        </p:spPr>
+        <p:style>
+          <a:lnRef idx="1">
+            <a:schemeClr val="accent1"/>
+          </a:lnRef>
+          <a:fillRef idx="0">
+            <a:schemeClr val="accent1"/>
+          </a:fillRef>
+          <a:effectRef idx="0">
+            <a:schemeClr val="accent1"/>
+          </a:effectRef>
+          <a:fontRef idx="minor">
+            <a:schemeClr val="tx1"/>
+          </a:fontRef>
+        </p:style>
+      </p:cxnSp>
+      <p:cxnSp>
+        <p:nvCxnSpPr>
+          <p:cNvPr id="37" name="Straight Connector 36">
+            <a:extLst>
+              <a:ext uri="{FF2B5EF4-FFF2-40B4-BE49-F238E27FC236}">
+                <a16:creationId xmlns:a16="http://schemas.microsoft.com/office/drawing/2014/main" id="{AD695731-30B6-474A-893D-D960E2F39AF9}"/>
+              </a:ext>
+            </a:extLst>
+          </p:cNvPr>
+          <p:cNvCxnSpPr>
+            <a:cxnSpLocks/>
+          </p:cNvCxnSpPr>
+          <p:nvPr/>
+        </p:nvCxnSpPr>
+        <p:spPr>
+          <a:xfrm flipV="1">
+            <a:off x="2010803" y="1087104"/>
+            <a:ext cx="0" cy="5770896"/>
+          </a:xfrm>
+          <a:prstGeom prst="line">
+            <a:avLst/>
+          </a:prstGeom>
+          <a:ln w="101600">
+            <a:solidFill>
+              <a:schemeClr val="bg1"/>
+            </a:solidFill>
+          </a:ln>
+        </p:spPr>
+        <p:style>
+          <a:lnRef idx="1">
+            <a:schemeClr val="accent1"/>
+          </a:lnRef>
+          <a:fillRef idx="0">
+            <a:schemeClr val="accent1"/>
+          </a:fillRef>
+          <a:effectRef idx="0">
+            <a:schemeClr val="accent1"/>
+          </a:effectRef>
+          <a:fontRef idx="minor">
+            <a:schemeClr val="tx1"/>
+          </a:fontRef>
+        </p:style>
+      </p:cxnSp>
+      <mc:AlternateContent xmlns:mc="http://schemas.openxmlformats.org/markup-compatibility/2006">
+        <mc:Choice xmlns:a14="http://schemas.microsoft.com/office/drawing/2010/main" Requires="a14">
+          <p:sp>
+            <p:nvSpPr>
+              <p:cNvPr id="20" name="TextBox 19">
+                <a:extLst>
+                  <a:ext uri="{FF2B5EF4-FFF2-40B4-BE49-F238E27FC236}">
+                    <a16:creationId xmlns:a16="http://schemas.microsoft.com/office/drawing/2014/main" id="{032C7B9D-31AA-4278-8709-6B24DE91FB03}"/>
+                  </a:ext>
+                </a:extLst>
+              </p:cNvPr>
+              <p:cNvSpPr txBox="1"/>
+              <p:nvPr/>
+            </p:nvSpPr>
+            <p:spPr>
+              <a:xfrm>
+                <a:off x="2616556" y="3174851"/>
+                <a:ext cx="7014332" cy="783869"/>
+              </a:xfrm>
+              <a:prstGeom prst="rect">
+                <a:avLst/>
+              </a:prstGeom>
+              <a:noFill/>
+            </p:spPr>
+            <p:txBody>
+              <a:bodyPr wrap="square" rtlCol="0">
+                <a:spAutoFit/>
+              </a:bodyPr>
+              <a:lstStyle/>
+              <a:p>
+                <a:pPr/>
+                <a14:m>
+                  <m:oMathPara xmlns:m="http://schemas.openxmlformats.org/officeDocument/2006/math">
+                    <m:oMathParaPr>
+                      <m:jc m:val="left"/>
+                    </m:oMathParaPr>
+                    <m:oMath xmlns:m="http://schemas.openxmlformats.org/officeDocument/2006/math">
+                      <m:r>
+                        <a:rPr lang="en-US" sz="2000" b="0" i="1" smtClean="0">
+                          <a:solidFill>
+                            <a:schemeClr val="bg1"/>
+                          </a:solidFill>
+                          <a:latin typeface="Cambria Math" panose="02040503050406030204" pitchFamily="18" charset="0"/>
+                        </a:rPr>
+                        <m:t>𝐴𝑑𝑗𝑢𝑠𝑡𝑒𝑑</m:t>
+                      </m:r>
+                      <m:r>
+                        <a:rPr lang="en-US" sz="2000" b="0" i="1" smtClean="0">
+                          <a:solidFill>
+                            <a:schemeClr val="bg1"/>
+                          </a:solidFill>
+                          <a:latin typeface="Cambria Math" panose="02040503050406030204" pitchFamily="18" charset="0"/>
+                        </a:rPr>
+                        <m:t> </m:t>
+                      </m:r>
+                      <m:r>
+                        <a:rPr lang="en-US" sz="2000" b="0" i="1" smtClean="0">
+                          <a:solidFill>
+                            <a:schemeClr val="bg1"/>
+                          </a:solidFill>
+                          <a:latin typeface="Cambria Math" panose="02040503050406030204" pitchFamily="18" charset="0"/>
+                        </a:rPr>
+                        <m:t>𝐻𝑜𝑚𝑒</m:t>
+                      </m:r>
+                      <m:r>
+                        <a:rPr lang="en-US" sz="2000" b="0" i="1" smtClean="0">
+                          <a:solidFill>
+                            <a:schemeClr val="bg1"/>
+                          </a:solidFill>
+                          <a:latin typeface="Cambria Math" panose="02040503050406030204" pitchFamily="18" charset="0"/>
+                        </a:rPr>
+                        <m:t> </m:t>
+                      </m:r>
+                      <m:r>
+                        <a:rPr lang="en-US" sz="2000" b="0" i="1" smtClean="0">
+                          <a:solidFill>
+                            <a:schemeClr val="bg1"/>
+                          </a:solidFill>
+                          <a:latin typeface="Cambria Math" panose="02040503050406030204" pitchFamily="18" charset="0"/>
+                        </a:rPr>
+                        <m:t>𝑇𝑒𝑎𝑚</m:t>
+                      </m:r>
+                      <m:r>
+                        <a:rPr lang="en-US" sz="2000" b="0" i="1" smtClean="0">
+                          <a:solidFill>
+                            <a:schemeClr val="bg1"/>
+                          </a:solidFill>
+                          <a:latin typeface="Cambria Math" panose="02040503050406030204" pitchFamily="18" charset="0"/>
+                        </a:rPr>
+                        <m:t> </m:t>
+                      </m:r>
+                      <m:r>
+                        <a:rPr lang="en-US" sz="2000" b="0" i="1" smtClean="0">
+                          <a:solidFill>
+                            <a:schemeClr val="bg1"/>
+                          </a:solidFill>
+                          <a:latin typeface="Cambria Math" panose="02040503050406030204" pitchFamily="18" charset="0"/>
+                        </a:rPr>
+                        <m:t>𝑆𝑐𝑜𝑟𝑒</m:t>
+                      </m:r>
+                      <m:r>
+                        <a:rPr lang="en-US" sz="2000" b="0" i="1" smtClean="0">
+                          <a:solidFill>
+                            <a:schemeClr val="bg1"/>
+                          </a:solidFill>
+                          <a:latin typeface="Cambria Math" panose="02040503050406030204" pitchFamily="18" charset="0"/>
+                        </a:rPr>
+                        <m:t>=9−</m:t>
+                      </m:r>
+                      <m:d>
+                        <m:dPr>
+                          <m:ctrlPr>
+                            <a:rPr lang="en-US" sz="2000" b="0" i="1" smtClean="0">
+                              <a:solidFill>
+                                <a:schemeClr val="bg1"/>
+                              </a:solidFill>
+                              <a:latin typeface="Cambria Math" panose="02040503050406030204" pitchFamily="18" charset="0"/>
+                            </a:rPr>
+                          </m:ctrlPr>
+                        </m:dPr>
+                        <m:e>
+                          <m:f>
+                            <m:fPr>
+                              <m:ctrlPr>
+                                <a:rPr lang="en-US" sz="2000" b="0" i="1" smtClean="0">
+                                  <a:solidFill>
+                                    <a:schemeClr val="bg1"/>
+                                  </a:solidFill>
+                                  <a:latin typeface="Cambria Math" panose="02040503050406030204" pitchFamily="18" charset="0"/>
+                                </a:rPr>
+                              </m:ctrlPr>
+                            </m:fPr>
+                            <m:num>
+                              <m:r>
+                                <a:rPr lang="en-US" sz="2000" b="0" i="1" smtClean="0">
+                                  <a:solidFill>
+                                    <a:schemeClr val="bg1"/>
+                                  </a:solidFill>
+                                  <a:latin typeface="Cambria Math" panose="02040503050406030204" pitchFamily="18" charset="0"/>
+                                </a:rPr>
+                                <m:t>3</m:t>
+                              </m:r>
+                            </m:num>
+                            <m:den>
+                              <m:r>
+                                <a:rPr lang="en-US" sz="2000" b="0" i="1" smtClean="0">
+                                  <a:solidFill>
+                                    <a:schemeClr val="bg1"/>
+                                  </a:solidFill>
+                                  <a:latin typeface="Cambria Math" panose="02040503050406030204" pitchFamily="18" charset="0"/>
+                                </a:rPr>
+                                <m:t>48</m:t>
+                              </m:r>
+                            </m:den>
+                          </m:f>
+                        </m:e>
+                      </m:d>
+                      <m:r>
+                        <a:rPr lang="en-US" sz="2000" b="0" i="1" smtClean="0">
+                          <a:solidFill>
+                            <a:schemeClr val="bg1"/>
+                          </a:solidFill>
+                          <a:latin typeface="Cambria Math" panose="02040503050406030204" pitchFamily="18" charset="0"/>
+                        </a:rPr>
+                        <m:t>×0.5</m:t>
+                      </m:r>
+                      <m:d>
+                        <m:dPr>
+                          <m:ctrlPr>
+                            <a:rPr lang="en-US" sz="2000" b="0" i="1" smtClean="0">
+                              <a:solidFill>
+                                <a:schemeClr val="bg1"/>
+                              </a:solidFill>
+                              <a:latin typeface="Cambria Math" panose="02040503050406030204" pitchFamily="18" charset="0"/>
+                            </a:rPr>
+                          </m:ctrlPr>
+                        </m:dPr>
+                        <m:e>
+                          <m:r>
+                            <a:rPr lang="en-US" sz="2000" b="0" i="1" smtClean="0">
+                              <a:solidFill>
+                                <a:schemeClr val="bg1"/>
+                              </a:solidFill>
+                              <a:latin typeface="Cambria Math" panose="02040503050406030204" pitchFamily="18" charset="0"/>
+                            </a:rPr>
+                            <m:t>3.2</m:t>
+                          </m:r>
+                        </m:e>
+                      </m:d>
+                      <m:r>
+                        <a:rPr lang="en-US" sz="2000" b="0" i="1" smtClean="0">
+                          <a:solidFill>
+                            <a:schemeClr val="bg1"/>
+                          </a:solidFill>
+                          <a:latin typeface="Cambria Math" panose="02040503050406030204" pitchFamily="18" charset="0"/>
+                        </a:rPr>
+                        <m:t>=8.9</m:t>
+                      </m:r>
+                    </m:oMath>
+                  </m:oMathPara>
+                </a14:m>
+                <a:endParaRPr lang="en-US" sz="2000" dirty="0"/>
+              </a:p>
+            </p:txBody>
+          </p:sp>
+        </mc:Choice>
+        <mc:Fallback>
+          <p:sp>
+            <p:nvSpPr>
+              <p:cNvPr id="20" name="TextBox 19">
+                <a:extLst>
+                  <a:ext uri="{FF2B5EF4-FFF2-40B4-BE49-F238E27FC236}">
+                    <a16:creationId xmlns:a16="http://schemas.microsoft.com/office/drawing/2014/main" id="{032C7B9D-31AA-4278-8709-6B24DE91FB03}"/>
+                  </a:ext>
+                </a:extLst>
+              </p:cNvPr>
+              <p:cNvSpPr txBox="1">
+                <a:spLocks noRot="1" noChangeAspect="1" noMove="1" noResize="1" noEditPoints="1" noAdjustHandles="1" noChangeArrowheads="1" noChangeShapeType="1" noTextEdit="1"/>
+              </p:cNvSpPr>
+              <p:nvPr/>
+            </p:nvSpPr>
+            <p:spPr>
+              <a:xfrm>
+                <a:off x="2616556" y="3174851"/>
+                <a:ext cx="7014332" cy="783869"/>
+              </a:xfrm>
+              <a:prstGeom prst="rect">
+                <a:avLst/>
+              </a:prstGeom>
+              <a:blipFill>
+                <a:blip r:embed="rId7"/>
+                <a:stretch>
+                  <a:fillRect/>
+                </a:stretch>
+              </a:blipFill>
+            </p:spPr>
+            <p:txBody>
+              <a:bodyPr/>
+              <a:lstStyle/>
+              <a:p>
+                <a:r>
+                  <a:rPr lang="en-US">
+                    <a:noFill/>
+                  </a:rPr>
+                  <a:t> </a:t>
+                </a:r>
+              </a:p>
+            </p:txBody>
+          </p:sp>
+        </mc:Fallback>
+      </mc:AlternateContent>
+      <mc:AlternateContent xmlns:mc="http://schemas.openxmlformats.org/markup-compatibility/2006">
+        <mc:Choice xmlns:a14="http://schemas.microsoft.com/office/drawing/2010/main" Requires="a14">
+          <p:sp>
+            <p:nvSpPr>
+              <p:cNvPr id="21" name="TextBox 20">
+                <a:extLst>
+                  <a:ext uri="{FF2B5EF4-FFF2-40B4-BE49-F238E27FC236}">
+                    <a16:creationId xmlns:a16="http://schemas.microsoft.com/office/drawing/2014/main" id="{BD5B4011-2FC3-47CF-BFE6-9D335F8AC7EB}"/>
+                  </a:ext>
+                </a:extLst>
+              </p:cNvPr>
+              <p:cNvSpPr txBox="1"/>
+              <p:nvPr/>
+            </p:nvSpPr>
+            <p:spPr>
+              <a:xfrm>
+                <a:off x="2616556" y="3972552"/>
+                <a:ext cx="7014332" cy="783869"/>
+              </a:xfrm>
+              <a:prstGeom prst="rect">
+                <a:avLst/>
+              </a:prstGeom>
+              <a:noFill/>
+            </p:spPr>
+            <p:txBody>
+              <a:bodyPr wrap="square" rtlCol="0">
+                <a:spAutoFit/>
+              </a:bodyPr>
+              <a:lstStyle/>
+              <a:p>
+                <a:pPr/>
+                <a14:m>
+                  <m:oMathPara xmlns:m="http://schemas.openxmlformats.org/officeDocument/2006/math">
+                    <m:oMathParaPr>
+                      <m:jc m:val="left"/>
+                    </m:oMathParaPr>
+                    <m:oMath xmlns:m="http://schemas.openxmlformats.org/officeDocument/2006/math">
+                      <m:r>
+                        <a:rPr lang="en-US" sz="2000" b="0" i="1" smtClean="0">
+                          <a:solidFill>
+                            <a:schemeClr val="bg1"/>
+                          </a:solidFill>
+                          <a:latin typeface="Cambria Math" panose="02040503050406030204" pitchFamily="18" charset="0"/>
+                        </a:rPr>
+                        <m:t>𝐴𝑑𝑗𝑢𝑠𝑡𝑒𝑑</m:t>
+                      </m:r>
+                      <m:r>
+                        <a:rPr lang="en-US" sz="2000" b="0" i="1" smtClean="0">
+                          <a:solidFill>
+                            <a:schemeClr val="bg1"/>
+                          </a:solidFill>
+                          <a:latin typeface="Cambria Math" panose="02040503050406030204" pitchFamily="18" charset="0"/>
+                        </a:rPr>
+                        <m:t> </m:t>
+                      </m:r>
+                      <m:r>
+                        <a:rPr lang="en-US" sz="2000" b="0" i="1" smtClean="0">
+                          <a:solidFill>
+                            <a:schemeClr val="bg1"/>
+                          </a:solidFill>
+                          <a:latin typeface="Cambria Math" panose="02040503050406030204" pitchFamily="18" charset="0"/>
+                        </a:rPr>
+                        <m:t>𝐴𝑤𝑎𝑦</m:t>
+                      </m:r>
+                      <m:r>
+                        <a:rPr lang="en-US" sz="2000" b="0" i="1" smtClean="0">
+                          <a:solidFill>
+                            <a:schemeClr val="bg1"/>
+                          </a:solidFill>
+                          <a:latin typeface="Cambria Math" panose="02040503050406030204" pitchFamily="18" charset="0"/>
+                        </a:rPr>
+                        <m:t> </m:t>
+                      </m:r>
+                      <m:r>
+                        <a:rPr lang="en-US" sz="2000" b="0" i="1" smtClean="0">
+                          <a:solidFill>
+                            <a:schemeClr val="bg1"/>
+                          </a:solidFill>
+                          <a:latin typeface="Cambria Math" panose="02040503050406030204" pitchFamily="18" charset="0"/>
+                        </a:rPr>
+                        <m:t>𝑇𝑒𝑎𝑚</m:t>
+                      </m:r>
+                      <m:r>
+                        <a:rPr lang="en-US" sz="2000" b="0" i="1" smtClean="0">
+                          <a:solidFill>
+                            <a:schemeClr val="bg1"/>
+                          </a:solidFill>
+                          <a:latin typeface="Cambria Math" panose="02040503050406030204" pitchFamily="18" charset="0"/>
+                        </a:rPr>
+                        <m:t> </m:t>
+                      </m:r>
+                      <m:r>
+                        <a:rPr lang="en-US" sz="2000" b="0" i="1" smtClean="0">
+                          <a:solidFill>
+                            <a:schemeClr val="bg1"/>
+                          </a:solidFill>
+                          <a:latin typeface="Cambria Math" panose="02040503050406030204" pitchFamily="18" charset="0"/>
+                        </a:rPr>
+                        <m:t>𝑆𝑐𝑜𝑟𝑒</m:t>
+                      </m:r>
+                      <m:r>
+                        <a:rPr lang="en-US" sz="2000" b="0" i="1" smtClean="0">
+                          <a:solidFill>
+                            <a:schemeClr val="bg1"/>
+                          </a:solidFill>
+                          <a:latin typeface="Cambria Math" panose="02040503050406030204" pitchFamily="18" charset="0"/>
+                        </a:rPr>
+                        <m:t>=7+</m:t>
+                      </m:r>
+                      <m:d>
+                        <m:dPr>
+                          <m:ctrlPr>
+                            <a:rPr lang="en-US" sz="2000" b="0" i="1" smtClean="0">
+                              <a:solidFill>
+                                <a:schemeClr val="bg1"/>
+                              </a:solidFill>
+                              <a:latin typeface="Cambria Math" panose="02040503050406030204" pitchFamily="18" charset="0"/>
+                            </a:rPr>
+                          </m:ctrlPr>
+                        </m:dPr>
+                        <m:e>
+                          <m:f>
+                            <m:fPr>
+                              <m:ctrlPr>
+                                <a:rPr lang="en-US" sz="2000" b="0" i="1" smtClean="0">
+                                  <a:solidFill>
+                                    <a:schemeClr val="bg1"/>
+                                  </a:solidFill>
+                                  <a:latin typeface="Cambria Math" panose="02040503050406030204" pitchFamily="18" charset="0"/>
+                                </a:rPr>
+                              </m:ctrlPr>
+                            </m:fPr>
+                            <m:num>
+                              <m:r>
+                                <a:rPr lang="en-US" sz="2000" b="0" i="1" smtClean="0">
+                                  <a:solidFill>
+                                    <a:schemeClr val="bg1"/>
+                                  </a:solidFill>
+                                  <a:latin typeface="Cambria Math" panose="02040503050406030204" pitchFamily="18" charset="0"/>
+                                </a:rPr>
+                                <m:t>3</m:t>
+                              </m:r>
+                            </m:num>
+                            <m:den>
+                              <m:r>
+                                <a:rPr lang="en-US" sz="2000" b="0" i="1" smtClean="0">
+                                  <a:solidFill>
+                                    <a:schemeClr val="bg1"/>
+                                  </a:solidFill>
+                                  <a:latin typeface="Cambria Math" panose="02040503050406030204" pitchFamily="18" charset="0"/>
+                                </a:rPr>
+                                <m:t>48</m:t>
+                              </m:r>
+                            </m:den>
+                          </m:f>
+                        </m:e>
+                      </m:d>
+                      <m:r>
+                        <a:rPr lang="en-US" sz="2000" b="0" i="1" smtClean="0">
+                          <a:solidFill>
+                            <a:schemeClr val="bg1"/>
+                          </a:solidFill>
+                          <a:latin typeface="Cambria Math" panose="02040503050406030204" pitchFamily="18" charset="0"/>
+                        </a:rPr>
+                        <m:t>×0.5</m:t>
+                      </m:r>
+                      <m:d>
+                        <m:dPr>
+                          <m:ctrlPr>
+                            <a:rPr lang="en-US" sz="2000" b="0" i="1" smtClean="0">
+                              <a:solidFill>
+                                <a:schemeClr val="bg1"/>
+                              </a:solidFill>
+                              <a:latin typeface="Cambria Math" panose="02040503050406030204" pitchFamily="18" charset="0"/>
+                            </a:rPr>
+                          </m:ctrlPr>
+                        </m:dPr>
+                        <m:e>
+                          <m:r>
+                            <a:rPr lang="en-US" sz="2000" b="0" i="1" smtClean="0">
+                              <a:solidFill>
+                                <a:schemeClr val="bg1"/>
+                              </a:solidFill>
+                              <a:latin typeface="Cambria Math" panose="02040503050406030204" pitchFamily="18" charset="0"/>
+                            </a:rPr>
+                            <m:t>3.2</m:t>
+                          </m:r>
+                        </m:e>
+                      </m:d>
+                      <m:r>
+                        <a:rPr lang="en-US" sz="2000" b="0" i="1" smtClean="0">
+                          <a:solidFill>
+                            <a:schemeClr val="bg1"/>
+                          </a:solidFill>
+                          <a:latin typeface="Cambria Math" panose="02040503050406030204" pitchFamily="18" charset="0"/>
+                        </a:rPr>
+                        <m:t>=7.1</m:t>
+                      </m:r>
+                    </m:oMath>
+                  </m:oMathPara>
+                </a14:m>
+                <a:endParaRPr lang="en-US" sz="2000" dirty="0"/>
+              </a:p>
+            </p:txBody>
+          </p:sp>
+        </mc:Choice>
+        <mc:Fallback>
+          <p:sp>
+            <p:nvSpPr>
+              <p:cNvPr id="21" name="TextBox 20">
+                <a:extLst>
+                  <a:ext uri="{FF2B5EF4-FFF2-40B4-BE49-F238E27FC236}">
+                    <a16:creationId xmlns:a16="http://schemas.microsoft.com/office/drawing/2014/main" id="{BD5B4011-2FC3-47CF-BFE6-9D335F8AC7EB}"/>
+                  </a:ext>
+                </a:extLst>
+              </p:cNvPr>
+              <p:cNvSpPr txBox="1">
+                <a:spLocks noRot="1" noChangeAspect="1" noMove="1" noResize="1" noEditPoints="1" noAdjustHandles="1" noChangeArrowheads="1" noChangeShapeType="1" noTextEdit="1"/>
+              </p:cNvSpPr>
+              <p:nvPr/>
+            </p:nvSpPr>
+            <p:spPr>
+              <a:xfrm>
+                <a:off x="2616556" y="3972552"/>
+                <a:ext cx="7014332" cy="783869"/>
               </a:xfrm>
               <a:prstGeom prst="rect">
                 <a:avLst/>
@@ -6382,7 +8748,7 @@
     </p:spTree>
     <p:extLst>
       <p:ext uri="{BB962C8B-B14F-4D97-AF65-F5344CB8AC3E}">
-        <p14:creationId xmlns:p14="http://schemas.microsoft.com/office/powerpoint/2010/main" val="1596968714"/>
+        <p14:creationId xmlns:p14="http://schemas.microsoft.com/office/powerpoint/2010/main" val="4259725986"/>
       </p:ext>
     </p:extLst>
   </p:cSld>
@@ -6392,7 +8758,1220 @@
 </p:sld>
 </file>
 
-<file path=ppt/slides/slide11.xml><?xml version="1.0" encoding="utf-8"?>
+<file path=ppt/slides/slide13.xml><?xml version="1.0" encoding="utf-8"?>
+<p:sld xmlns:a="http://schemas.openxmlformats.org/drawingml/2006/main" xmlns:r="http://schemas.openxmlformats.org/officeDocument/2006/relationships" xmlns:p="http://schemas.openxmlformats.org/presentationml/2006/main">
+  <p:cSld>
+    <p:bg>
+      <p:bgPr>
+        <a:solidFill>
+          <a:srgbClr val="395583"/>
+        </a:solidFill>
+        <a:effectLst/>
+      </p:bgPr>
+    </p:bg>
+    <p:spTree>
+      <p:nvGrpSpPr>
+        <p:cNvPr id="1" name=""/>
+        <p:cNvGrpSpPr/>
+        <p:nvPr/>
+      </p:nvGrpSpPr>
+      <p:grpSpPr>
+        <a:xfrm>
+          <a:off x="0" y="0"/>
+          <a:ext cx="0" cy="0"/>
+          <a:chOff x="0" y="0"/>
+          <a:chExt cx="0" cy="0"/>
+        </a:xfrm>
+      </p:grpSpPr>
+      <p:pic>
+        <p:nvPicPr>
+          <p:cNvPr id="23" name="Graphic 22" descr="Basketball">
+            <a:extLst>
+              <a:ext uri="{FF2B5EF4-FFF2-40B4-BE49-F238E27FC236}">
+                <a16:creationId xmlns:a16="http://schemas.microsoft.com/office/drawing/2014/main" id="{E9648A1B-FAF4-4D5E-A5FA-056876B6D1ED}"/>
+              </a:ext>
+            </a:extLst>
+          </p:cNvPr>
+          <p:cNvPicPr>
+            <a:picLocks noChangeAspect="1"/>
+          </p:cNvPicPr>
+          <p:nvPr/>
+        </p:nvPicPr>
+        <p:blipFill>
+          <a:blip r:embed="rId3">
+            <a:extLst>
+              <a:ext uri="{28A0092B-C50C-407E-A947-70E740481C1C}">
+                <a14:useLocalDpi xmlns:a14="http://schemas.microsoft.com/office/drawing/2010/main" val="0"/>
+              </a:ext>
+              <a:ext uri="{96DAC541-7B7A-43D3-8B79-37D633B846F1}">
+                <asvg:svgBlip xmlns:asvg="http://schemas.microsoft.com/office/drawing/2016/SVG/main" r:embed="rId4"/>
+              </a:ext>
+            </a:extLst>
+          </a:blip>
+          <a:stretch>
+            <a:fillRect/>
+          </a:stretch>
+        </p:blipFill>
+        <p:spPr>
+          <a:xfrm>
+            <a:off x="744683" y="-47773"/>
+            <a:ext cx="1236707" cy="1236707"/>
+          </a:xfrm>
+          <a:prstGeom prst="rect">
+            <a:avLst/>
+          </a:prstGeom>
+        </p:spPr>
+      </p:pic>
+      <p:sp>
+        <p:nvSpPr>
+          <p:cNvPr id="2" name="Title 1">
+            <a:extLst>
+              <a:ext uri="{FF2B5EF4-FFF2-40B4-BE49-F238E27FC236}">
+                <a16:creationId xmlns:a16="http://schemas.microsoft.com/office/drawing/2014/main" id="{9DA33D13-A6DD-4F70-90E0-B2FBF766CA6D}"/>
+              </a:ext>
+            </a:extLst>
+          </p:cNvPr>
+          <p:cNvSpPr>
+            <a:spLocks noGrp="1"/>
+          </p:cNvSpPr>
+          <p:nvPr>
+            <p:ph type="title"/>
+          </p:nvPr>
+        </p:nvSpPr>
+        <p:spPr>
+          <a:xfrm>
+            <a:off x="2146146" y="288168"/>
+            <a:ext cx="9746927" cy="772006"/>
+          </a:xfrm>
+        </p:spPr>
+        <p:txBody>
+          <a:bodyPr>
+            <a:normAutofit/>
+          </a:bodyPr>
+          <a:lstStyle/>
+          <a:p>
+            <a:r>
+              <a:rPr lang="en-US" dirty="0">
+                <a:solidFill>
+                  <a:schemeClr val="bg1"/>
+                </a:solidFill>
+                <a:latin typeface="Selawik Semibold" panose="020B0702040204020203" pitchFamily="34" charset="0"/>
+              </a:rPr>
+              <a:t>+/- Player Ratings</a:t>
+            </a:r>
+          </a:p>
+        </p:txBody>
+      </p:sp>
+      <p:pic>
+        <p:nvPicPr>
+          <p:cNvPr id="27" name="Picture 26" descr="A close up of a toy&#10;&#10;Description automatically generated">
+            <a:extLst>
+              <a:ext uri="{FF2B5EF4-FFF2-40B4-BE49-F238E27FC236}">
+                <a16:creationId xmlns:a16="http://schemas.microsoft.com/office/drawing/2014/main" id="{F3F65D40-5045-4F6A-881C-5E044D5BEB71}"/>
+              </a:ext>
+            </a:extLst>
+          </p:cNvPr>
+          <p:cNvPicPr>
+            <a:picLocks noChangeAspect="1"/>
+          </p:cNvPicPr>
+          <p:nvPr/>
+        </p:nvPicPr>
+        <p:blipFill rotWithShape="1">
+          <a:blip r:embed="rId5">
+            <a:extLst>
+              <a:ext uri="{28A0092B-C50C-407E-A947-70E740481C1C}">
+                <a14:useLocalDpi xmlns:a14="http://schemas.microsoft.com/office/drawing/2010/main" val="0"/>
+              </a:ext>
+            </a:extLst>
+          </a:blip>
+          <a:srcRect t="11405" r="-2" b="25800"/>
+          <a:stretch/>
+        </p:blipFill>
+        <p:spPr>
+          <a:xfrm>
+            <a:off x="455571" y="3932600"/>
+            <a:ext cx="1598646" cy="1115388"/>
+          </a:xfrm>
+          <a:prstGeom prst="rect">
+            <a:avLst/>
+          </a:prstGeom>
+        </p:spPr>
+      </p:pic>
+      <p:sp>
+        <p:nvSpPr>
+          <p:cNvPr id="24" name="Content Placeholder 2">
+            <a:extLst>
+              <a:ext uri="{FF2B5EF4-FFF2-40B4-BE49-F238E27FC236}">
+                <a16:creationId xmlns:a16="http://schemas.microsoft.com/office/drawing/2014/main" id="{52313B83-B214-43D7-AC39-182CE4FA3E53}"/>
+              </a:ext>
+            </a:extLst>
+          </p:cNvPr>
+          <p:cNvSpPr>
+            <a:spLocks noGrp="1"/>
+          </p:cNvSpPr>
+          <p:nvPr>
+            <p:ph idx="1"/>
+          </p:nvPr>
+        </p:nvSpPr>
+        <p:spPr>
+          <a:xfrm>
+            <a:off x="2071467" y="1275565"/>
+            <a:ext cx="9215421" cy="5541546"/>
+          </a:xfrm>
+        </p:spPr>
+        <p:txBody>
+          <a:bodyPr>
+            <a:normAutofit/>
+          </a:bodyPr>
+          <a:lstStyle/>
+          <a:p>
+            <a:pPr>
+              <a:buSzPct val="100000"/>
+            </a:pPr>
+            <a:r>
+              <a:rPr lang="en-US" sz="2400" dirty="0">
+                <a:solidFill>
+                  <a:schemeClr val="bg1"/>
+                </a:solidFill>
+                <a:latin typeface="Selawik Semibold" panose="020B0702040204020203" pitchFamily="34" charset="0"/>
+              </a:rPr>
+              <a:t>WINVAL System</a:t>
+            </a:r>
+          </a:p>
+          <a:p>
+            <a:pPr lvl="1">
+              <a:buSzPct val="100000"/>
+            </a:pPr>
+            <a:r>
+              <a:rPr lang="en-US" sz="2000" dirty="0">
+                <a:solidFill>
+                  <a:schemeClr val="bg1"/>
+                </a:solidFill>
+                <a:latin typeface="Selawik Semibold" panose="020B0702040204020203" pitchFamily="34" charset="0"/>
+              </a:rPr>
+              <a:t>Predicted Margin Per Minute</a:t>
+            </a:r>
+          </a:p>
+          <a:p>
+            <a:pPr>
+              <a:buSzPct val="100000"/>
+            </a:pPr>
+            <a:endParaRPr lang="en-US" sz="2400" dirty="0">
+              <a:solidFill>
+                <a:schemeClr val="bg1"/>
+              </a:solidFill>
+              <a:latin typeface="Selawik Semibold" panose="020B0702040204020203" pitchFamily="34" charset="0"/>
+            </a:endParaRPr>
+          </a:p>
+          <a:p>
+            <a:pPr lvl="1">
+              <a:buSzPct val="100000"/>
+            </a:pPr>
+            <a:endParaRPr lang="en-US" sz="2000" dirty="0">
+              <a:solidFill>
+                <a:schemeClr val="bg1"/>
+              </a:solidFill>
+              <a:latin typeface="Selawik Semibold" panose="020B0702040204020203" pitchFamily="34" charset="0"/>
+            </a:endParaRPr>
+          </a:p>
+          <a:p>
+            <a:pPr lvl="1">
+              <a:buSzPct val="100000"/>
+            </a:pPr>
+            <a:r>
+              <a:rPr lang="en-US" sz="2000" dirty="0">
+                <a:solidFill>
+                  <a:schemeClr val="bg1"/>
+                </a:solidFill>
+                <a:latin typeface="Selawik Semibold" panose="020B0702040204020203" pitchFamily="34" charset="0"/>
+              </a:rPr>
+              <a:t>Goal: Choose Player Ratings So That the Predicted Margin is as Close as Possible to the Actual Adjusted Margin</a:t>
+            </a:r>
+          </a:p>
+          <a:p>
+            <a:pPr marL="274320" lvl="1" indent="0">
+              <a:buSzPct val="100000"/>
+              <a:buNone/>
+            </a:pPr>
+            <a:r>
+              <a:rPr lang="en-US" sz="2000" dirty="0">
+                <a:solidFill>
+                  <a:schemeClr val="bg1"/>
+                </a:solidFill>
+                <a:latin typeface="Selawik Semibold" panose="020B0702040204020203" pitchFamily="34" charset="0"/>
+              </a:rPr>
+              <a:t> </a:t>
+            </a:r>
+          </a:p>
+          <a:p>
+            <a:pPr lvl="1">
+              <a:buSzPct val="100000"/>
+            </a:pPr>
+            <a:endParaRPr lang="en-US" sz="2000" dirty="0">
+              <a:solidFill>
+                <a:schemeClr val="bg1"/>
+              </a:solidFill>
+              <a:latin typeface="Selawik Semibold" panose="020B0702040204020203" pitchFamily="34" charset="0"/>
+            </a:endParaRPr>
+          </a:p>
+          <a:p>
+            <a:pPr lvl="1">
+              <a:buSzPct val="100000"/>
+            </a:pPr>
+            <a:endParaRPr lang="en-US" sz="2000" dirty="0">
+              <a:solidFill>
+                <a:schemeClr val="bg1"/>
+              </a:solidFill>
+              <a:latin typeface="Selawik Semibold" panose="020B0702040204020203" pitchFamily="34" charset="0"/>
+            </a:endParaRPr>
+          </a:p>
+          <a:p>
+            <a:pPr marL="0" indent="0">
+              <a:buSzPct val="100000"/>
+              <a:buNone/>
+            </a:pPr>
+            <a:endParaRPr lang="en-US" sz="2400" dirty="0">
+              <a:solidFill>
+                <a:schemeClr val="bg1"/>
+              </a:solidFill>
+              <a:latin typeface="Selawik Semibold" panose="020B0702040204020203" pitchFamily="34" charset="0"/>
+            </a:endParaRPr>
+          </a:p>
+          <a:p>
+            <a:pPr marL="0" indent="0">
+              <a:buSzPct val="100000"/>
+              <a:buNone/>
+            </a:pPr>
+            <a:endParaRPr lang="en-US" sz="2400" dirty="0">
+              <a:solidFill>
+                <a:schemeClr val="bg1"/>
+              </a:solidFill>
+              <a:latin typeface="Selawik Semibold" panose="020B0702040204020203" pitchFamily="34" charset="0"/>
+            </a:endParaRPr>
+          </a:p>
+          <a:p>
+            <a:pPr lvl="1">
+              <a:buSzPct val="100000"/>
+            </a:pPr>
+            <a:endParaRPr lang="en-US" sz="2000" dirty="0">
+              <a:solidFill>
+                <a:schemeClr val="bg1"/>
+              </a:solidFill>
+              <a:latin typeface="Selawik Semibold" panose="020B0702040204020203" pitchFamily="34" charset="0"/>
+            </a:endParaRPr>
+          </a:p>
+        </p:txBody>
+      </p:sp>
+      <p:cxnSp>
+        <p:nvCxnSpPr>
+          <p:cNvPr id="33" name="Straight Connector 32">
+            <a:extLst>
+              <a:ext uri="{FF2B5EF4-FFF2-40B4-BE49-F238E27FC236}">
+                <a16:creationId xmlns:a16="http://schemas.microsoft.com/office/drawing/2014/main" id="{1164AB91-DF9B-4348-85B4-B3DBD68D0AB8}"/>
+              </a:ext>
+            </a:extLst>
+          </p:cNvPr>
+          <p:cNvCxnSpPr>
+            <a:cxnSpLocks/>
+          </p:cNvCxnSpPr>
+          <p:nvPr/>
+        </p:nvCxnSpPr>
+        <p:spPr>
+          <a:xfrm flipV="1">
+            <a:off x="1772959" y="1060174"/>
+            <a:ext cx="9513948" cy="40889"/>
+          </a:xfrm>
+          <a:prstGeom prst="line">
+            <a:avLst/>
+          </a:prstGeom>
+          <a:ln w="101600">
+            <a:solidFill>
+              <a:schemeClr val="bg1"/>
+            </a:solidFill>
+          </a:ln>
+        </p:spPr>
+        <p:style>
+          <a:lnRef idx="1">
+            <a:schemeClr val="accent1"/>
+          </a:lnRef>
+          <a:fillRef idx="0">
+            <a:schemeClr val="accent1"/>
+          </a:fillRef>
+          <a:effectRef idx="0">
+            <a:schemeClr val="accent1"/>
+          </a:effectRef>
+          <a:fontRef idx="minor">
+            <a:schemeClr val="tx1"/>
+          </a:fontRef>
+        </p:style>
+      </p:cxnSp>
+      <p:pic>
+        <p:nvPicPr>
+          <p:cNvPr id="35" name="Picture 34" descr="A picture containing clipart&#10;&#10;Description automatically generated">
+            <a:extLst>
+              <a:ext uri="{FF2B5EF4-FFF2-40B4-BE49-F238E27FC236}">
+                <a16:creationId xmlns:a16="http://schemas.microsoft.com/office/drawing/2014/main" id="{36A4252C-FA56-4DE4-B601-DA4D32813E54}"/>
+              </a:ext>
+            </a:extLst>
+          </p:cNvPr>
+          <p:cNvPicPr>
+            <a:picLocks noChangeAspect="1"/>
+          </p:cNvPicPr>
+          <p:nvPr/>
+        </p:nvPicPr>
+        <p:blipFill rotWithShape="1">
+          <a:blip r:embed="rId6">
+            <a:extLst>
+              <a:ext uri="{28A0092B-C50C-407E-A947-70E740481C1C}">
+                <a14:useLocalDpi xmlns:a14="http://schemas.microsoft.com/office/drawing/2010/main" val="0"/>
+              </a:ext>
+            </a:extLst>
+          </a:blip>
+          <a:srcRect l="11332" r="8033" b="-1"/>
+          <a:stretch/>
+        </p:blipFill>
+        <p:spPr>
+          <a:xfrm>
+            <a:off x="450297" y="2817212"/>
+            <a:ext cx="1598904" cy="1115388"/>
+          </a:xfrm>
+          <a:prstGeom prst="rect">
+            <a:avLst/>
+          </a:prstGeom>
+        </p:spPr>
+      </p:pic>
+      <p:cxnSp>
+        <p:nvCxnSpPr>
+          <p:cNvPr id="42" name="Straight Connector 41">
+            <a:extLst>
+              <a:ext uri="{FF2B5EF4-FFF2-40B4-BE49-F238E27FC236}">
+                <a16:creationId xmlns:a16="http://schemas.microsoft.com/office/drawing/2014/main" id="{0AC0AF4A-02B5-401B-9183-DFBDCAC17CB5}"/>
+              </a:ext>
+            </a:extLst>
+          </p:cNvPr>
+          <p:cNvCxnSpPr>
+            <a:cxnSpLocks/>
+          </p:cNvCxnSpPr>
+          <p:nvPr/>
+        </p:nvCxnSpPr>
+        <p:spPr>
+          <a:xfrm flipV="1">
+            <a:off x="1443448" y="1087104"/>
+            <a:ext cx="364940" cy="567192"/>
+          </a:xfrm>
+          <a:prstGeom prst="line">
+            <a:avLst/>
+          </a:prstGeom>
+          <a:ln w="101600">
+            <a:solidFill>
+              <a:schemeClr val="bg1"/>
+            </a:solidFill>
+          </a:ln>
+        </p:spPr>
+        <p:style>
+          <a:lnRef idx="1">
+            <a:schemeClr val="accent1"/>
+          </a:lnRef>
+          <a:fillRef idx="0">
+            <a:schemeClr val="accent1"/>
+          </a:fillRef>
+          <a:effectRef idx="0">
+            <a:schemeClr val="accent1"/>
+          </a:effectRef>
+          <a:fontRef idx="minor">
+            <a:schemeClr val="tx1"/>
+          </a:fontRef>
+        </p:style>
+      </p:cxnSp>
+      <p:cxnSp>
+        <p:nvCxnSpPr>
+          <p:cNvPr id="44" name="Straight Connector 43">
+            <a:extLst>
+              <a:ext uri="{FF2B5EF4-FFF2-40B4-BE49-F238E27FC236}">
+                <a16:creationId xmlns:a16="http://schemas.microsoft.com/office/drawing/2014/main" id="{3C0D842E-CE3C-450F-A5A5-11DDD6118C09}"/>
+              </a:ext>
+            </a:extLst>
+          </p:cNvPr>
+          <p:cNvCxnSpPr>
+            <a:cxnSpLocks/>
+          </p:cNvCxnSpPr>
+          <p:nvPr/>
+        </p:nvCxnSpPr>
+        <p:spPr>
+          <a:xfrm>
+            <a:off x="443317" y="-93164"/>
+            <a:ext cx="1000131" cy="1802428"/>
+          </a:xfrm>
+          <a:prstGeom prst="line">
+            <a:avLst/>
+          </a:prstGeom>
+          <a:ln w="101600">
+            <a:solidFill>
+              <a:schemeClr val="bg1"/>
+            </a:solidFill>
+          </a:ln>
+        </p:spPr>
+        <p:style>
+          <a:lnRef idx="1">
+            <a:schemeClr val="accent1"/>
+          </a:lnRef>
+          <a:fillRef idx="0">
+            <a:schemeClr val="accent1"/>
+          </a:fillRef>
+          <a:effectRef idx="0">
+            <a:schemeClr val="accent1"/>
+          </a:effectRef>
+          <a:fontRef idx="minor">
+            <a:schemeClr val="tx1"/>
+          </a:fontRef>
+        </p:style>
+      </p:cxnSp>
+      <p:cxnSp>
+        <p:nvCxnSpPr>
+          <p:cNvPr id="52" name="Straight Connector 51">
+            <a:extLst>
+              <a:ext uri="{FF2B5EF4-FFF2-40B4-BE49-F238E27FC236}">
+                <a16:creationId xmlns:a16="http://schemas.microsoft.com/office/drawing/2014/main" id="{67D3C56B-D516-4628-8E26-F56918CF8C92}"/>
+              </a:ext>
+            </a:extLst>
+          </p:cNvPr>
+          <p:cNvCxnSpPr>
+            <a:cxnSpLocks/>
+          </p:cNvCxnSpPr>
+          <p:nvPr/>
+        </p:nvCxnSpPr>
+        <p:spPr>
+          <a:xfrm>
+            <a:off x="369948" y="3889614"/>
+            <a:ext cx="1590634" cy="0"/>
+          </a:xfrm>
+          <a:prstGeom prst="line">
+            <a:avLst/>
+          </a:prstGeom>
+          <a:ln w="101600">
+            <a:solidFill>
+              <a:srgbClr val="A6A1A1"/>
+            </a:solidFill>
+          </a:ln>
+        </p:spPr>
+        <p:style>
+          <a:lnRef idx="1">
+            <a:schemeClr val="accent1"/>
+          </a:lnRef>
+          <a:fillRef idx="0">
+            <a:schemeClr val="accent1"/>
+          </a:fillRef>
+          <a:effectRef idx="0">
+            <a:schemeClr val="accent1"/>
+          </a:effectRef>
+          <a:fontRef idx="minor">
+            <a:schemeClr val="tx1"/>
+          </a:fontRef>
+        </p:style>
+      </p:cxnSp>
+      <p:cxnSp>
+        <p:nvCxnSpPr>
+          <p:cNvPr id="57" name="Straight Connector 56">
+            <a:extLst>
+              <a:ext uri="{FF2B5EF4-FFF2-40B4-BE49-F238E27FC236}">
+                <a16:creationId xmlns:a16="http://schemas.microsoft.com/office/drawing/2014/main" id="{B290DB4C-815D-42FC-98C1-898CC129644A}"/>
+              </a:ext>
+            </a:extLst>
+          </p:cNvPr>
+          <p:cNvCxnSpPr>
+            <a:cxnSpLocks/>
+          </p:cNvCxnSpPr>
+          <p:nvPr/>
+        </p:nvCxnSpPr>
+        <p:spPr>
+          <a:xfrm>
+            <a:off x="373606" y="2789797"/>
+            <a:ext cx="1590634" cy="0"/>
+          </a:xfrm>
+          <a:prstGeom prst="line">
+            <a:avLst/>
+          </a:prstGeom>
+          <a:ln w="101600">
+            <a:solidFill>
+              <a:srgbClr val="A6A1A1"/>
+            </a:solidFill>
+          </a:ln>
+        </p:spPr>
+        <p:style>
+          <a:lnRef idx="1">
+            <a:schemeClr val="accent1"/>
+          </a:lnRef>
+          <a:fillRef idx="0">
+            <a:schemeClr val="accent1"/>
+          </a:fillRef>
+          <a:effectRef idx="0">
+            <a:schemeClr val="accent1"/>
+          </a:effectRef>
+          <a:fontRef idx="minor">
+            <a:schemeClr val="tx1"/>
+          </a:fontRef>
+        </p:style>
+      </p:cxnSp>
+      <p:cxnSp>
+        <p:nvCxnSpPr>
+          <p:cNvPr id="58" name="Straight Connector 57">
+            <a:extLst>
+              <a:ext uri="{FF2B5EF4-FFF2-40B4-BE49-F238E27FC236}">
+                <a16:creationId xmlns:a16="http://schemas.microsoft.com/office/drawing/2014/main" id="{B7FDB3DF-10DC-4872-BCF3-6F2CC6DD0F1C}"/>
+              </a:ext>
+            </a:extLst>
+          </p:cNvPr>
+          <p:cNvCxnSpPr>
+            <a:cxnSpLocks/>
+          </p:cNvCxnSpPr>
+          <p:nvPr/>
+        </p:nvCxnSpPr>
+        <p:spPr>
+          <a:xfrm>
+            <a:off x="373606" y="5047988"/>
+            <a:ext cx="1590634" cy="0"/>
+          </a:xfrm>
+          <a:prstGeom prst="line">
+            <a:avLst/>
+          </a:prstGeom>
+          <a:ln w="101600">
+            <a:solidFill>
+              <a:schemeClr val="bg1">
+                <a:lumMod val="65000"/>
+              </a:schemeClr>
+            </a:solidFill>
+          </a:ln>
+        </p:spPr>
+        <p:style>
+          <a:lnRef idx="1">
+            <a:schemeClr val="accent1"/>
+          </a:lnRef>
+          <a:fillRef idx="0">
+            <a:schemeClr val="accent1"/>
+          </a:fillRef>
+          <a:effectRef idx="0">
+            <a:schemeClr val="accent1"/>
+          </a:effectRef>
+          <a:fontRef idx="minor">
+            <a:schemeClr val="tx1"/>
+          </a:fontRef>
+        </p:style>
+      </p:cxnSp>
+      <p:pic>
+        <p:nvPicPr>
+          <p:cNvPr id="61" name="Picture 60" descr="A close up of a toy&#10;&#10;Description automatically generated">
+            <a:extLst>
+              <a:ext uri="{FF2B5EF4-FFF2-40B4-BE49-F238E27FC236}">
+                <a16:creationId xmlns:a16="http://schemas.microsoft.com/office/drawing/2014/main" id="{96AE0023-E4EA-4D16-8B99-96DA8E83150F}"/>
+              </a:ext>
+            </a:extLst>
+          </p:cNvPr>
+          <p:cNvPicPr>
+            <a:picLocks noChangeAspect="1"/>
+          </p:cNvPicPr>
+          <p:nvPr/>
+        </p:nvPicPr>
+        <p:blipFill rotWithShape="1">
+          <a:blip r:embed="rId5">
+            <a:extLst>
+              <a:ext uri="{28A0092B-C50C-407E-A947-70E740481C1C}">
+                <a14:useLocalDpi xmlns:a14="http://schemas.microsoft.com/office/drawing/2010/main" val="0"/>
+              </a:ext>
+            </a:extLst>
+          </a:blip>
+          <a:srcRect t="11405" r="-2" b="25800"/>
+          <a:stretch/>
+        </p:blipFill>
+        <p:spPr>
+          <a:xfrm>
+            <a:off x="455571" y="6190676"/>
+            <a:ext cx="1598646" cy="1115388"/>
+          </a:xfrm>
+          <a:prstGeom prst="rect">
+            <a:avLst/>
+          </a:prstGeom>
+        </p:spPr>
+      </p:pic>
+      <p:pic>
+        <p:nvPicPr>
+          <p:cNvPr id="62" name="Picture 61" descr="A picture containing clipart&#10;&#10;Description automatically generated">
+            <a:extLst>
+              <a:ext uri="{FF2B5EF4-FFF2-40B4-BE49-F238E27FC236}">
+                <a16:creationId xmlns:a16="http://schemas.microsoft.com/office/drawing/2014/main" id="{569B3D08-70E8-4C8B-A239-7C18FB492C6D}"/>
+              </a:ext>
+            </a:extLst>
+          </p:cNvPr>
+          <p:cNvPicPr>
+            <a:picLocks noChangeAspect="1"/>
+          </p:cNvPicPr>
+          <p:nvPr/>
+        </p:nvPicPr>
+        <p:blipFill rotWithShape="1">
+          <a:blip r:embed="rId6">
+            <a:extLst>
+              <a:ext uri="{28A0092B-C50C-407E-A947-70E740481C1C}">
+                <a14:useLocalDpi xmlns:a14="http://schemas.microsoft.com/office/drawing/2010/main" val="0"/>
+              </a:ext>
+            </a:extLst>
+          </a:blip>
+          <a:srcRect l="11332" r="8033" b="-1"/>
+          <a:stretch/>
+        </p:blipFill>
+        <p:spPr>
+          <a:xfrm>
+            <a:off x="450297" y="5075288"/>
+            <a:ext cx="1598904" cy="1115388"/>
+          </a:xfrm>
+          <a:prstGeom prst="rect">
+            <a:avLst/>
+          </a:prstGeom>
+        </p:spPr>
+      </p:pic>
+      <p:cxnSp>
+        <p:nvCxnSpPr>
+          <p:cNvPr id="63" name="Straight Connector 62">
+            <a:extLst>
+              <a:ext uri="{FF2B5EF4-FFF2-40B4-BE49-F238E27FC236}">
+                <a16:creationId xmlns:a16="http://schemas.microsoft.com/office/drawing/2014/main" id="{20DB3758-374A-4C64-B771-E4915100FBBC}"/>
+              </a:ext>
+            </a:extLst>
+          </p:cNvPr>
+          <p:cNvCxnSpPr>
+            <a:cxnSpLocks/>
+          </p:cNvCxnSpPr>
+          <p:nvPr/>
+        </p:nvCxnSpPr>
+        <p:spPr>
+          <a:xfrm>
+            <a:off x="369948" y="6147690"/>
+            <a:ext cx="1590634" cy="0"/>
+          </a:xfrm>
+          <a:prstGeom prst="line">
+            <a:avLst/>
+          </a:prstGeom>
+          <a:ln w="101600">
+            <a:solidFill>
+              <a:srgbClr val="A6A1A1"/>
+            </a:solidFill>
+          </a:ln>
+        </p:spPr>
+        <p:style>
+          <a:lnRef idx="1">
+            <a:schemeClr val="accent1"/>
+          </a:lnRef>
+          <a:fillRef idx="0">
+            <a:schemeClr val="accent1"/>
+          </a:fillRef>
+          <a:effectRef idx="0">
+            <a:schemeClr val="accent1"/>
+          </a:effectRef>
+          <a:fontRef idx="minor">
+            <a:schemeClr val="tx1"/>
+          </a:fontRef>
+        </p:style>
+      </p:cxnSp>
+      <p:cxnSp>
+        <p:nvCxnSpPr>
+          <p:cNvPr id="64" name="Straight Connector 63">
+            <a:extLst>
+              <a:ext uri="{FF2B5EF4-FFF2-40B4-BE49-F238E27FC236}">
+                <a16:creationId xmlns:a16="http://schemas.microsoft.com/office/drawing/2014/main" id="{3BDADCEE-4407-4364-B613-6D0D45453CB7}"/>
+              </a:ext>
+            </a:extLst>
+          </p:cNvPr>
+          <p:cNvCxnSpPr>
+            <a:cxnSpLocks/>
+          </p:cNvCxnSpPr>
+          <p:nvPr/>
+        </p:nvCxnSpPr>
+        <p:spPr>
+          <a:xfrm>
+            <a:off x="373606" y="5047873"/>
+            <a:ext cx="1590634" cy="0"/>
+          </a:xfrm>
+          <a:prstGeom prst="line">
+            <a:avLst/>
+          </a:prstGeom>
+          <a:ln w="101600">
+            <a:solidFill>
+              <a:srgbClr val="A6A1A1"/>
+            </a:solidFill>
+          </a:ln>
+        </p:spPr>
+        <p:style>
+          <a:lnRef idx="1">
+            <a:schemeClr val="accent1"/>
+          </a:lnRef>
+          <a:fillRef idx="0">
+            <a:schemeClr val="accent1"/>
+          </a:fillRef>
+          <a:effectRef idx="0">
+            <a:schemeClr val="accent1"/>
+          </a:effectRef>
+          <a:fontRef idx="minor">
+            <a:schemeClr val="tx1"/>
+          </a:fontRef>
+        </p:style>
+      </p:cxnSp>
+      <p:cxnSp>
+        <p:nvCxnSpPr>
+          <p:cNvPr id="65" name="Straight Connector 64">
+            <a:extLst>
+              <a:ext uri="{FF2B5EF4-FFF2-40B4-BE49-F238E27FC236}">
+                <a16:creationId xmlns:a16="http://schemas.microsoft.com/office/drawing/2014/main" id="{DFF830B1-81C0-4325-8FC2-FD52D52FBC55}"/>
+              </a:ext>
+            </a:extLst>
+          </p:cNvPr>
+          <p:cNvCxnSpPr>
+            <a:cxnSpLocks/>
+          </p:cNvCxnSpPr>
+          <p:nvPr/>
+        </p:nvCxnSpPr>
+        <p:spPr>
+          <a:xfrm>
+            <a:off x="373606" y="7306064"/>
+            <a:ext cx="1590634" cy="0"/>
+          </a:xfrm>
+          <a:prstGeom prst="line">
+            <a:avLst/>
+          </a:prstGeom>
+          <a:ln w="101600">
+            <a:solidFill>
+              <a:schemeClr val="bg1">
+                <a:lumMod val="65000"/>
+              </a:schemeClr>
+            </a:solidFill>
+          </a:ln>
+        </p:spPr>
+        <p:style>
+          <a:lnRef idx="1">
+            <a:schemeClr val="accent1"/>
+          </a:lnRef>
+          <a:fillRef idx="0">
+            <a:schemeClr val="accent1"/>
+          </a:fillRef>
+          <a:effectRef idx="0">
+            <a:schemeClr val="accent1"/>
+          </a:effectRef>
+          <a:fontRef idx="minor">
+            <a:schemeClr val="tx1"/>
+          </a:fontRef>
+        </p:style>
+      </p:cxnSp>
+      <p:cxnSp>
+        <p:nvCxnSpPr>
+          <p:cNvPr id="37" name="Straight Connector 36">
+            <a:extLst>
+              <a:ext uri="{FF2B5EF4-FFF2-40B4-BE49-F238E27FC236}">
+                <a16:creationId xmlns:a16="http://schemas.microsoft.com/office/drawing/2014/main" id="{AD695731-30B6-474A-893D-D960E2F39AF9}"/>
+              </a:ext>
+            </a:extLst>
+          </p:cNvPr>
+          <p:cNvCxnSpPr>
+            <a:cxnSpLocks/>
+          </p:cNvCxnSpPr>
+          <p:nvPr/>
+        </p:nvCxnSpPr>
+        <p:spPr>
+          <a:xfrm flipV="1">
+            <a:off x="2010803" y="1087104"/>
+            <a:ext cx="0" cy="5770896"/>
+          </a:xfrm>
+          <a:prstGeom prst="line">
+            <a:avLst/>
+          </a:prstGeom>
+          <a:ln w="101600">
+            <a:solidFill>
+              <a:schemeClr val="bg1"/>
+            </a:solidFill>
+          </a:ln>
+        </p:spPr>
+        <p:style>
+          <a:lnRef idx="1">
+            <a:schemeClr val="accent1"/>
+          </a:lnRef>
+          <a:fillRef idx="0">
+            <a:schemeClr val="accent1"/>
+          </a:fillRef>
+          <a:effectRef idx="0">
+            <a:schemeClr val="accent1"/>
+          </a:effectRef>
+          <a:fontRef idx="minor">
+            <a:schemeClr val="tx1"/>
+          </a:fontRef>
+        </p:style>
+      </p:cxnSp>
+      <mc:AlternateContent xmlns:mc="http://schemas.openxmlformats.org/markup-compatibility/2006">
+        <mc:Choice xmlns:a14="http://schemas.microsoft.com/office/drawing/2010/main" Requires="a14">
+          <p:sp>
+            <p:nvSpPr>
+              <p:cNvPr id="25" name="TextBox 24">
+                <a:extLst>
+                  <a:ext uri="{FF2B5EF4-FFF2-40B4-BE49-F238E27FC236}">
+                    <a16:creationId xmlns:a16="http://schemas.microsoft.com/office/drawing/2014/main" id="{97A172D5-8E48-443F-9414-1DDA25C1B923}"/>
+                  </a:ext>
+                </a:extLst>
+              </p:cNvPr>
+              <p:cNvSpPr txBox="1"/>
+              <p:nvPr/>
+            </p:nvSpPr>
+            <p:spPr>
+              <a:xfrm>
+                <a:off x="2213219" y="2121582"/>
+                <a:ext cx="9398077" cy="708720"/>
+              </a:xfrm>
+              <a:prstGeom prst="rect">
+                <a:avLst/>
+              </a:prstGeom>
+              <a:noFill/>
+            </p:spPr>
+            <p:txBody>
+              <a:bodyPr wrap="square" rtlCol="0">
+                <a:spAutoFit/>
+              </a:bodyPr>
+              <a:lstStyle/>
+              <a:p>
+                <a:pPr/>
+                <a14:m>
+                  <m:oMathPara xmlns:m="http://schemas.openxmlformats.org/officeDocument/2006/math">
+                    <m:oMathParaPr>
+                      <m:jc m:val="left"/>
+                    </m:oMathParaPr>
+                    <m:oMath xmlns:m="http://schemas.openxmlformats.org/officeDocument/2006/math">
+                      <m:r>
+                        <a:rPr lang="en-US" b="0" i="1" smtClean="0">
+                          <a:solidFill>
+                            <a:schemeClr val="bg1"/>
+                          </a:solidFill>
+                          <a:latin typeface="Cambria Math" panose="02040503050406030204" pitchFamily="18" charset="0"/>
+                        </a:rPr>
+                        <m:t>𝑃𝑟𝑒𝑑𝑖𝑐𝑡𝑒𝑑</m:t>
+                      </m:r>
+                      <m:r>
+                        <a:rPr lang="en-US" b="0" i="1" smtClean="0">
+                          <a:solidFill>
+                            <a:schemeClr val="bg1"/>
+                          </a:solidFill>
+                          <a:latin typeface="Cambria Math" panose="02040503050406030204" pitchFamily="18" charset="0"/>
+                        </a:rPr>
+                        <m:t> =</m:t>
+                      </m:r>
+                      <m:d>
+                        <m:dPr>
+                          <m:begChr m:val="["/>
+                          <m:endChr m:val="]"/>
+                          <m:ctrlPr>
+                            <a:rPr lang="en-US" b="0" i="1" smtClean="0">
+                              <a:solidFill>
+                                <a:schemeClr val="bg1"/>
+                              </a:solidFill>
+                              <a:latin typeface="Cambria Math" panose="02040503050406030204" pitchFamily="18" charset="0"/>
+                            </a:rPr>
+                          </m:ctrlPr>
+                        </m:dPr>
+                        <m:e>
+                          <m:f>
+                            <m:fPr>
+                              <m:ctrlPr>
+                                <a:rPr lang="en-US" b="0" i="1" smtClean="0">
+                                  <a:solidFill>
+                                    <a:schemeClr val="bg1"/>
+                                  </a:solidFill>
+                                  <a:latin typeface="Cambria Math" panose="02040503050406030204" pitchFamily="18" charset="0"/>
+                                </a:rPr>
+                              </m:ctrlPr>
+                            </m:fPr>
+                            <m:num>
+                              <m:r>
+                                <a:rPr lang="en-US" b="0" i="1" smtClean="0">
+                                  <a:solidFill>
+                                    <a:schemeClr val="bg1"/>
+                                  </a:solidFill>
+                                  <a:latin typeface="Cambria Math" panose="02040503050406030204" pitchFamily="18" charset="0"/>
+                                </a:rPr>
+                                <m:t>3.2+</m:t>
+                              </m:r>
+                              <m:r>
+                                <a:rPr lang="en-US" b="0" i="1" smtClean="0">
+                                  <a:solidFill>
+                                    <a:schemeClr val="bg1"/>
+                                  </a:solidFill>
+                                  <a:latin typeface="Cambria Math" panose="02040503050406030204" pitchFamily="18" charset="0"/>
+                                </a:rPr>
+                                <m:t>𝑆𝑢𝑚</m:t>
+                              </m:r>
+                              <m:d>
+                                <m:dPr>
+                                  <m:ctrlPr>
+                                    <a:rPr lang="en-US" b="0" i="1" smtClean="0">
+                                      <a:solidFill>
+                                        <a:schemeClr val="bg1"/>
+                                      </a:solidFill>
+                                      <a:latin typeface="Cambria Math" panose="02040503050406030204" pitchFamily="18" charset="0"/>
+                                    </a:rPr>
+                                  </m:ctrlPr>
+                                </m:dPr>
+                                <m:e>
+                                  <m:r>
+                                    <a:rPr lang="en-US" b="0" i="1" smtClean="0">
+                                      <a:solidFill>
+                                        <a:schemeClr val="bg1"/>
+                                      </a:solidFill>
+                                      <a:latin typeface="Cambria Math" panose="02040503050406030204" pitchFamily="18" charset="0"/>
+                                    </a:rPr>
+                                    <m:t>𝐻𝑜𝑚𝑒</m:t>
+                                  </m:r>
+                                  <m:r>
+                                    <a:rPr lang="en-US" b="0" i="1" smtClean="0">
+                                      <a:solidFill>
+                                        <a:schemeClr val="bg1"/>
+                                      </a:solidFill>
+                                      <a:latin typeface="Cambria Math" panose="02040503050406030204" pitchFamily="18" charset="0"/>
+                                    </a:rPr>
+                                    <m:t> </m:t>
+                                  </m:r>
+                                  <m:r>
+                                    <a:rPr lang="en-US" b="0" i="1" smtClean="0">
+                                      <a:solidFill>
+                                        <a:schemeClr val="bg1"/>
+                                      </a:solidFill>
+                                      <a:latin typeface="Cambria Math" panose="02040503050406030204" pitchFamily="18" charset="0"/>
+                                    </a:rPr>
+                                    <m:t>𝑃𝑙𝑎𝑦𝑒𝑟</m:t>
+                                  </m:r>
+                                  <m:r>
+                                    <a:rPr lang="en-US" b="0" i="1" smtClean="0">
+                                      <a:solidFill>
+                                        <a:schemeClr val="bg1"/>
+                                      </a:solidFill>
+                                      <a:latin typeface="Cambria Math" panose="02040503050406030204" pitchFamily="18" charset="0"/>
+                                    </a:rPr>
+                                    <m:t> </m:t>
+                                  </m:r>
+                                  <m:r>
+                                    <a:rPr lang="en-US" b="0" i="1" smtClean="0">
+                                      <a:solidFill>
+                                        <a:schemeClr val="bg1"/>
+                                      </a:solidFill>
+                                      <a:latin typeface="Cambria Math" panose="02040503050406030204" pitchFamily="18" charset="0"/>
+                                    </a:rPr>
+                                    <m:t>𝑅𝑎𝑡𝑖𝑛𝑔𝑠</m:t>
+                                  </m:r>
+                                </m:e>
+                              </m:d>
+                            </m:num>
+                            <m:den>
+                              <m:r>
+                                <a:rPr lang="en-US" b="0" i="1" smtClean="0">
+                                  <a:solidFill>
+                                    <a:schemeClr val="bg1"/>
+                                  </a:solidFill>
+                                  <a:latin typeface="Cambria Math" panose="02040503050406030204" pitchFamily="18" charset="0"/>
+                                </a:rPr>
+                                <m:t>48</m:t>
+                              </m:r>
+                            </m:den>
+                          </m:f>
+                          <m:r>
+                            <a:rPr lang="en-US" b="0" i="1" smtClean="0">
+                              <a:solidFill>
+                                <a:schemeClr val="bg1"/>
+                              </a:solidFill>
+                              <a:latin typeface="Cambria Math" panose="02040503050406030204" pitchFamily="18" charset="0"/>
+                            </a:rPr>
+                            <m:t>×</m:t>
+                          </m:r>
+                        </m:e>
+                      </m:d>
+                      <m:r>
+                        <a:rPr lang="en-US" b="0" i="1" smtClean="0">
+                          <a:solidFill>
+                            <a:schemeClr val="bg1"/>
+                          </a:solidFill>
+                          <a:latin typeface="Cambria Math" panose="02040503050406030204" pitchFamily="18" charset="0"/>
+                        </a:rPr>
+                        <m:t>−</m:t>
+                      </m:r>
+                      <m:d>
+                        <m:dPr>
+                          <m:begChr m:val="["/>
+                          <m:endChr m:val="]"/>
+                          <m:ctrlPr>
+                            <a:rPr lang="en-US" b="0" i="1" smtClean="0">
+                              <a:solidFill>
+                                <a:schemeClr val="bg1"/>
+                              </a:solidFill>
+                              <a:latin typeface="Cambria Math" panose="02040503050406030204" pitchFamily="18" charset="0"/>
+                            </a:rPr>
+                          </m:ctrlPr>
+                        </m:dPr>
+                        <m:e>
+                          <m:f>
+                            <m:fPr>
+                              <m:ctrlPr>
+                                <a:rPr lang="en-US" b="0" i="1" smtClean="0">
+                                  <a:solidFill>
+                                    <a:schemeClr val="bg1"/>
+                                  </a:solidFill>
+                                  <a:latin typeface="Cambria Math" panose="02040503050406030204" pitchFamily="18" charset="0"/>
+                                </a:rPr>
+                              </m:ctrlPr>
+                            </m:fPr>
+                            <m:num>
+                              <m:r>
+                                <a:rPr lang="en-US" b="0" i="1" smtClean="0">
+                                  <a:solidFill>
+                                    <a:schemeClr val="bg1"/>
+                                  </a:solidFill>
+                                  <a:latin typeface="Cambria Math" panose="02040503050406030204" pitchFamily="18" charset="0"/>
+                                </a:rPr>
+                                <m:t>𝑆𝑢𝑚</m:t>
+                              </m:r>
+                              <m:r>
+                                <a:rPr lang="en-US" b="0" i="1" smtClean="0">
+                                  <a:solidFill>
+                                    <a:schemeClr val="bg1"/>
+                                  </a:solidFill>
+                                  <a:latin typeface="Cambria Math" panose="02040503050406030204" pitchFamily="18" charset="0"/>
+                                </a:rPr>
+                                <m:t>(</m:t>
+                              </m:r>
+                              <m:r>
+                                <a:rPr lang="en-US" b="0" i="1" smtClean="0">
+                                  <a:solidFill>
+                                    <a:schemeClr val="bg1"/>
+                                  </a:solidFill>
+                                  <a:latin typeface="Cambria Math" panose="02040503050406030204" pitchFamily="18" charset="0"/>
+                                </a:rPr>
+                                <m:t>𝐴𝑤𝑎𝑦</m:t>
+                              </m:r>
+                              <m:r>
+                                <a:rPr lang="en-US" b="0" i="1" smtClean="0">
+                                  <a:solidFill>
+                                    <a:schemeClr val="bg1"/>
+                                  </a:solidFill>
+                                  <a:latin typeface="Cambria Math" panose="02040503050406030204" pitchFamily="18" charset="0"/>
+                                </a:rPr>
+                                <m:t> </m:t>
+                              </m:r>
+                              <m:r>
+                                <a:rPr lang="en-US" b="0" i="1" smtClean="0">
+                                  <a:solidFill>
+                                    <a:schemeClr val="bg1"/>
+                                  </a:solidFill>
+                                  <a:latin typeface="Cambria Math" panose="02040503050406030204" pitchFamily="18" charset="0"/>
+                                </a:rPr>
+                                <m:t>𝑃𝑙𝑎𝑦𝑒𝑟</m:t>
+                              </m:r>
+                              <m:r>
+                                <a:rPr lang="en-US" b="0" i="1" smtClean="0">
+                                  <a:solidFill>
+                                    <a:schemeClr val="bg1"/>
+                                  </a:solidFill>
+                                  <a:latin typeface="Cambria Math" panose="02040503050406030204" pitchFamily="18" charset="0"/>
+                                </a:rPr>
+                                <m:t> </m:t>
+                              </m:r>
+                              <m:r>
+                                <a:rPr lang="en-US" b="0" i="1" smtClean="0">
+                                  <a:solidFill>
+                                    <a:schemeClr val="bg1"/>
+                                  </a:solidFill>
+                                  <a:latin typeface="Cambria Math" panose="02040503050406030204" pitchFamily="18" charset="0"/>
+                                </a:rPr>
+                                <m:t>𝑅𝑎𝑡𝑖𝑛𝑔𝑠</m:t>
+                              </m:r>
+                              <m:r>
+                                <a:rPr lang="en-US" b="0" i="1" smtClean="0">
+                                  <a:solidFill>
+                                    <a:schemeClr val="bg1"/>
+                                  </a:solidFill>
+                                  <a:latin typeface="Cambria Math" panose="02040503050406030204" pitchFamily="18" charset="0"/>
+                                </a:rPr>
+                                <m:t>)</m:t>
+                              </m:r>
+                            </m:num>
+                            <m:den>
+                              <m:r>
+                                <a:rPr lang="en-US" b="0" i="1" smtClean="0">
+                                  <a:solidFill>
+                                    <a:schemeClr val="bg1"/>
+                                  </a:solidFill>
+                                  <a:latin typeface="Cambria Math" panose="02040503050406030204" pitchFamily="18" charset="0"/>
+                                </a:rPr>
+                                <m:t>48</m:t>
+                              </m:r>
+                            </m:den>
+                          </m:f>
+                        </m:e>
+                      </m:d>
+                    </m:oMath>
+                  </m:oMathPara>
+                </a14:m>
+                <a:endParaRPr lang="en-US" dirty="0"/>
+              </a:p>
+            </p:txBody>
+          </p:sp>
+        </mc:Choice>
+        <mc:Fallback>
+          <p:sp>
+            <p:nvSpPr>
+              <p:cNvPr id="25" name="TextBox 24">
+                <a:extLst>
+                  <a:ext uri="{FF2B5EF4-FFF2-40B4-BE49-F238E27FC236}">
+                    <a16:creationId xmlns:a16="http://schemas.microsoft.com/office/drawing/2014/main" id="{97A172D5-8E48-443F-9414-1DDA25C1B923}"/>
+                  </a:ext>
+                </a:extLst>
+              </p:cNvPr>
+              <p:cNvSpPr txBox="1">
+                <a:spLocks noRot="1" noChangeAspect="1" noMove="1" noResize="1" noEditPoints="1" noAdjustHandles="1" noChangeArrowheads="1" noChangeShapeType="1" noTextEdit="1"/>
+              </p:cNvSpPr>
+              <p:nvPr/>
+            </p:nvSpPr>
+            <p:spPr>
+              <a:xfrm>
+                <a:off x="2213219" y="2121582"/>
+                <a:ext cx="9398077" cy="708720"/>
+              </a:xfrm>
+              <a:prstGeom prst="rect">
+                <a:avLst/>
+              </a:prstGeom>
+              <a:blipFill>
+                <a:blip r:embed="rId7"/>
+                <a:stretch>
+                  <a:fillRect/>
+                </a:stretch>
+              </a:blipFill>
+            </p:spPr>
+            <p:txBody>
+              <a:bodyPr/>
+              <a:lstStyle/>
+              <a:p>
+                <a:r>
+                  <a:rPr lang="en-US">
+                    <a:noFill/>
+                  </a:rPr>
+                  <a:t> </a:t>
+                </a:r>
+              </a:p>
+            </p:txBody>
+          </p:sp>
+        </mc:Fallback>
+      </mc:AlternateContent>
+    </p:spTree>
+    <p:extLst>
+      <p:ext uri="{BB962C8B-B14F-4D97-AF65-F5344CB8AC3E}">
+        <p14:creationId xmlns:p14="http://schemas.microsoft.com/office/powerpoint/2010/main" val="1991494409"/>
+      </p:ext>
+    </p:extLst>
+  </p:cSld>
+  <p:clrMapOvr>
+    <a:masterClrMapping/>
+  </p:clrMapOvr>
+</p:sld>
+</file>
+
+<file path=ppt/slides/slide14.xml><?xml version="1.0" encoding="utf-8"?>
 <p:sld xmlns:a="http://schemas.openxmlformats.org/drawingml/2006/main" xmlns:r="http://schemas.openxmlformats.org/officeDocument/2006/relationships" xmlns:p="http://schemas.openxmlformats.org/presentationml/2006/main">
   <p:cSld>
     <p:bg>
@@ -9937,8 +13516,8 @@
           </a:fontRef>
         </p:style>
       </p:cxnSp>
-      <mc:AlternateContent xmlns:mc="http://schemas.openxmlformats.org/markup-compatibility/2006">
-        <mc:Choice xmlns:a14="http://schemas.microsoft.com/office/drawing/2010/main" Requires="a14">
+      <mc:AlternateContent xmlns:mc="http://schemas.openxmlformats.org/markup-compatibility/2006" xmlns:a14="http://schemas.microsoft.com/office/drawing/2010/main">
+        <mc:Choice Requires="a14">
           <p:sp>
             <p:nvSpPr>
               <p:cNvPr id="25" name="TextBox 24">
@@ -10145,7 +13724,7 @@
             </p:txBody>
           </p:sp>
         </mc:Choice>
-        <mc:Fallback>
+        <mc:Fallback xmlns="">
           <p:sp>
             <p:nvSpPr>
               <p:cNvPr id="25" name="TextBox 24">
@@ -10346,8 +13925,8 @@
           </a:p>
         </p:txBody>
       </p:sp>
-      <mc:AlternateContent xmlns:mc="http://schemas.openxmlformats.org/markup-compatibility/2006">
-        <mc:Choice xmlns:a14="http://schemas.microsoft.com/office/drawing/2010/main" Requires="a14">
+      <mc:AlternateContent xmlns:mc="http://schemas.openxmlformats.org/markup-compatibility/2006" xmlns:a14="http://schemas.microsoft.com/office/drawing/2010/main">
+        <mc:Choice Requires="a14">
           <p:sp>
             <p:nvSpPr>
               <p:cNvPr id="30" name="TextBox 29">
@@ -10554,7 +14133,7 @@
             </p:txBody>
           </p:sp>
         </mc:Choice>
-        <mc:Fallback>
+        <mc:Fallback xmlns="">
           <p:sp>
             <p:nvSpPr>
               <p:cNvPr id="30" name="TextBox 29">
@@ -10599,8 +14178,8 @@
           </p:sp>
         </mc:Fallback>
       </mc:AlternateContent>
-      <mc:AlternateContent xmlns:mc="http://schemas.openxmlformats.org/markup-compatibility/2006">
-        <mc:Choice xmlns:a14="http://schemas.microsoft.com/office/drawing/2010/main" Requires="a14">
+      <mc:AlternateContent xmlns:mc="http://schemas.openxmlformats.org/markup-compatibility/2006" xmlns:a14="http://schemas.microsoft.com/office/drawing/2010/main">
+        <mc:Choice Requires="a14">
           <p:sp>
             <p:nvSpPr>
               <p:cNvPr id="31" name="TextBox 30">
@@ -10716,7 +14295,7 @@
             </p:txBody>
           </p:sp>
         </mc:Choice>
-        <mc:Fallback>
+        <mc:Fallback xmlns="">
           <p:sp>
             <p:nvSpPr>
               <p:cNvPr id="31" name="TextBox 30">
@@ -14573,8 +18152,8 @@
           </a:fontRef>
         </p:style>
       </p:cxnSp>
-      <mc:AlternateContent xmlns:mc="http://schemas.openxmlformats.org/markup-compatibility/2006">
-        <mc:Choice xmlns:a14="http://schemas.microsoft.com/office/drawing/2010/main" Requires="a14">
+      <mc:AlternateContent xmlns:mc="http://schemas.openxmlformats.org/markup-compatibility/2006" xmlns:a14="http://schemas.microsoft.com/office/drawing/2010/main">
+        <mc:Choice Requires="a14">
           <p:sp>
             <p:nvSpPr>
               <p:cNvPr id="5" name="TextBox 4">
@@ -14603,6 +18182,7 @@
               </a:bodyPr>
               <a:lstStyle/>
               <a:p>
+                <a:pPr/>
                 <a14:m>
                   <m:oMathPara xmlns:m="http://schemas.openxmlformats.org/officeDocument/2006/math">
                     <m:oMathParaPr>
@@ -14803,7 +18383,7 @@
             </p:txBody>
           </p:sp>
         </mc:Choice>
-        <mc:Fallback>
+        <mc:Fallback xmlns="">
           <p:sp>
             <p:nvSpPr>
               <p:cNvPr id="5" name="TextBox 4">
@@ -14848,8 +18428,8 @@
           </p:sp>
         </mc:Fallback>
       </mc:AlternateContent>
-      <mc:AlternateContent xmlns:mc="http://schemas.openxmlformats.org/markup-compatibility/2006">
-        <mc:Choice xmlns:a14="http://schemas.microsoft.com/office/drawing/2010/main" Requires="a14">
+      <mc:AlternateContent xmlns:mc="http://schemas.openxmlformats.org/markup-compatibility/2006" xmlns:a14="http://schemas.microsoft.com/office/drawing/2010/main">
+        <mc:Choice Requires="a14">
           <p:sp>
             <p:nvSpPr>
               <p:cNvPr id="22" name="TextBox 21">
@@ -14985,7 +18565,7 @@
             </p:txBody>
           </p:sp>
         </mc:Choice>
-        <mc:Fallback>
+        <mc:Fallback xmlns="">
           <p:sp>
             <p:nvSpPr>
               <p:cNvPr id="22" name="TextBox 21">
@@ -15087,7 +18667,7 @@
             </p:nvSpPr>
             <p:spPr>
               <a:xfrm>
-                <a:off x="4879410" y="3615685"/>
+                <a:off x="4879410" y="3533382"/>
                 <a:ext cx="2033130" cy="410305"/>
               </a:xfrm>
               <a:prstGeom prst="rect">
@@ -15290,7 +18870,7 @@
             </p:nvSpPr>
             <p:spPr>
               <a:xfrm>
-                <a:off x="4879410" y="3615685"/>
+                <a:off x="4879410" y="3533382"/>
                 <a:ext cx="2033130" cy="410305"/>
               </a:xfrm>
               <a:prstGeom prst="rect">
@@ -15299,7 +18879,7 @@
               <a:blipFill>
                 <a:blip r:embed="rId9"/>
                 <a:stretch>
-                  <a:fillRect b="-8955"/>
+                  <a:fillRect b="-7463"/>
                 </a:stretch>
               </a:blipFill>
             </p:spPr>

--- a/Slides/Basketball 2/Basketball_2_Lecture.pptx
+++ b/Slides/Basketball 2/Basketball_2_Lecture.pptx
@@ -5,7 +5,7 @@
     <p:sldMasterId id="2147483713" r:id="rId1"/>
   </p:sldMasterIdLst>
   <p:notesMasterIdLst>
-    <p:notesMasterId r:id="rId16"/>
+    <p:notesMasterId r:id="rId19"/>
   </p:notesMasterIdLst>
   <p:sldIdLst>
     <p:sldId id="298" r:id="rId2"/>
@@ -21,7 +21,10 @@
     <p:sldId id="311" r:id="rId12"/>
     <p:sldId id="312" r:id="rId13"/>
     <p:sldId id="313" r:id="rId14"/>
-    <p:sldId id="281" r:id="rId15"/>
+    <p:sldId id="314" r:id="rId15"/>
+    <p:sldId id="315" r:id="rId16"/>
+    <p:sldId id="316" r:id="rId17"/>
+    <p:sldId id="281" r:id="rId18"/>
   </p:sldIdLst>
   <p:sldSz cx="12192000" cy="6858000"/>
   <p:notesSz cx="6858000" cy="9144000"/>
@@ -648,6 +651,258 @@
     <p:extLst>
       <p:ext uri="{BB962C8B-B14F-4D97-AF65-F5344CB8AC3E}">
         <p14:creationId xmlns:p14="http://schemas.microsoft.com/office/powerpoint/2010/main" val="801208698"/>
+      </p:ext>
+    </p:extLst>
+  </p:cSld>
+  <p:clrMapOvr>
+    <a:masterClrMapping/>
+  </p:clrMapOvr>
+</p:notes>
+</file>
+
+<file path=ppt/notesSlides/notesSlide11.xml><?xml version="1.0" encoding="utf-8"?>
+<p:notes xmlns:a="http://schemas.openxmlformats.org/drawingml/2006/main" xmlns:r="http://schemas.openxmlformats.org/officeDocument/2006/relationships" xmlns:p="http://schemas.openxmlformats.org/presentationml/2006/main">
+  <p:cSld>
+    <p:spTree>
+      <p:nvGrpSpPr>
+        <p:cNvPr id="1" name=""/>
+        <p:cNvGrpSpPr/>
+        <p:nvPr/>
+      </p:nvGrpSpPr>
+      <p:grpSpPr>
+        <a:xfrm>
+          <a:off x="0" y="0"/>
+          <a:ext cx="0" cy="0"/>
+          <a:chOff x="0" y="0"/>
+          <a:chExt cx="0" cy="0"/>
+        </a:xfrm>
+      </p:grpSpPr>
+      <p:sp>
+        <p:nvSpPr>
+          <p:cNvPr id="2" name="Slide Image Placeholder 1"/>
+          <p:cNvSpPr>
+            <a:spLocks noGrp="1" noRot="1" noChangeAspect="1"/>
+          </p:cNvSpPr>
+          <p:nvPr>
+            <p:ph type="sldImg"/>
+          </p:nvPr>
+        </p:nvSpPr>
+        <p:spPr/>
+      </p:sp>
+      <p:sp>
+        <p:nvSpPr>
+          <p:cNvPr id="3" name="Notes Placeholder 2"/>
+          <p:cNvSpPr>
+            <a:spLocks noGrp="1"/>
+          </p:cNvSpPr>
+          <p:nvPr>
+            <p:ph type="body" idx="1"/>
+          </p:nvPr>
+        </p:nvSpPr>
+        <p:spPr/>
+        <p:txBody>
+          <a:bodyPr/>
+          <a:lstStyle/>
+          <a:p>
+            <a:endParaRPr lang="en-US" dirty="0"/>
+          </a:p>
+        </p:txBody>
+      </p:sp>
+      <p:sp>
+        <p:nvSpPr>
+          <p:cNvPr id="4" name="Slide Number Placeholder 3"/>
+          <p:cNvSpPr>
+            <a:spLocks noGrp="1"/>
+          </p:cNvSpPr>
+          <p:nvPr>
+            <p:ph type="sldNum" sz="quarter" idx="5"/>
+          </p:nvPr>
+        </p:nvSpPr>
+        <p:spPr/>
+        <p:txBody>
+          <a:bodyPr/>
+          <a:lstStyle/>
+          <a:p>
+            <a:fld id="{323D9EF6-5B6D-4923-9412-628692DCC0E7}" type="slidenum">
+              <a:rPr lang="en-US" smtClean="0"/>
+              <a:t>14</a:t>
+            </a:fld>
+            <a:endParaRPr lang="en-US"/>
+          </a:p>
+        </p:txBody>
+      </p:sp>
+    </p:spTree>
+    <p:extLst>
+      <p:ext uri="{BB962C8B-B14F-4D97-AF65-F5344CB8AC3E}">
+        <p14:creationId xmlns:p14="http://schemas.microsoft.com/office/powerpoint/2010/main" val="1923213135"/>
+      </p:ext>
+    </p:extLst>
+  </p:cSld>
+  <p:clrMapOvr>
+    <a:masterClrMapping/>
+  </p:clrMapOvr>
+</p:notes>
+</file>
+
+<file path=ppt/notesSlides/notesSlide12.xml><?xml version="1.0" encoding="utf-8"?>
+<p:notes xmlns:a="http://schemas.openxmlformats.org/drawingml/2006/main" xmlns:r="http://schemas.openxmlformats.org/officeDocument/2006/relationships" xmlns:p="http://schemas.openxmlformats.org/presentationml/2006/main">
+  <p:cSld>
+    <p:spTree>
+      <p:nvGrpSpPr>
+        <p:cNvPr id="1" name=""/>
+        <p:cNvGrpSpPr/>
+        <p:nvPr/>
+      </p:nvGrpSpPr>
+      <p:grpSpPr>
+        <a:xfrm>
+          <a:off x="0" y="0"/>
+          <a:ext cx="0" cy="0"/>
+          <a:chOff x="0" y="0"/>
+          <a:chExt cx="0" cy="0"/>
+        </a:xfrm>
+      </p:grpSpPr>
+      <p:sp>
+        <p:nvSpPr>
+          <p:cNvPr id="2" name="Slide Image Placeholder 1"/>
+          <p:cNvSpPr>
+            <a:spLocks noGrp="1" noRot="1" noChangeAspect="1"/>
+          </p:cNvSpPr>
+          <p:nvPr>
+            <p:ph type="sldImg"/>
+          </p:nvPr>
+        </p:nvSpPr>
+        <p:spPr/>
+      </p:sp>
+      <p:sp>
+        <p:nvSpPr>
+          <p:cNvPr id="3" name="Notes Placeholder 2"/>
+          <p:cNvSpPr>
+            <a:spLocks noGrp="1"/>
+          </p:cNvSpPr>
+          <p:nvPr>
+            <p:ph type="body" idx="1"/>
+          </p:nvPr>
+        </p:nvSpPr>
+        <p:spPr/>
+        <p:txBody>
+          <a:bodyPr/>
+          <a:lstStyle/>
+          <a:p>
+            <a:endParaRPr lang="en-US" dirty="0"/>
+          </a:p>
+        </p:txBody>
+      </p:sp>
+      <p:sp>
+        <p:nvSpPr>
+          <p:cNvPr id="4" name="Slide Number Placeholder 3"/>
+          <p:cNvSpPr>
+            <a:spLocks noGrp="1"/>
+          </p:cNvSpPr>
+          <p:nvPr>
+            <p:ph type="sldNum" sz="quarter" idx="5"/>
+          </p:nvPr>
+        </p:nvSpPr>
+        <p:spPr/>
+        <p:txBody>
+          <a:bodyPr/>
+          <a:lstStyle/>
+          <a:p>
+            <a:fld id="{323D9EF6-5B6D-4923-9412-628692DCC0E7}" type="slidenum">
+              <a:rPr lang="en-US" smtClean="0"/>
+              <a:t>15</a:t>
+            </a:fld>
+            <a:endParaRPr lang="en-US"/>
+          </a:p>
+        </p:txBody>
+      </p:sp>
+    </p:spTree>
+    <p:extLst>
+      <p:ext uri="{BB962C8B-B14F-4D97-AF65-F5344CB8AC3E}">
+        <p14:creationId xmlns:p14="http://schemas.microsoft.com/office/powerpoint/2010/main" val="1677166761"/>
+      </p:ext>
+    </p:extLst>
+  </p:cSld>
+  <p:clrMapOvr>
+    <a:masterClrMapping/>
+  </p:clrMapOvr>
+</p:notes>
+</file>
+
+<file path=ppt/notesSlides/notesSlide13.xml><?xml version="1.0" encoding="utf-8"?>
+<p:notes xmlns:a="http://schemas.openxmlformats.org/drawingml/2006/main" xmlns:r="http://schemas.openxmlformats.org/officeDocument/2006/relationships" xmlns:p="http://schemas.openxmlformats.org/presentationml/2006/main">
+  <p:cSld>
+    <p:spTree>
+      <p:nvGrpSpPr>
+        <p:cNvPr id="1" name=""/>
+        <p:cNvGrpSpPr/>
+        <p:nvPr/>
+      </p:nvGrpSpPr>
+      <p:grpSpPr>
+        <a:xfrm>
+          <a:off x="0" y="0"/>
+          <a:ext cx="0" cy="0"/>
+          <a:chOff x="0" y="0"/>
+          <a:chExt cx="0" cy="0"/>
+        </a:xfrm>
+      </p:grpSpPr>
+      <p:sp>
+        <p:nvSpPr>
+          <p:cNvPr id="2" name="Slide Image Placeholder 1"/>
+          <p:cNvSpPr>
+            <a:spLocks noGrp="1" noRot="1" noChangeAspect="1"/>
+          </p:cNvSpPr>
+          <p:nvPr>
+            <p:ph type="sldImg"/>
+          </p:nvPr>
+        </p:nvSpPr>
+        <p:spPr/>
+      </p:sp>
+      <p:sp>
+        <p:nvSpPr>
+          <p:cNvPr id="3" name="Notes Placeholder 2"/>
+          <p:cNvSpPr>
+            <a:spLocks noGrp="1"/>
+          </p:cNvSpPr>
+          <p:nvPr>
+            <p:ph type="body" idx="1"/>
+          </p:nvPr>
+        </p:nvSpPr>
+        <p:spPr/>
+        <p:txBody>
+          <a:bodyPr/>
+          <a:lstStyle/>
+          <a:p>
+            <a:endParaRPr lang="en-US" dirty="0"/>
+          </a:p>
+        </p:txBody>
+      </p:sp>
+      <p:sp>
+        <p:nvSpPr>
+          <p:cNvPr id="4" name="Slide Number Placeholder 3"/>
+          <p:cNvSpPr>
+            <a:spLocks noGrp="1"/>
+          </p:cNvSpPr>
+          <p:nvPr>
+            <p:ph type="sldNum" sz="quarter" idx="5"/>
+          </p:nvPr>
+        </p:nvSpPr>
+        <p:spPr/>
+        <p:txBody>
+          <a:bodyPr/>
+          <a:lstStyle/>
+          <a:p>
+            <a:fld id="{323D9EF6-5B6D-4923-9412-628692DCC0E7}" type="slidenum">
+              <a:rPr lang="en-US" smtClean="0"/>
+              <a:t>16</a:t>
+            </a:fld>
+            <a:endParaRPr lang="en-US"/>
+          </a:p>
+        </p:txBody>
+      </p:sp>
+    </p:spTree>
+    <p:extLst>
+      <p:ext uri="{BB962C8B-B14F-4D97-AF65-F5344CB8AC3E}">
+        <p14:creationId xmlns:p14="http://schemas.microsoft.com/office/powerpoint/2010/main" val="2055733562"/>
       </p:ext>
     </p:extLst>
   </p:cSld>
@@ -6093,8 +6348,8 @@
           </a:fontRef>
         </p:style>
       </p:cxnSp>
-      <mc:AlternateContent xmlns:mc="http://schemas.openxmlformats.org/markup-compatibility/2006">
-        <mc:Choice xmlns:a14="http://schemas.microsoft.com/office/drawing/2010/main" Requires="a14">
+      <mc:AlternateContent xmlns:mc="http://schemas.openxmlformats.org/markup-compatibility/2006" xmlns:a14="http://schemas.microsoft.com/office/drawing/2010/main">
+        <mc:Choice Requires="a14">
           <p:sp>
             <p:nvSpPr>
               <p:cNvPr id="22" name="TextBox 21">
@@ -6170,7 +6425,7 @@
             </p:txBody>
           </p:sp>
         </mc:Choice>
-        <mc:Fallback>
+        <mc:Fallback xmlns="">
           <p:sp>
             <p:nvSpPr>
               <p:cNvPr id="22" name="TextBox 21">
@@ -6215,8 +6470,8 @@
           </p:sp>
         </mc:Fallback>
       </mc:AlternateContent>
-      <mc:AlternateContent xmlns:mc="http://schemas.openxmlformats.org/markup-compatibility/2006">
-        <mc:Choice xmlns:a14="http://schemas.microsoft.com/office/drawing/2010/main" Requires="a14">
+      <mc:AlternateContent xmlns:mc="http://schemas.openxmlformats.org/markup-compatibility/2006" xmlns:a14="http://schemas.microsoft.com/office/drawing/2010/main">
+        <mc:Choice Requires="a14">
           <p:sp>
             <p:nvSpPr>
               <p:cNvPr id="25" name="TextBox 24">
@@ -6301,7 +6556,7 @@
             </p:txBody>
           </p:sp>
         </mc:Choice>
-        <mc:Fallback>
+        <mc:Fallback xmlns="">
           <p:sp>
             <p:nvSpPr>
               <p:cNvPr id="25" name="TextBox 24">
@@ -8243,8 +8498,8 @@
           </a:fontRef>
         </p:style>
       </p:cxnSp>
-      <mc:AlternateContent xmlns:mc="http://schemas.openxmlformats.org/markup-compatibility/2006">
-        <mc:Choice xmlns:a14="http://schemas.microsoft.com/office/drawing/2010/main" Requires="a14">
+      <mc:AlternateContent xmlns:mc="http://schemas.openxmlformats.org/markup-compatibility/2006" xmlns:a14="http://schemas.microsoft.com/office/drawing/2010/main">
+        <mc:Choice Requires="a14">
           <p:sp>
             <p:nvSpPr>
               <p:cNvPr id="20" name="TextBox 19">
@@ -8449,7 +8704,7 @@
             </p:txBody>
           </p:sp>
         </mc:Choice>
-        <mc:Fallback>
+        <mc:Fallback xmlns="">
           <p:sp>
             <p:nvSpPr>
               <p:cNvPr id="20" name="TextBox 19">
@@ -8494,8 +8749,8 @@
           </p:sp>
         </mc:Fallback>
       </mc:AlternateContent>
-      <mc:AlternateContent xmlns:mc="http://schemas.openxmlformats.org/markup-compatibility/2006">
-        <mc:Choice xmlns:a14="http://schemas.microsoft.com/office/drawing/2010/main" Requires="a14">
+      <mc:AlternateContent xmlns:mc="http://schemas.openxmlformats.org/markup-compatibility/2006" xmlns:a14="http://schemas.microsoft.com/office/drawing/2010/main">
+        <mc:Choice Requires="a14">
           <p:sp>
             <p:nvSpPr>
               <p:cNvPr id="21" name="TextBox 20">
@@ -8700,7 +8955,7 @@
             </p:txBody>
           </p:sp>
         </mc:Choice>
-        <mc:Fallback>
+        <mc:Fallback xmlns="">
           <p:sp>
             <p:nvSpPr>
               <p:cNvPr id="21" name="TextBox 20">
@@ -8989,9 +9244,8 @@
             </a:r>
           </a:p>
           <a:p>
-            <a:pPr marL="274320" lvl="1" indent="0">
+            <a:pPr lvl="1">
               <a:buSzPct val="100000"/>
-              <a:buNone/>
             </a:pPr>
             <a:r>
               <a:rPr lang="en-US" sz="2000" dirty="0">
@@ -9000,7 +9254,35 @@
                 </a:solidFill>
                 <a:latin typeface="Selawik Semibold" panose="020B0702040204020203" pitchFamily="34" charset="0"/>
               </a:rPr>
-              <a:t> </a:t>
+              <a:t>Kevin Garnett Had Highest WINVAL of 19 in 2006-2007 Season = He Would Improve His Team by 19 Points Per 48 Minutes</a:t>
+            </a:r>
+          </a:p>
+          <a:p>
+            <a:pPr lvl="1">
+              <a:buSzPct val="100000"/>
+            </a:pPr>
+            <a:r>
+              <a:rPr lang="en-US" sz="2000" dirty="0">
+                <a:solidFill>
+                  <a:schemeClr val="bg1"/>
+                </a:solidFill>
+                <a:latin typeface="Selawik Semibold" panose="020B0702040204020203" pitchFamily="34" charset="0"/>
+              </a:rPr>
+              <a:t>WINVAL can Be Broken Up into Offense and Defense</a:t>
+            </a:r>
+          </a:p>
+          <a:p>
+            <a:pPr lvl="1">
+              <a:buSzPct val="100000"/>
+            </a:pPr>
+            <a:r>
+              <a:rPr lang="en-US" sz="2000" dirty="0">
+                <a:solidFill>
+                  <a:schemeClr val="bg1"/>
+                </a:solidFill>
+                <a:latin typeface="Selawik Semibold" panose="020B0702040204020203" pitchFamily="34" charset="0"/>
+              </a:rPr>
+              <a:t>Kevin Garnett Offense WINVAL of 7 and Defense WINVAL of -12</a:t>
             </a:r>
           </a:p>
           <a:p>
@@ -9015,6 +9297,48 @@
             </a:endParaRPr>
           </a:p>
           <a:p>
+            <a:pPr>
+              <a:buSzPct val="100000"/>
+            </a:pPr>
+            <a:r>
+              <a:rPr lang="en-US" sz="2600" dirty="0">
+                <a:solidFill>
+                  <a:schemeClr val="bg1"/>
+                </a:solidFill>
+                <a:latin typeface="Selawik Semibold" panose="020B0702040204020203" pitchFamily="34" charset="0"/>
+              </a:rPr>
+              <a:t>Using Adjusted +/- to Rate Team</a:t>
+            </a:r>
+          </a:p>
+          <a:p>
+            <a:pPr lvl="1">
+              <a:buSzPct val="100000"/>
+            </a:pPr>
+            <a:r>
+              <a:rPr lang="en-US" sz="2000" dirty="0">
+                <a:solidFill>
+                  <a:schemeClr val="bg1"/>
+                </a:solidFill>
+                <a:latin typeface="Selawik Semibold" panose="020B0702040204020203" pitchFamily="34" charset="0"/>
+              </a:rPr>
+              <a:t>Each Player Has Own Adjusted +/- But Plays Different Minutes</a:t>
+            </a:r>
+          </a:p>
+          <a:p>
+            <a:pPr lvl="1">
+              <a:buSzPct val="100000"/>
+            </a:pPr>
+            <a:r>
+              <a:rPr lang="en-US" sz="2000" dirty="0">
+                <a:solidFill>
+                  <a:schemeClr val="bg1"/>
+                </a:solidFill>
+                <a:latin typeface="Selawik Semibold" panose="020B0702040204020203" pitchFamily="34" charset="0"/>
+              </a:rPr>
+              <a:t>Weighted Average Across Team Can Evaluate Entire Team</a:t>
+            </a:r>
+          </a:p>
+          <a:p>
             <a:pPr lvl="1">
               <a:buSzPct val="100000"/>
             </a:pPr>
@@ -9025,41 +9349,6 @@
               <a:latin typeface="Selawik Semibold" panose="020B0702040204020203" pitchFamily="34" charset="0"/>
             </a:endParaRPr>
           </a:p>
-          <a:p>
-            <a:pPr marL="0" indent="0">
-              <a:buSzPct val="100000"/>
-              <a:buNone/>
-            </a:pPr>
-            <a:endParaRPr lang="en-US" sz="2400" dirty="0">
-              <a:solidFill>
-                <a:schemeClr val="bg1"/>
-              </a:solidFill>
-              <a:latin typeface="Selawik Semibold" panose="020B0702040204020203" pitchFamily="34" charset="0"/>
-            </a:endParaRPr>
-          </a:p>
-          <a:p>
-            <a:pPr marL="0" indent="0">
-              <a:buSzPct val="100000"/>
-              <a:buNone/>
-            </a:pPr>
-            <a:endParaRPr lang="en-US" sz="2400" dirty="0">
-              <a:solidFill>
-                <a:schemeClr val="bg1"/>
-              </a:solidFill>
-              <a:latin typeface="Selawik Semibold" panose="020B0702040204020203" pitchFamily="34" charset="0"/>
-            </a:endParaRPr>
-          </a:p>
-          <a:p>
-            <a:pPr lvl="1">
-              <a:buSzPct val="100000"/>
-            </a:pPr>
-            <a:endParaRPr lang="en-US" sz="2000" dirty="0">
-              <a:solidFill>
-                <a:schemeClr val="bg1"/>
-              </a:solidFill>
-              <a:latin typeface="Selawik Semibold" panose="020B0702040204020203" pitchFamily="34" charset="0"/>
-            </a:endParaRPr>
-          </a:p>
         </p:txBody>
       </p:sp>
       <p:cxnSp>
@@ -9601,8 +9890,8 @@
           </a:fontRef>
         </p:style>
       </p:cxnSp>
-      <mc:AlternateContent xmlns:mc="http://schemas.openxmlformats.org/markup-compatibility/2006">
-        <mc:Choice xmlns:a14="http://schemas.microsoft.com/office/drawing/2010/main" Requires="a14">
+      <mc:AlternateContent xmlns:mc="http://schemas.openxmlformats.org/markup-compatibility/2006" xmlns:a14="http://schemas.microsoft.com/office/drawing/2010/main">
+        <mc:Choice Requires="a14">
           <p:sp>
             <p:nvSpPr>
               <p:cNvPr id="25" name="TextBox 24">
@@ -9913,7 +10202,7 @@
             </p:txBody>
           </p:sp>
         </mc:Choice>
-        <mc:Fallback>
+        <mc:Fallback xmlns="">
           <p:sp>
             <p:nvSpPr>
               <p:cNvPr id="25" name="TextBox 24">
@@ -9972,6 +10261,2584 @@
 </file>
 
 <file path=ppt/slides/slide14.xml><?xml version="1.0" encoding="utf-8"?>
+<p:sld xmlns:a="http://schemas.openxmlformats.org/drawingml/2006/main" xmlns:r="http://schemas.openxmlformats.org/officeDocument/2006/relationships" xmlns:p="http://schemas.openxmlformats.org/presentationml/2006/main">
+  <p:cSld>
+    <p:bg>
+      <p:bgPr>
+        <a:solidFill>
+          <a:srgbClr val="395583"/>
+        </a:solidFill>
+        <a:effectLst/>
+      </p:bgPr>
+    </p:bg>
+    <p:spTree>
+      <p:nvGrpSpPr>
+        <p:cNvPr id="1" name=""/>
+        <p:cNvGrpSpPr/>
+        <p:nvPr/>
+      </p:nvGrpSpPr>
+      <p:grpSpPr>
+        <a:xfrm>
+          <a:off x="0" y="0"/>
+          <a:ext cx="0" cy="0"/>
+          <a:chOff x="0" y="0"/>
+          <a:chExt cx="0" cy="0"/>
+        </a:xfrm>
+      </p:grpSpPr>
+      <p:pic>
+        <p:nvPicPr>
+          <p:cNvPr id="23" name="Graphic 22" descr="Basketball">
+            <a:extLst>
+              <a:ext uri="{FF2B5EF4-FFF2-40B4-BE49-F238E27FC236}">
+                <a16:creationId xmlns:a16="http://schemas.microsoft.com/office/drawing/2014/main" id="{E9648A1B-FAF4-4D5E-A5FA-056876B6D1ED}"/>
+              </a:ext>
+            </a:extLst>
+          </p:cNvPr>
+          <p:cNvPicPr>
+            <a:picLocks noChangeAspect="1"/>
+          </p:cNvPicPr>
+          <p:nvPr/>
+        </p:nvPicPr>
+        <p:blipFill>
+          <a:blip r:embed="rId3">
+            <a:extLst>
+              <a:ext uri="{28A0092B-C50C-407E-A947-70E740481C1C}">
+                <a14:useLocalDpi xmlns:a14="http://schemas.microsoft.com/office/drawing/2010/main" val="0"/>
+              </a:ext>
+              <a:ext uri="{96DAC541-7B7A-43D3-8B79-37D633B846F1}">
+                <asvg:svgBlip xmlns:asvg="http://schemas.microsoft.com/office/drawing/2016/SVG/main" r:embed="rId4"/>
+              </a:ext>
+            </a:extLst>
+          </a:blip>
+          <a:stretch>
+            <a:fillRect/>
+          </a:stretch>
+        </p:blipFill>
+        <p:spPr>
+          <a:xfrm>
+            <a:off x="744683" y="-47773"/>
+            <a:ext cx="1236707" cy="1236707"/>
+          </a:xfrm>
+          <a:prstGeom prst="rect">
+            <a:avLst/>
+          </a:prstGeom>
+        </p:spPr>
+      </p:pic>
+      <p:sp>
+        <p:nvSpPr>
+          <p:cNvPr id="2" name="Title 1">
+            <a:extLst>
+              <a:ext uri="{FF2B5EF4-FFF2-40B4-BE49-F238E27FC236}">
+                <a16:creationId xmlns:a16="http://schemas.microsoft.com/office/drawing/2014/main" id="{9DA33D13-A6DD-4F70-90E0-B2FBF766CA6D}"/>
+              </a:ext>
+            </a:extLst>
+          </p:cNvPr>
+          <p:cNvSpPr>
+            <a:spLocks noGrp="1"/>
+          </p:cNvSpPr>
+          <p:nvPr>
+            <p:ph type="title"/>
+          </p:nvPr>
+        </p:nvSpPr>
+        <p:spPr>
+          <a:xfrm>
+            <a:off x="2146146" y="288168"/>
+            <a:ext cx="9746927" cy="772006"/>
+          </a:xfrm>
+        </p:spPr>
+        <p:txBody>
+          <a:bodyPr>
+            <a:normAutofit/>
+          </a:bodyPr>
+          <a:lstStyle/>
+          <a:p>
+            <a:r>
+              <a:rPr lang="en-US" dirty="0">
+                <a:solidFill>
+                  <a:schemeClr val="bg1"/>
+                </a:solidFill>
+                <a:latin typeface="Selawik Semibold" panose="020B0702040204020203" pitchFamily="34" charset="0"/>
+              </a:rPr>
+              <a:t>+/- Player Ratings</a:t>
+            </a:r>
+          </a:p>
+        </p:txBody>
+      </p:sp>
+      <p:pic>
+        <p:nvPicPr>
+          <p:cNvPr id="27" name="Picture 26" descr="A close up of a toy&#10;&#10;Description automatically generated">
+            <a:extLst>
+              <a:ext uri="{FF2B5EF4-FFF2-40B4-BE49-F238E27FC236}">
+                <a16:creationId xmlns:a16="http://schemas.microsoft.com/office/drawing/2014/main" id="{F3F65D40-5045-4F6A-881C-5E044D5BEB71}"/>
+              </a:ext>
+            </a:extLst>
+          </p:cNvPr>
+          <p:cNvPicPr>
+            <a:picLocks noChangeAspect="1"/>
+          </p:cNvPicPr>
+          <p:nvPr/>
+        </p:nvPicPr>
+        <p:blipFill rotWithShape="1">
+          <a:blip r:embed="rId5">
+            <a:extLst>
+              <a:ext uri="{28A0092B-C50C-407E-A947-70E740481C1C}">
+                <a14:useLocalDpi xmlns:a14="http://schemas.microsoft.com/office/drawing/2010/main" val="0"/>
+              </a:ext>
+            </a:extLst>
+          </a:blip>
+          <a:srcRect t="11405" r="-2" b="25800"/>
+          <a:stretch/>
+        </p:blipFill>
+        <p:spPr>
+          <a:xfrm>
+            <a:off x="455571" y="3932600"/>
+            <a:ext cx="1598646" cy="1115388"/>
+          </a:xfrm>
+          <a:prstGeom prst="rect">
+            <a:avLst/>
+          </a:prstGeom>
+        </p:spPr>
+      </p:pic>
+      <p:sp>
+        <p:nvSpPr>
+          <p:cNvPr id="24" name="Content Placeholder 2">
+            <a:extLst>
+              <a:ext uri="{FF2B5EF4-FFF2-40B4-BE49-F238E27FC236}">
+                <a16:creationId xmlns:a16="http://schemas.microsoft.com/office/drawing/2014/main" id="{52313B83-B214-43D7-AC39-182CE4FA3E53}"/>
+              </a:ext>
+            </a:extLst>
+          </p:cNvPr>
+          <p:cNvSpPr>
+            <a:spLocks noGrp="1"/>
+          </p:cNvSpPr>
+          <p:nvPr>
+            <p:ph idx="1"/>
+          </p:nvPr>
+        </p:nvSpPr>
+        <p:spPr>
+          <a:xfrm>
+            <a:off x="2071467" y="1275565"/>
+            <a:ext cx="9215421" cy="5541546"/>
+          </a:xfrm>
+        </p:spPr>
+        <p:txBody>
+          <a:bodyPr>
+            <a:normAutofit/>
+          </a:bodyPr>
+          <a:lstStyle/>
+          <a:p>
+            <a:pPr>
+              <a:buSzPct val="100000"/>
+            </a:pPr>
+            <a:r>
+              <a:rPr lang="en-US" sz="2400" dirty="0">
+                <a:solidFill>
+                  <a:schemeClr val="bg1"/>
+                </a:solidFill>
+                <a:latin typeface="Selawik Semibold" panose="020B0702040204020203" pitchFamily="34" charset="0"/>
+              </a:rPr>
+              <a:t>Further Evaluation of Kevin Garnett’s Greatness</a:t>
+            </a:r>
+          </a:p>
+          <a:p>
+            <a:pPr lvl="1">
+              <a:buSzPct val="100000"/>
+            </a:pPr>
+            <a:r>
+              <a:rPr lang="en-US" sz="2000" dirty="0">
+                <a:solidFill>
+                  <a:schemeClr val="bg1"/>
+                </a:solidFill>
+                <a:latin typeface="Selawik Semibold" panose="020B0702040204020203" pitchFamily="34" charset="0"/>
+              </a:rPr>
+              <a:t>Look at Kevin Garnett’s Impact  on Team’s +/- When He is On the Court and On the Bench</a:t>
+            </a:r>
+          </a:p>
+          <a:p>
+            <a:pPr lvl="1">
+              <a:buSzPct val="100000"/>
+            </a:pPr>
+            <a:r>
+              <a:rPr lang="en-US" sz="2000" dirty="0">
+                <a:solidFill>
+                  <a:schemeClr val="bg1"/>
+                </a:solidFill>
+                <a:latin typeface="Selawik Semibold" panose="020B0702040204020203" pitchFamily="34" charset="0"/>
+              </a:rPr>
+              <a:t>Garnett In is Positive</a:t>
+            </a:r>
+          </a:p>
+          <a:p>
+            <a:pPr lvl="1">
+              <a:buSzPct val="100000"/>
+            </a:pPr>
+            <a:r>
+              <a:rPr lang="en-US" sz="2000" dirty="0">
+                <a:solidFill>
+                  <a:schemeClr val="bg1"/>
+                </a:solidFill>
+                <a:latin typeface="Selawik Semibold" panose="020B0702040204020203" pitchFamily="34" charset="0"/>
+              </a:rPr>
+              <a:t>Garnett Out is Negative</a:t>
+            </a:r>
+          </a:p>
+          <a:p>
+            <a:pPr lvl="1">
+              <a:buSzPct val="100000"/>
+            </a:pPr>
+            <a:r>
+              <a:rPr lang="en-US" sz="2000" dirty="0">
+                <a:solidFill>
+                  <a:schemeClr val="bg1"/>
+                </a:solidFill>
+                <a:latin typeface="Selawik Semibold" panose="020B0702040204020203" pitchFamily="34" charset="0"/>
+              </a:rPr>
+              <a:t>Shows Points Better than </a:t>
+            </a:r>
+          </a:p>
+          <a:p>
+            <a:pPr marL="274320" lvl="1" indent="0">
+              <a:buSzPct val="100000"/>
+              <a:buNone/>
+            </a:pPr>
+            <a:r>
+              <a:rPr lang="en-US" sz="2000" dirty="0">
+                <a:solidFill>
+                  <a:schemeClr val="bg1"/>
+                </a:solidFill>
+                <a:latin typeface="Selawik Semibold" panose="020B0702040204020203" pitchFamily="34" charset="0"/>
+              </a:rPr>
+              <a:t>   Average Team</a:t>
+            </a:r>
+          </a:p>
+        </p:txBody>
+      </p:sp>
+      <p:cxnSp>
+        <p:nvCxnSpPr>
+          <p:cNvPr id="33" name="Straight Connector 32">
+            <a:extLst>
+              <a:ext uri="{FF2B5EF4-FFF2-40B4-BE49-F238E27FC236}">
+                <a16:creationId xmlns:a16="http://schemas.microsoft.com/office/drawing/2014/main" id="{1164AB91-DF9B-4348-85B4-B3DBD68D0AB8}"/>
+              </a:ext>
+            </a:extLst>
+          </p:cNvPr>
+          <p:cNvCxnSpPr>
+            <a:cxnSpLocks/>
+          </p:cNvCxnSpPr>
+          <p:nvPr/>
+        </p:nvCxnSpPr>
+        <p:spPr>
+          <a:xfrm flipV="1">
+            <a:off x="1772959" y="1060174"/>
+            <a:ext cx="9513948" cy="40889"/>
+          </a:xfrm>
+          <a:prstGeom prst="line">
+            <a:avLst/>
+          </a:prstGeom>
+          <a:ln w="101600">
+            <a:solidFill>
+              <a:schemeClr val="bg1"/>
+            </a:solidFill>
+          </a:ln>
+        </p:spPr>
+        <p:style>
+          <a:lnRef idx="1">
+            <a:schemeClr val="accent1"/>
+          </a:lnRef>
+          <a:fillRef idx="0">
+            <a:schemeClr val="accent1"/>
+          </a:fillRef>
+          <a:effectRef idx="0">
+            <a:schemeClr val="accent1"/>
+          </a:effectRef>
+          <a:fontRef idx="minor">
+            <a:schemeClr val="tx1"/>
+          </a:fontRef>
+        </p:style>
+      </p:cxnSp>
+      <p:pic>
+        <p:nvPicPr>
+          <p:cNvPr id="35" name="Picture 34" descr="A picture containing clipart&#10;&#10;Description automatically generated">
+            <a:extLst>
+              <a:ext uri="{FF2B5EF4-FFF2-40B4-BE49-F238E27FC236}">
+                <a16:creationId xmlns:a16="http://schemas.microsoft.com/office/drawing/2014/main" id="{36A4252C-FA56-4DE4-B601-DA4D32813E54}"/>
+              </a:ext>
+            </a:extLst>
+          </p:cNvPr>
+          <p:cNvPicPr>
+            <a:picLocks noChangeAspect="1"/>
+          </p:cNvPicPr>
+          <p:nvPr/>
+        </p:nvPicPr>
+        <p:blipFill rotWithShape="1">
+          <a:blip r:embed="rId6">
+            <a:extLst>
+              <a:ext uri="{28A0092B-C50C-407E-A947-70E740481C1C}">
+                <a14:useLocalDpi xmlns:a14="http://schemas.microsoft.com/office/drawing/2010/main" val="0"/>
+              </a:ext>
+            </a:extLst>
+          </a:blip>
+          <a:srcRect l="11332" r="8033" b="-1"/>
+          <a:stretch/>
+        </p:blipFill>
+        <p:spPr>
+          <a:xfrm>
+            <a:off x="450297" y="2817212"/>
+            <a:ext cx="1598904" cy="1115388"/>
+          </a:xfrm>
+          <a:prstGeom prst="rect">
+            <a:avLst/>
+          </a:prstGeom>
+        </p:spPr>
+      </p:pic>
+      <p:cxnSp>
+        <p:nvCxnSpPr>
+          <p:cNvPr id="42" name="Straight Connector 41">
+            <a:extLst>
+              <a:ext uri="{FF2B5EF4-FFF2-40B4-BE49-F238E27FC236}">
+                <a16:creationId xmlns:a16="http://schemas.microsoft.com/office/drawing/2014/main" id="{0AC0AF4A-02B5-401B-9183-DFBDCAC17CB5}"/>
+              </a:ext>
+            </a:extLst>
+          </p:cNvPr>
+          <p:cNvCxnSpPr>
+            <a:cxnSpLocks/>
+          </p:cNvCxnSpPr>
+          <p:nvPr/>
+        </p:nvCxnSpPr>
+        <p:spPr>
+          <a:xfrm flipV="1">
+            <a:off x="1443448" y="1087104"/>
+            <a:ext cx="364940" cy="567192"/>
+          </a:xfrm>
+          <a:prstGeom prst="line">
+            <a:avLst/>
+          </a:prstGeom>
+          <a:ln w="101600">
+            <a:solidFill>
+              <a:schemeClr val="bg1"/>
+            </a:solidFill>
+          </a:ln>
+        </p:spPr>
+        <p:style>
+          <a:lnRef idx="1">
+            <a:schemeClr val="accent1"/>
+          </a:lnRef>
+          <a:fillRef idx="0">
+            <a:schemeClr val="accent1"/>
+          </a:fillRef>
+          <a:effectRef idx="0">
+            <a:schemeClr val="accent1"/>
+          </a:effectRef>
+          <a:fontRef idx="minor">
+            <a:schemeClr val="tx1"/>
+          </a:fontRef>
+        </p:style>
+      </p:cxnSp>
+      <p:cxnSp>
+        <p:nvCxnSpPr>
+          <p:cNvPr id="44" name="Straight Connector 43">
+            <a:extLst>
+              <a:ext uri="{FF2B5EF4-FFF2-40B4-BE49-F238E27FC236}">
+                <a16:creationId xmlns:a16="http://schemas.microsoft.com/office/drawing/2014/main" id="{3C0D842E-CE3C-450F-A5A5-11DDD6118C09}"/>
+              </a:ext>
+            </a:extLst>
+          </p:cNvPr>
+          <p:cNvCxnSpPr>
+            <a:cxnSpLocks/>
+          </p:cNvCxnSpPr>
+          <p:nvPr/>
+        </p:nvCxnSpPr>
+        <p:spPr>
+          <a:xfrm>
+            <a:off x="443317" y="-93164"/>
+            <a:ext cx="1000131" cy="1802428"/>
+          </a:xfrm>
+          <a:prstGeom prst="line">
+            <a:avLst/>
+          </a:prstGeom>
+          <a:ln w="101600">
+            <a:solidFill>
+              <a:schemeClr val="bg1"/>
+            </a:solidFill>
+          </a:ln>
+        </p:spPr>
+        <p:style>
+          <a:lnRef idx="1">
+            <a:schemeClr val="accent1"/>
+          </a:lnRef>
+          <a:fillRef idx="0">
+            <a:schemeClr val="accent1"/>
+          </a:fillRef>
+          <a:effectRef idx="0">
+            <a:schemeClr val="accent1"/>
+          </a:effectRef>
+          <a:fontRef idx="minor">
+            <a:schemeClr val="tx1"/>
+          </a:fontRef>
+        </p:style>
+      </p:cxnSp>
+      <p:cxnSp>
+        <p:nvCxnSpPr>
+          <p:cNvPr id="52" name="Straight Connector 51">
+            <a:extLst>
+              <a:ext uri="{FF2B5EF4-FFF2-40B4-BE49-F238E27FC236}">
+                <a16:creationId xmlns:a16="http://schemas.microsoft.com/office/drawing/2014/main" id="{67D3C56B-D516-4628-8E26-F56918CF8C92}"/>
+              </a:ext>
+            </a:extLst>
+          </p:cNvPr>
+          <p:cNvCxnSpPr>
+            <a:cxnSpLocks/>
+          </p:cNvCxnSpPr>
+          <p:nvPr/>
+        </p:nvCxnSpPr>
+        <p:spPr>
+          <a:xfrm>
+            <a:off x="369948" y="3889614"/>
+            <a:ext cx="1590634" cy="0"/>
+          </a:xfrm>
+          <a:prstGeom prst="line">
+            <a:avLst/>
+          </a:prstGeom>
+          <a:ln w="101600">
+            <a:solidFill>
+              <a:srgbClr val="A6A1A1"/>
+            </a:solidFill>
+          </a:ln>
+        </p:spPr>
+        <p:style>
+          <a:lnRef idx="1">
+            <a:schemeClr val="accent1"/>
+          </a:lnRef>
+          <a:fillRef idx="0">
+            <a:schemeClr val="accent1"/>
+          </a:fillRef>
+          <a:effectRef idx="0">
+            <a:schemeClr val="accent1"/>
+          </a:effectRef>
+          <a:fontRef idx="minor">
+            <a:schemeClr val="tx1"/>
+          </a:fontRef>
+        </p:style>
+      </p:cxnSp>
+      <p:cxnSp>
+        <p:nvCxnSpPr>
+          <p:cNvPr id="57" name="Straight Connector 56">
+            <a:extLst>
+              <a:ext uri="{FF2B5EF4-FFF2-40B4-BE49-F238E27FC236}">
+                <a16:creationId xmlns:a16="http://schemas.microsoft.com/office/drawing/2014/main" id="{B290DB4C-815D-42FC-98C1-898CC129644A}"/>
+              </a:ext>
+            </a:extLst>
+          </p:cNvPr>
+          <p:cNvCxnSpPr>
+            <a:cxnSpLocks/>
+          </p:cNvCxnSpPr>
+          <p:nvPr/>
+        </p:nvCxnSpPr>
+        <p:spPr>
+          <a:xfrm>
+            <a:off x="373606" y="2789797"/>
+            <a:ext cx="1590634" cy="0"/>
+          </a:xfrm>
+          <a:prstGeom prst="line">
+            <a:avLst/>
+          </a:prstGeom>
+          <a:ln w="101600">
+            <a:solidFill>
+              <a:srgbClr val="A6A1A1"/>
+            </a:solidFill>
+          </a:ln>
+        </p:spPr>
+        <p:style>
+          <a:lnRef idx="1">
+            <a:schemeClr val="accent1"/>
+          </a:lnRef>
+          <a:fillRef idx="0">
+            <a:schemeClr val="accent1"/>
+          </a:fillRef>
+          <a:effectRef idx="0">
+            <a:schemeClr val="accent1"/>
+          </a:effectRef>
+          <a:fontRef idx="minor">
+            <a:schemeClr val="tx1"/>
+          </a:fontRef>
+        </p:style>
+      </p:cxnSp>
+      <p:cxnSp>
+        <p:nvCxnSpPr>
+          <p:cNvPr id="58" name="Straight Connector 57">
+            <a:extLst>
+              <a:ext uri="{FF2B5EF4-FFF2-40B4-BE49-F238E27FC236}">
+                <a16:creationId xmlns:a16="http://schemas.microsoft.com/office/drawing/2014/main" id="{B7FDB3DF-10DC-4872-BCF3-6F2CC6DD0F1C}"/>
+              </a:ext>
+            </a:extLst>
+          </p:cNvPr>
+          <p:cNvCxnSpPr>
+            <a:cxnSpLocks/>
+          </p:cNvCxnSpPr>
+          <p:nvPr/>
+        </p:nvCxnSpPr>
+        <p:spPr>
+          <a:xfrm>
+            <a:off x="373606" y="5047988"/>
+            <a:ext cx="1590634" cy="0"/>
+          </a:xfrm>
+          <a:prstGeom prst="line">
+            <a:avLst/>
+          </a:prstGeom>
+          <a:ln w="101600">
+            <a:solidFill>
+              <a:schemeClr val="bg1">
+                <a:lumMod val="65000"/>
+              </a:schemeClr>
+            </a:solidFill>
+          </a:ln>
+        </p:spPr>
+        <p:style>
+          <a:lnRef idx="1">
+            <a:schemeClr val="accent1"/>
+          </a:lnRef>
+          <a:fillRef idx="0">
+            <a:schemeClr val="accent1"/>
+          </a:fillRef>
+          <a:effectRef idx="0">
+            <a:schemeClr val="accent1"/>
+          </a:effectRef>
+          <a:fontRef idx="minor">
+            <a:schemeClr val="tx1"/>
+          </a:fontRef>
+        </p:style>
+      </p:cxnSp>
+      <p:pic>
+        <p:nvPicPr>
+          <p:cNvPr id="61" name="Picture 60" descr="A close up of a toy&#10;&#10;Description automatically generated">
+            <a:extLst>
+              <a:ext uri="{FF2B5EF4-FFF2-40B4-BE49-F238E27FC236}">
+                <a16:creationId xmlns:a16="http://schemas.microsoft.com/office/drawing/2014/main" id="{96AE0023-E4EA-4D16-8B99-96DA8E83150F}"/>
+              </a:ext>
+            </a:extLst>
+          </p:cNvPr>
+          <p:cNvPicPr>
+            <a:picLocks noChangeAspect="1"/>
+          </p:cNvPicPr>
+          <p:nvPr/>
+        </p:nvPicPr>
+        <p:blipFill rotWithShape="1">
+          <a:blip r:embed="rId5">
+            <a:extLst>
+              <a:ext uri="{28A0092B-C50C-407E-A947-70E740481C1C}">
+                <a14:useLocalDpi xmlns:a14="http://schemas.microsoft.com/office/drawing/2010/main" val="0"/>
+              </a:ext>
+            </a:extLst>
+          </a:blip>
+          <a:srcRect t="11405" r="-2" b="25800"/>
+          <a:stretch/>
+        </p:blipFill>
+        <p:spPr>
+          <a:xfrm>
+            <a:off x="455571" y="6190676"/>
+            <a:ext cx="1598646" cy="1115388"/>
+          </a:xfrm>
+          <a:prstGeom prst="rect">
+            <a:avLst/>
+          </a:prstGeom>
+        </p:spPr>
+      </p:pic>
+      <p:pic>
+        <p:nvPicPr>
+          <p:cNvPr id="62" name="Picture 61" descr="A picture containing clipart&#10;&#10;Description automatically generated">
+            <a:extLst>
+              <a:ext uri="{FF2B5EF4-FFF2-40B4-BE49-F238E27FC236}">
+                <a16:creationId xmlns:a16="http://schemas.microsoft.com/office/drawing/2014/main" id="{569B3D08-70E8-4C8B-A239-7C18FB492C6D}"/>
+              </a:ext>
+            </a:extLst>
+          </p:cNvPr>
+          <p:cNvPicPr>
+            <a:picLocks noChangeAspect="1"/>
+          </p:cNvPicPr>
+          <p:nvPr/>
+        </p:nvPicPr>
+        <p:blipFill rotWithShape="1">
+          <a:blip r:embed="rId6">
+            <a:extLst>
+              <a:ext uri="{28A0092B-C50C-407E-A947-70E740481C1C}">
+                <a14:useLocalDpi xmlns:a14="http://schemas.microsoft.com/office/drawing/2010/main" val="0"/>
+              </a:ext>
+            </a:extLst>
+          </a:blip>
+          <a:srcRect l="11332" r="8033" b="-1"/>
+          <a:stretch/>
+        </p:blipFill>
+        <p:spPr>
+          <a:xfrm>
+            <a:off x="450297" y="5075288"/>
+            <a:ext cx="1598904" cy="1115388"/>
+          </a:xfrm>
+          <a:prstGeom prst="rect">
+            <a:avLst/>
+          </a:prstGeom>
+        </p:spPr>
+      </p:pic>
+      <p:cxnSp>
+        <p:nvCxnSpPr>
+          <p:cNvPr id="63" name="Straight Connector 62">
+            <a:extLst>
+              <a:ext uri="{FF2B5EF4-FFF2-40B4-BE49-F238E27FC236}">
+                <a16:creationId xmlns:a16="http://schemas.microsoft.com/office/drawing/2014/main" id="{20DB3758-374A-4C64-B771-E4915100FBBC}"/>
+              </a:ext>
+            </a:extLst>
+          </p:cNvPr>
+          <p:cNvCxnSpPr>
+            <a:cxnSpLocks/>
+          </p:cNvCxnSpPr>
+          <p:nvPr/>
+        </p:nvCxnSpPr>
+        <p:spPr>
+          <a:xfrm>
+            <a:off x="369948" y="6147690"/>
+            <a:ext cx="1590634" cy="0"/>
+          </a:xfrm>
+          <a:prstGeom prst="line">
+            <a:avLst/>
+          </a:prstGeom>
+          <a:ln w="101600">
+            <a:solidFill>
+              <a:srgbClr val="A6A1A1"/>
+            </a:solidFill>
+          </a:ln>
+        </p:spPr>
+        <p:style>
+          <a:lnRef idx="1">
+            <a:schemeClr val="accent1"/>
+          </a:lnRef>
+          <a:fillRef idx="0">
+            <a:schemeClr val="accent1"/>
+          </a:fillRef>
+          <a:effectRef idx="0">
+            <a:schemeClr val="accent1"/>
+          </a:effectRef>
+          <a:fontRef idx="minor">
+            <a:schemeClr val="tx1"/>
+          </a:fontRef>
+        </p:style>
+      </p:cxnSp>
+      <p:cxnSp>
+        <p:nvCxnSpPr>
+          <p:cNvPr id="64" name="Straight Connector 63">
+            <a:extLst>
+              <a:ext uri="{FF2B5EF4-FFF2-40B4-BE49-F238E27FC236}">
+                <a16:creationId xmlns:a16="http://schemas.microsoft.com/office/drawing/2014/main" id="{3BDADCEE-4407-4364-B613-6D0D45453CB7}"/>
+              </a:ext>
+            </a:extLst>
+          </p:cNvPr>
+          <p:cNvCxnSpPr>
+            <a:cxnSpLocks/>
+          </p:cNvCxnSpPr>
+          <p:nvPr/>
+        </p:nvCxnSpPr>
+        <p:spPr>
+          <a:xfrm>
+            <a:off x="373606" y="5047873"/>
+            <a:ext cx="1590634" cy="0"/>
+          </a:xfrm>
+          <a:prstGeom prst="line">
+            <a:avLst/>
+          </a:prstGeom>
+          <a:ln w="101600">
+            <a:solidFill>
+              <a:srgbClr val="A6A1A1"/>
+            </a:solidFill>
+          </a:ln>
+        </p:spPr>
+        <p:style>
+          <a:lnRef idx="1">
+            <a:schemeClr val="accent1"/>
+          </a:lnRef>
+          <a:fillRef idx="0">
+            <a:schemeClr val="accent1"/>
+          </a:fillRef>
+          <a:effectRef idx="0">
+            <a:schemeClr val="accent1"/>
+          </a:effectRef>
+          <a:fontRef idx="minor">
+            <a:schemeClr val="tx1"/>
+          </a:fontRef>
+        </p:style>
+      </p:cxnSp>
+      <p:cxnSp>
+        <p:nvCxnSpPr>
+          <p:cNvPr id="65" name="Straight Connector 64">
+            <a:extLst>
+              <a:ext uri="{FF2B5EF4-FFF2-40B4-BE49-F238E27FC236}">
+                <a16:creationId xmlns:a16="http://schemas.microsoft.com/office/drawing/2014/main" id="{DFF830B1-81C0-4325-8FC2-FD52D52FBC55}"/>
+              </a:ext>
+            </a:extLst>
+          </p:cNvPr>
+          <p:cNvCxnSpPr>
+            <a:cxnSpLocks/>
+          </p:cNvCxnSpPr>
+          <p:nvPr/>
+        </p:nvCxnSpPr>
+        <p:spPr>
+          <a:xfrm>
+            <a:off x="373606" y="7306064"/>
+            <a:ext cx="1590634" cy="0"/>
+          </a:xfrm>
+          <a:prstGeom prst="line">
+            <a:avLst/>
+          </a:prstGeom>
+          <a:ln w="101600">
+            <a:solidFill>
+              <a:schemeClr val="bg1">
+                <a:lumMod val="65000"/>
+              </a:schemeClr>
+            </a:solidFill>
+          </a:ln>
+        </p:spPr>
+        <p:style>
+          <a:lnRef idx="1">
+            <a:schemeClr val="accent1"/>
+          </a:lnRef>
+          <a:fillRef idx="0">
+            <a:schemeClr val="accent1"/>
+          </a:fillRef>
+          <a:effectRef idx="0">
+            <a:schemeClr val="accent1"/>
+          </a:effectRef>
+          <a:fontRef idx="minor">
+            <a:schemeClr val="tx1"/>
+          </a:fontRef>
+        </p:style>
+      </p:cxnSp>
+      <p:cxnSp>
+        <p:nvCxnSpPr>
+          <p:cNvPr id="37" name="Straight Connector 36">
+            <a:extLst>
+              <a:ext uri="{FF2B5EF4-FFF2-40B4-BE49-F238E27FC236}">
+                <a16:creationId xmlns:a16="http://schemas.microsoft.com/office/drawing/2014/main" id="{AD695731-30B6-474A-893D-D960E2F39AF9}"/>
+              </a:ext>
+            </a:extLst>
+          </p:cNvPr>
+          <p:cNvCxnSpPr>
+            <a:cxnSpLocks/>
+          </p:cNvCxnSpPr>
+          <p:nvPr/>
+        </p:nvCxnSpPr>
+        <p:spPr>
+          <a:xfrm flipV="1">
+            <a:off x="2010803" y="1087104"/>
+            <a:ext cx="0" cy="5770896"/>
+          </a:xfrm>
+          <a:prstGeom prst="line">
+            <a:avLst/>
+          </a:prstGeom>
+          <a:ln w="101600">
+            <a:solidFill>
+              <a:schemeClr val="bg1"/>
+            </a:solidFill>
+          </a:ln>
+        </p:spPr>
+        <p:style>
+          <a:lnRef idx="1">
+            <a:schemeClr val="accent1"/>
+          </a:lnRef>
+          <a:fillRef idx="0">
+            <a:schemeClr val="accent1"/>
+          </a:fillRef>
+          <a:effectRef idx="0">
+            <a:schemeClr val="accent1"/>
+          </a:effectRef>
+          <a:fontRef idx="minor">
+            <a:schemeClr val="tx1"/>
+          </a:fontRef>
+        </p:style>
+      </p:cxnSp>
+      <p:pic>
+        <p:nvPicPr>
+          <p:cNvPr id="3" name="Picture 2">
+            <a:extLst>
+              <a:ext uri="{FF2B5EF4-FFF2-40B4-BE49-F238E27FC236}">
+                <a16:creationId xmlns:a16="http://schemas.microsoft.com/office/drawing/2014/main" id="{36E84F9B-9F7A-4461-A15E-5044EDE8486F}"/>
+              </a:ext>
+            </a:extLst>
+          </p:cNvPr>
+          <p:cNvPicPr>
+            <a:picLocks noChangeAspect="1"/>
+          </p:cNvPicPr>
+          <p:nvPr/>
+        </p:nvPicPr>
+        <p:blipFill>
+          <a:blip r:embed="rId7"/>
+          <a:stretch>
+            <a:fillRect/>
+          </a:stretch>
+        </p:blipFill>
+        <p:spPr>
+          <a:xfrm>
+            <a:off x="6644739" y="2639350"/>
+            <a:ext cx="4411188" cy="3930482"/>
+          </a:xfrm>
+          <a:prstGeom prst="rect">
+            <a:avLst/>
+          </a:prstGeom>
+          <a:ln w="38100">
+            <a:solidFill>
+              <a:srgbClr val="A6A1A1"/>
+            </a:solidFill>
+          </a:ln>
+        </p:spPr>
+      </p:pic>
+    </p:spTree>
+    <p:extLst>
+      <p:ext uri="{BB962C8B-B14F-4D97-AF65-F5344CB8AC3E}">
+        <p14:creationId xmlns:p14="http://schemas.microsoft.com/office/powerpoint/2010/main" val="913041092"/>
+      </p:ext>
+    </p:extLst>
+  </p:cSld>
+  <p:clrMapOvr>
+    <a:masterClrMapping/>
+  </p:clrMapOvr>
+</p:sld>
+</file>
+
+<file path=ppt/slides/slide15.xml><?xml version="1.0" encoding="utf-8"?>
+<p:sld xmlns:a="http://schemas.openxmlformats.org/drawingml/2006/main" xmlns:r="http://schemas.openxmlformats.org/officeDocument/2006/relationships" xmlns:p="http://schemas.openxmlformats.org/presentationml/2006/main">
+  <p:cSld>
+    <p:bg>
+      <p:bgPr>
+        <a:solidFill>
+          <a:srgbClr val="395583"/>
+        </a:solidFill>
+        <a:effectLst/>
+      </p:bgPr>
+    </p:bg>
+    <p:spTree>
+      <p:nvGrpSpPr>
+        <p:cNvPr id="1" name=""/>
+        <p:cNvGrpSpPr/>
+        <p:nvPr/>
+      </p:nvGrpSpPr>
+      <p:grpSpPr>
+        <a:xfrm>
+          <a:off x="0" y="0"/>
+          <a:ext cx="0" cy="0"/>
+          <a:chOff x="0" y="0"/>
+          <a:chExt cx="0" cy="0"/>
+        </a:xfrm>
+      </p:grpSpPr>
+      <p:pic>
+        <p:nvPicPr>
+          <p:cNvPr id="23" name="Graphic 22" descr="Basketball">
+            <a:extLst>
+              <a:ext uri="{FF2B5EF4-FFF2-40B4-BE49-F238E27FC236}">
+                <a16:creationId xmlns:a16="http://schemas.microsoft.com/office/drawing/2014/main" id="{E9648A1B-FAF4-4D5E-A5FA-056876B6D1ED}"/>
+              </a:ext>
+            </a:extLst>
+          </p:cNvPr>
+          <p:cNvPicPr>
+            <a:picLocks noChangeAspect="1"/>
+          </p:cNvPicPr>
+          <p:nvPr/>
+        </p:nvPicPr>
+        <p:blipFill>
+          <a:blip r:embed="rId3">
+            <a:extLst>
+              <a:ext uri="{28A0092B-C50C-407E-A947-70E740481C1C}">
+                <a14:useLocalDpi xmlns:a14="http://schemas.microsoft.com/office/drawing/2010/main" val="0"/>
+              </a:ext>
+              <a:ext uri="{96DAC541-7B7A-43D3-8B79-37D633B846F1}">
+                <asvg:svgBlip xmlns:asvg="http://schemas.microsoft.com/office/drawing/2016/SVG/main" r:embed="rId4"/>
+              </a:ext>
+            </a:extLst>
+          </a:blip>
+          <a:stretch>
+            <a:fillRect/>
+          </a:stretch>
+        </p:blipFill>
+        <p:spPr>
+          <a:xfrm>
+            <a:off x="744683" y="-47773"/>
+            <a:ext cx="1236707" cy="1236707"/>
+          </a:xfrm>
+          <a:prstGeom prst="rect">
+            <a:avLst/>
+          </a:prstGeom>
+        </p:spPr>
+      </p:pic>
+      <p:sp>
+        <p:nvSpPr>
+          <p:cNvPr id="2" name="Title 1">
+            <a:extLst>
+              <a:ext uri="{FF2B5EF4-FFF2-40B4-BE49-F238E27FC236}">
+                <a16:creationId xmlns:a16="http://schemas.microsoft.com/office/drawing/2014/main" id="{9DA33D13-A6DD-4F70-90E0-B2FBF766CA6D}"/>
+              </a:ext>
+            </a:extLst>
+          </p:cNvPr>
+          <p:cNvSpPr>
+            <a:spLocks noGrp="1"/>
+          </p:cNvSpPr>
+          <p:nvPr>
+            <p:ph type="title"/>
+          </p:nvPr>
+        </p:nvSpPr>
+        <p:spPr>
+          <a:xfrm>
+            <a:off x="2146146" y="288168"/>
+            <a:ext cx="9746927" cy="772006"/>
+          </a:xfrm>
+        </p:spPr>
+        <p:txBody>
+          <a:bodyPr>
+            <a:normAutofit/>
+          </a:bodyPr>
+          <a:lstStyle/>
+          <a:p>
+            <a:r>
+              <a:rPr lang="en-US" dirty="0">
+                <a:solidFill>
+                  <a:schemeClr val="bg1"/>
+                </a:solidFill>
+                <a:latin typeface="Selawik Semibold" panose="020B0702040204020203" pitchFamily="34" charset="0"/>
+              </a:rPr>
+              <a:t>+/- Player Ratings</a:t>
+            </a:r>
+          </a:p>
+        </p:txBody>
+      </p:sp>
+      <p:pic>
+        <p:nvPicPr>
+          <p:cNvPr id="27" name="Picture 26" descr="A close up of a toy&#10;&#10;Description automatically generated">
+            <a:extLst>
+              <a:ext uri="{FF2B5EF4-FFF2-40B4-BE49-F238E27FC236}">
+                <a16:creationId xmlns:a16="http://schemas.microsoft.com/office/drawing/2014/main" id="{F3F65D40-5045-4F6A-881C-5E044D5BEB71}"/>
+              </a:ext>
+            </a:extLst>
+          </p:cNvPr>
+          <p:cNvPicPr>
+            <a:picLocks noChangeAspect="1"/>
+          </p:cNvPicPr>
+          <p:nvPr/>
+        </p:nvPicPr>
+        <p:blipFill rotWithShape="1">
+          <a:blip r:embed="rId5">
+            <a:extLst>
+              <a:ext uri="{28A0092B-C50C-407E-A947-70E740481C1C}">
+                <a14:useLocalDpi xmlns:a14="http://schemas.microsoft.com/office/drawing/2010/main" val="0"/>
+              </a:ext>
+            </a:extLst>
+          </a:blip>
+          <a:srcRect t="11405" r="-2" b="25800"/>
+          <a:stretch/>
+        </p:blipFill>
+        <p:spPr>
+          <a:xfrm>
+            <a:off x="455571" y="3932600"/>
+            <a:ext cx="1598646" cy="1115388"/>
+          </a:xfrm>
+          <a:prstGeom prst="rect">
+            <a:avLst/>
+          </a:prstGeom>
+        </p:spPr>
+      </p:pic>
+      <p:sp>
+        <p:nvSpPr>
+          <p:cNvPr id="24" name="Content Placeholder 2">
+            <a:extLst>
+              <a:ext uri="{FF2B5EF4-FFF2-40B4-BE49-F238E27FC236}">
+                <a16:creationId xmlns:a16="http://schemas.microsoft.com/office/drawing/2014/main" id="{52313B83-B214-43D7-AC39-182CE4FA3E53}"/>
+              </a:ext>
+            </a:extLst>
+          </p:cNvPr>
+          <p:cNvSpPr>
+            <a:spLocks noGrp="1"/>
+          </p:cNvSpPr>
+          <p:nvPr>
+            <p:ph idx="1"/>
+          </p:nvPr>
+        </p:nvSpPr>
+        <p:spPr>
+          <a:xfrm>
+            <a:off x="2071468" y="1275565"/>
+            <a:ext cx="9305094" cy="5541546"/>
+          </a:xfrm>
+        </p:spPr>
+        <p:txBody>
+          <a:bodyPr>
+            <a:normAutofit/>
+          </a:bodyPr>
+          <a:lstStyle/>
+          <a:p>
+            <a:pPr>
+              <a:buSzPct val="100000"/>
+            </a:pPr>
+            <a:r>
+              <a:rPr lang="en-US" sz="2400" dirty="0">
+                <a:solidFill>
+                  <a:schemeClr val="bg1"/>
+                </a:solidFill>
+                <a:latin typeface="Selawik Semibold" panose="020B0702040204020203" pitchFamily="34" charset="0"/>
+              </a:rPr>
+              <a:t>Problems With WINVAL</a:t>
+            </a:r>
+          </a:p>
+          <a:p>
+            <a:pPr lvl="1">
+              <a:buSzPct val="100000"/>
+            </a:pPr>
+            <a:r>
+              <a:rPr lang="en-US" sz="2000" dirty="0">
+                <a:solidFill>
+                  <a:schemeClr val="bg1"/>
+                </a:solidFill>
+                <a:latin typeface="Selawik Semibold" panose="020B0702040204020203" pitchFamily="34" charset="0"/>
+              </a:rPr>
+              <a:t>A Lot of Noise (We Can Observe Standard Error in +/- Ratings)</a:t>
+            </a:r>
+          </a:p>
+          <a:p>
+            <a:pPr lvl="1">
+              <a:buSzPct val="100000"/>
+            </a:pPr>
+            <a:r>
+              <a:rPr lang="en-US" sz="2000" dirty="0">
+                <a:solidFill>
+                  <a:schemeClr val="bg1"/>
+                </a:solidFill>
+                <a:latin typeface="Selawik Semibold" panose="020B0702040204020203" pitchFamily="34" charset="0"/>
+              </a:rPr>
+              <a:t>Little Confidence When Player Plays Less Than 500 Minutes</a:t>
+            </a:r>
+          </a:p>
+          <a:p>
+            <a:pPr lvl="1">
+              <a:buSzPct val="100000"/>
+            </a:pPr>
+            <a:r>
+              <a:rPr lang="en-US" sz="2000" dirty="0">
+                <a:solidFill>
+                  <a:schemeClr val="bg1"/>
+                </a:solidFill>
+                <a:latin typeface="Selawik Semibold" panose="020B0702040204020203" pitchFamily="34" charset="0"/>
+              </a:rPr>
+              <a:t>Impact to WINVAL at Meaningless Points of the Game</a:t>
+            </a:r>
+          </a:p>
+          <a:p>
+            <a:pPr lvl="1">
+              <a:buSzPct val="100000"/>
+            </a:pPr>
+            <a:endParaRPr lang="en-US" sz="2200" dirty="0">
+              <a:solidFill>
+                <a:schemeClr val="bg1"/>
+              </a:solidFill>
+              <a:latin typeface="Selawik Semibold" panose="020B0702040204020203" pitchFamily="34" charset="0"/>
+            </a:endParaRPr>
+          </a:p>
+          <a:p>
+            <a:pPr>
+              <a:buSzPct val="100000"/>
+            </a:pPr>
+            <a:r>
+              <a:rPr lang="en-US" sz="2400" dirty="0">
+                <a:solidFill>
+                  <a:schemeClr val="bg1"/>
+                </a:solidFill>
+                <a:latin typeface="Selawik Semibold" panose="020B0702040204020203" pitchFamily="34" charset="0"/>
+              </a:rPr>
+              <a:t>WINVAL Impact Rating</a:t>
+            </a:r>
+          </a:p>
+          <a:p>
+            <a:pPr lvl="1">
+              <a:buSzPct val="100000"/>
+            </a:pPr>
+            <a:r>
+              <a:rPr lang="en-US" sz="2000" dirty="0">
+                <a:solidFill>
+                  <a:schemeClr val="bg1"/>
+                </a:solidFill>
+                <a:latin typeface="Selawik Semibold" panose="020B0702040204020203" pitchFamily="34" charset="0"/>
+              </a:rPr>
+              <a:t>Similar to SAGWIN Points From Baseball</a:t>
+            </a:r>
+          </a:p>
+          <a:p>
+            <a:pPr lvl="1">
+              <a:buSzPct val="100000"/>
+            </a:pPr>
+            <a:r>
+              <a:rPr lang="en-US" sz="2000" dirty="0">
+                <a:solidFill>
+                  <a:schemeClr val="bg1"/>
+                </a:solidFill>
+                <a:latin typeface="Selawik Semibold" panose="020B0702040204020203" pitchFamily="34" charset="0"/>
+              </a:rPr>
+              <a:t>Constantly Evaluate the Impact a Player Has on Probability of Win</a:t>
+            </a:r>
+          </a:p>
+          <a:p>
+            <a:pPr lvl="1">
+              <a:buSzPct val="100000"/>
+            </a:pPr>
+            <a:r>
+              <a:rPr lang="en-US" sz="2000" dirty="0">
+                <a:solidFill>
+                  <a:schemeClr val="bg1"/>
+                </a:solidFill>
+                <a:latin typeface="Selawik Semibold" panose="020B0702040204020203" pitchFamily="34" charset="0"/>
+              </a:rPr>
+              <a:t>I Play for 5 Minutes and Score is 14-5 Favoring My Team</a:t>
+            </a:r>
+          </a:p>
+          <a:p>
+            <a:pPr lvl="1">
+              <a:buSzPct val="100000"/>
+            </a:pPr>
+            <a:r>
+              <a:rPr lang="en-US" sz="2000" dirty="0">
+                <a:solidFill>
+                  <a:schemeClr val="bg1"/>
+                </a:solidFill>
+                <a:latin typeface="Selawik Semibold" panose="020B0702040204020203" pitchFamily="34" charset="0"/>
+              </a:rPr>
+              <a:t>For the Raw +/-, I Would Net +9 Points</a:t>
+            </a:r>
+          </a:p>
+          <a:p>
+            <a:pPr lvl="1">
+              <a:buSzPct val="100000"/>
+            </a:pPr>
+            <a:r>
+              <a:rPr lang="en-US" sz="2000" dirty="0">
+                <a:solidFill>
+                  <a:schemeClr val="bg1"/>
+                </a:solidFill>
+                <a:latin typeface="Selawik Semibold" panose="020B0702040204020203" pitchFamily="34" charset="0"/>
+              </a:rPr>
+              <a:t>Alternatively, I Increased My Team’s Chance of Winning from 50% to 72%</a:t>
+            </a:r>
+          </a:p>
+          <a:p>
+            <a:pPr lvl="1">
+              <a:buSzPct val="100000"/>
+            </a:pPr>
+            <a:r>
+              <a:rPr lang="en-US" sz="2000" dirty="0">
+                <a:solidFill>
+                  <a:schemeClr val="bg1"/>
+                </a:solidFill>
+                <a:latin typeface="Selawik Semibold" panose="020B0702040204020203" pitchFamily="34" charset="0"/>
+              </a:rPr>
+              <a:t>For Impact +/-, I Would Net +22 Impact Points</a:t>
+            </a:r>
+          </a:p>
+          <a:p>
+            <a:pPr lvl="1">
+              <a:buSzPct val="100000"/>
+            </a:pPr>
+            <a:r>
+              <a:rPr lang="en-US" sz="2000" dirty="0">
+                <a:solidFill>
+                  <a:schemeClr val="bg1"/>
+                </a:solidFill>
+                <a:latin typeface="Selawik Semibold" panose="020B0702040204020203" pitchFamily="34" charset="0"/>
+              </a:rPr>
+              <a:t>Interpretation: Kevin Garnett (Impact = 42) with 4 Average Dudes Would Beat 5 Average Dudes 50%+42%=92% of the Time</a:t>
+            </a:r>
+          </a:p>
+        </p:txBody>
+      </p:sp>
+      <p:cxnSp>
+        <p:nvCxnSpPr>
+          <p:cNvPr id="33" name="Straight Connector 32">
+            <a:extLst>
+              <a:ext uri="{FF2B5EF4-FFF2-40B4-BE49-F238E27FC236}">
+                <a16:creationId xmlns:a16="http://schemas.microsoft.com/office/drawing/2014/main" id="{1164AB91-DF9B-4348-85B4-B3DBD68D0AB8}"/>
+              </a:ext>
+            </a:extLst>
+          </p:cNvPr>
+          <p:cNvCxnSpPr>
+            <a:cxnSpLocks/>
+          </p:cNvCxnSpPr>
+          <p:nvPr/>
+        </p:nvCxnSpPr>
+        <p:spPr>
+          <a:xfrm flipV="1">
+            <a:off x="1772959" y="1060174"/>
+            <a:ext cx="9513948" cy="40889"/>
+          </a:xfrm>
+          <a:prstGeom prst="line">
+            <a:avLst/>
+          </a:prstGeom>
+          <a:ln w="101600">
+            <a:solidFill>
+              <a:schemeClr val="bg1"/>
+            </a:solidFill>
+          </a:ln>
+        </p:spPr>
+        <p:style>
+          <a:lnRef idx="1">
+            <a:schemeClr val="accent1"/>
+          </a:lnRef>
+          <a:fillRef idx="0">
+            <a:schemeClr val="accent1"/>
+          </a:fillRef>
+          <a:effectRef idx="0">
+            <a:schemeClr val="accent1"/>
+          </a:effectRef>
+          <a:fontRef idx="minor">
+            <a:schemeClr val="tx1"/>
+          </a:fontRef>
+        </p:style>
+      </p:cxnSp>
+      <p:pic>
+        <p:nvPicPr>
+          <p:cNvPr id="35" name="Picture 34" descr="A picture containing clipart&#10;&#10;Description automatically generated">
+            <a:extLst>
+              <a:ext uri="{FF2B5EF4-FFF2-40B4-BE49-F238E27FC236}">
+                <a16:creationId xmlns:a16="http://schemas.microsoft.com/office/drawing/2014/main" id="{36A4252C-FA56-4DE4-B601-DA4D32813E54}"/>
+              </a:ext>
+            </a:extLst>
+          </p:cNvPr>
+          <p:cNvPicPr>
+            <a:picLocks noChangeAspect="1"/>
+          </p:cNvPicPr>
+          <p:nvPr/>
+        </p:nvPicPr>
+        <p:blipFill rotWithShape="1">
+          <a:blip r:embed="rId6">
+            <a:extLst>
+              <a:ext uri="{28A0092B-C50C-407E-A947-70E740481C1C}">
+                <a14:useLocalDpi xmlns:a14="http://schemas.microsoft.com/office/drawing/2010/main" val="0"/>
+              </a:ext>
+            </a:extLst>
+          </a:blip>
+          <a:srcRect l="11332" r="8033" b="-1"/>
+          <a:stretch/>
+        </p:blipFill>
+        <p:spPr>
+          <a:xfrm>
+            <a:off x="450297" y="2817212"/>
+            <a:ext cx="1598904" cy="1115388"/>
+          </a:xfrm>
+          <a:prstGeom prst="rect">
+            <a:avLst/>
+          </a:prstGeom>
+        </p:spPr>
+      </p:pic>
+      <p:cxnSp>
+        <p:nvCxnSpPr>
+          <p:cNvPr id="42" name="Straight Connector 41">
+            <a:extLst>
+              <a:ext uri="{FF2B5EF4-FFF2-40B4-BE49-F238E27FC236}">
+                <a16:creationId xmlns:a16="http://schemas.microsoft.com/office/drawing/2014/main" id="{0AC0AF4A-02B5-401B-9183-DFBDCAC17CB5}"/>
+              </a:ext>
+            </a:extLst>
+          </p:cNvPr>
+          <p:cNvCxnSpPr>
+            <a:cxnSpLocks/>
+          </p:cNvCxnSpPr>
+          <p:nvPr/>
+        </p:nvCxnSpPr>
+        <p:spPr>
+          <a:xfrm flipV="1">
+            <a:off x="1443448" y="1087104"/>
+            <a:ext cx="364940" cy="567192"/>
+          </a:xfrm>
+          <a:prstGeom prst="line">
+            <a:avLst/>
+          </a:prstGeom>
+          <a:ln w="101600">
+            <a:solidFill>
+              <a:schemeClr val="bg1"/>
+            </a:solidFill>
+          </a:ln>
+        </p:spPr>
+        <p:style>
+          <a:lnRef idx="1">
+            <a:schemeClr val="accent1"/>
+          </a:lnRef>
+          <a:fillRef idx="0">
+            <a:schemeClr val="accent1"/>
+          </a:fillRef>
+          <a:effectRef idx="0">
+            <a:schemeClr val="accent1"/>
+          </a:effectRef>
+          <a:fontRef idx="minor">
+            <a:schemeClr val="tx1"/>
+          </a:fontRef>
+        </p:style>
+      </p:cxnSp>
+      <p:cxnSp>
+        <p:nvCxnSpPr>
+          <p:cNvPr id="44" name="Straight Connector 43">
+            <a:extLst>
+              <a:ext uri="{FF2B5EF4-FFF2-40B4-BE49-F238E27FC236}">
+                <a16:creationId xmlns:a16="http://schemas.microsoft.com/office/drawing/2014/main" id="{3C0D842E-CE3C-450F-A5A5-11DDD6118C09}"/>
+              </a:ext>
+            </a:extLst>
+          </p:cNvPr>
+          <p:cNvCxnSpPr>
+            <a:cxnSpLocks/>
+          </p:cNvCxnSpPr>
+          <p:nvPr/>
+        </p:nvCxnSpPr>
+        <p:spPr>
+          <a:xfrm>
+            <a:off x="443317" y="-93164"/>
+            <a:ext cx="1000131" cy="1802428"/>
+          </a:xfrm>
+          <a:prstGeom prst="line">
+            <a:avLst/>
+          </a:prstGeom>
+          <a:ln w="101600">
+            <a:solidFill>
+              <a:schemeClr val="bg1"/>
+            </a:solidFill>
+          </a:ln>
+        </p:spPr>
+        <p:style>
+          <a:lnRef idx="1">
+            <a:schemeClr val="accent1"/>
+          </a:lnRef>
+          <a:fillRef idx="0">
+            <a:schemeClr val="accent1"/>
+          </a:fillRef>
+          <a:effectRef idx="0">
+            <a:schemeClr val="accent1"/>
+          </a:effectRef>
+          <a:fontRef idx="minor">
+            <a:schemeClr val="tx1"/>
+          </a:fontRef>
+        </p:style>
+      </p:cxnSp>
+      <p:cxnSp>
+        <p:nvCxnSpPr>
+          <p:cNvPr id="52" name="Straight Connector 51">
+            <a:extLst>
+              <a:ext uri="{FF2B5EF4-FFF2-40B4-BE49-F238E27FC236}">
+                <a16:creationId xmlns:a16="http://schemas.microsoft.com/office/drawing/2014/main" id="{67D3C56B-D516-4628-8E26-F56918CF8C92}"/>
+              </a:ext>
+            </a:extLst>
+          </p:cNvPr>
+          <p:cNvCxnSpPr>
+            <a:cxnSpLocks/>
+          </p:cNvCxnSpPr>
+          <p:nvPr/>
+        </p:nvCxnSpPr>
+        <p:spPr>
+          <a:xfrm>
+            <a:off x="369948" y="3889614"/>
+            <a:ext cx="1590634" cy="0"/>
+          </a:xfrm>
+          <a:prstGeom prst="line">
+            <a:avLst/>
+          </a:prstGeom>
+          <a:ln w="101600">
+            <a:solidFill>
+              <a:srgbClr val="A6A1A1"/>
+            </a:solidFill>
+          </a:ln>
+        </p:spPr>
+        <p:style>
+          <a:lnRef idx="1">
+            <a:schemeClr val="accent1"/>
+          </a:lnRef>
+          <a:fillRef idx="0">
+            <a:schemeClr val="accent1"/>
+          </a:fillRef>
+          <a:effectRef idx="0">
+            <a:schemeClr val="accent1"/>
+          </a:effectRef>
+          <a:fontRef idx="minor">
+            <a:schemeClr val="tx1"/>
+          </a:fontRef>
+        </p:style>
+      </p:cxnSp>
+      <p:cxnSp>
+        <p:nvCxnSpPr>
+          <p:cNvPr id="57" name="Straight Connector 56">
+            <a:extLst>
+              <a:ext uri="{FF2B5EF4-FFF2-40B4-BE49-F238E27FC236}">
+                <a16:creationId xmlns:a16="http://schemas.microsoft.com/office/drawing/2014/main" id="{B290DB4C-815D-42FC-98C1-898CC129644A}"/>
+              </a:ext>
+            </a:extLst>
+          </p:cNvPr>
+          <p:cNvCxnSpPr>
+            <a:cxnSpLocks/>
+          </p:cNvCxnSpPr>
+          <p:nvPr/>
+        </p:nvCxnSpPr>
+        <p:spPr>
+          <a:xfrm>
+            <a:off x="373606" y="2789797"/>
+            <a:ext cx="1590634" cy="0"/>
+          </a:xfrm>
+          <a:prstGeom prst="line">
+            <a:avLst/>
+          </a:prstGeom>
+          <a:ln w="101600">
+            <a:solidFill>
+              <a:srgbClr val="A6A1A1"/>
+            </a:solidFill>
+          </a:ln>
+        </p:spPr>
+        <p:style>
+          <a:lnRef idx="1">
+            <a:schemeClr val="accent1"/>
+          </a:lnRef>
+          <a:fillRef idx="0">
+            <a:schemeClr val="accent1"/>
+          </a:fillRef>
+          <a:effectRef idx="0">
+            <a:schemeClr val="accent1"/>
+          </a:effectRef>
+          <a:fontRef idx="minor">
+            <a:schemeClr val="tx1"/>
+          </a:fontRef>
+        </p:style>
+      </p:cxnSp>
+      <p:cxnSp>
+        <p:nvCxnSpPr>
+          <p:cNvPr id="58" name="Straight Connector 57">
+            <a:extLst>
+              <a:ext uri="{FF2B5EF4-FFF2-40B4-BE49-F238E27FC236}">
+                <a16:creationId xmlns:a16="http://schemas.microsoft.com/office/drawing/2014/main" id="{B7FDB3DF-10DC-4872-BCF3-6F2CC6DD0F1C}"/>
+              </a:ext>
+            </a:extLst>
+          </p:cNvPr>
+          <p:cNvCxnSpPr>
+            <a:cxnSpLocks/>
+          </p:cNvCxnSpPr>
+          <p:nvPr/>
+        </p:nvCxnSpPr>
+        <p:spPr>
+          <a:xfrm>
+            <a:off x="373606" y="5047988"/>
+            <a:ext cx="1590634" cy="0"/>
+          </a:xfrm>
+          <a:prstGeom prst="line">
+            <a:avLst/>
+          </a:prstGeom>
+          <a:ln w="101600">
+            <a:solidFill>
+              <a:schemeClr val="bg1">
+                <a:lumMod val="65000"/>
+              </a:schemeClr>
+            </a:solidFill>
+          </a:ln>
+        </p:spPr>
+        <p:style>
+          <a:lnRef idx="1">
+            <a:schemeClr val="accent1"/>
+          </a:lnRef>
+          <a:fillRef idx="0">
+            <a:schemeClr val="accent1"/>
+          </a:fillRef>
+          <a:effectRef idx="0">
+            <a:schemeClr val="accent1"/>
+          </a:effectRef>
+          <a:fontRef idx="minor">
+            <a:schemeClr val="tx1"/>
+          </a:fontRef>
+        </p:style>
+      </p:cxnSp>
+      <p:pic>
+        <p:nvPicPr>
+          <p:cNvPr id="61" name="Picture 60" descr="A close up of a toy&#10;&#10;Description automatically generated">
+            <a:extLst>
+              <a:ext uri="{FF2B5EF4-FFF2-40B4-BE49-F238E27FC236}">
+                <a16:creationId xmlns:a16="http://schemas.microsoft.com/office/drawing/2014/main" id="{96AE0023-E4EA-4D16-8B99-96DA8E83150F}"/>
+              </a:ext>
+            </a:extLst>
+          </p:cNvPr>
+          <p:cNvPicPr>
+            <a:picLocks noChangeAspect="1"/>
+          </p:cNvPicPr>
+          <p:nvPr/>
+        </p:nvPicPr>
+        <p:blipFill rotWithShape="1">
+          <a:blip r:embed="rId5">
+            <a:extLst>
+              <a:ext uri="{28A0092B-C50C-407E-A947-70E740481C1C}">
+                <a14:useLocalDpi xmlns:a14="http://schemas.microsoft.com/office/drawing/2010/main" val="0"/>
+              </a:ext>
+            </a:extLst>
+          </a:blip>
+          <a:srcRect t="11405" r="-2" b="25800"/>
+          <a:stretch/>
+        </p:blipFill>
+        <p:spPr>
+          <a:xfrm>
+            <a:off x="455571" y="6190676"/>
+            <a:ext cx="1598646" cy="1115388"/>
+          </a:xfrm>
+          <a:prstGeom prst="rect">
+            <a:avLst/>
+          </a:prstGeom>
+        </p:spPr>
+      </p:pic>
+      <p:pic>
+        <p:nvPicPr>
+          <p:cNvPr id="62" name="Picture 61" descr="A picture containing clipart&#10;&#10;Description automatically generated">
+            <a:extLst>
+              <a:ext uri="{FF2B5EF4-FFF2-40B4-BE49-F238E27FC236}">
+                <a16:creationId xmlns:a16="http://schemas.microsoft.com/office/drawing/2014/main" id="{569B3D08-70E8-4C8B-A239-7C18FB492C6D}"/>
+              </a:ext>
+            </a:extLst>
+          </p:cNvPr>
+          <p:cNvPicPr>
+            <a:picLocks noChangeAspect="1"/>
+          </p:cNvPicPr>
+          <p:nvPr/>
+        </p:nvPicPr>
+        <p:blipFill rotWithShape="1">
+          <a:blip r:embed="rId6">
+            <a:extLst>
+              <a:ext uri="{28A0092B-C50C-407E-A947-70E740481C1C}">
+                <a14:useLocalDpi xmlns:a14="http://schemas.microsoft.com/office/drawing/2010/main" val="0"/>
+              </a:ext>
+            </a:extLst>
+          </a:blip>
+          <a:srcRect l="11332" r="8033" b="-1"/>
+          <a:stretch/>
+        </p:blipFill>
+        <p:spPr>
+          <a:xfrm>
+            <a:off x="450297" y="5075288"/>
+            <a:ext cx="1598904" cy="1115388"/>
+          </a:xfrm>
+          <a:prstGeom prst="rect">
+            <a:avLst/>
+          </a:prstGeom>
+        </p:spPr>
+      </p:pic>
+      <p:cxnSp>
+        <p:nvCxnSpPr>
+          <p:cNvPr id="63" name="Straight Connector 62">
+            <a:extLst>
+              <a:ext uri="{FF2B5EF4-FFF2-40B4-BE49-F238E27FC236}">
+                <a16:creationId xmlns:a16="http://schemas.microsoft.com/office/drawing/2014/main" id="{20DB3758-374A-4C64-B771-E4915100FBBC}"/>
+              </a:ext>
+            </a:extLst>
+          </p:cNvPr>
+          <p:cNvCxnSpPr>
+            <a:cxnSpLocks/>
+          </p:cNvCxnSpPr>
+          <p:nvPr/>
+        </p:nvCxnSpPr>
+        <p:spPr>
+          <a:xfrm>
+            <a:off x="369948" y="6147690"/>
+            <a:ext cx="1590634" cy="0"/>
+          </a:xfrm>
+          <a:prstGeom prst="line">
+            <a:avLst/>
+          </a:prstGeom>
+          <a:ln w="101600">
+            <a:solidFill>
+              <a:srgbClr val="A6A1A1"/>
+            </a:solidFill>
+          </a:ln>
+        </p:spPr>
+        <p:style>
+          <a:lnRef idx="1">
+            <a:schemeClr val="accent1"/>
+          </a:lnRef>
+          <a:fillRef idx="0">
+            <a:schemeClr val="accent1"/>
+          </a:fillRef>
+          <a:effectRef idx="0">
+            <a:schemeClr val="accent1"/>
+          </a:effectRef>
+          <a:fontRef idx="minor">
+            <a:schemeClr val="tx1"/>
+          </a:fontRef>
+        </p:style>
+      </p:cxnSp>
+      <p:cxnSp>
+        <p:nvCxnSpPr>
+          <p:cNvPr id="64" name="Straight Connector 63">
+            <a:extLst>
+              <a:ext uri="{FF2B5EF4-FFF2-40B4-BE49-F238E27FC236}">
+                <a16:creationId xmlns:a16="http://schemas.microsoft.com/office/drawing/2014/main" id="{3BDADCEE-4407-4364-B613-6D0D45453CB7}"/>
+              </a:ext>
+            </a:extLst>
+          </p:cNvPr>
+          <p:cNvCxnSpPr>
+            <a:cxnSpLocks/>
+          </p:cNvCxnSpPr>
+          <p:nvPr/>
+        </p:nvCxnSpPr>
+        <p:spPr>
+          <a:xfrm>
+            <a:off x="373606" y="5047873"/>
+            <a:ext cx="1590634" cy="0"/>
+          </a:xfrm>
+          <a:prstGeom prst="line">
+            <a:avLst/>
+          </a:prstGeom>
+          <a:ln w="101600">
+            <a:solidFill>
+              <a:srgbClr val="A6A1A1"/>
+            </a:solidFill>
+          </a:ln>
+        </p:spPr>
+        <p:style>
+          <a:lnRef idx="1">
+            <a:schemeClr val="accent1"/>
+          </a:lnRef>
+          <a:fillRef idx="0">
+            <a:schemeClr val="accent1"/>
+          </a:fillRef>
+          <a:effectRef idx="0">
+            <a:schemeClr val="accent1"/>
+          </a:effectRef>
+          <a:fontRef idx="minor">
+            <a:schemeClr val="tx1"/>
+          </a:fontRef>
+        </p:style>
+      </p:cxnSp>
+      <p:cxnSp>
+        <p:nvCxnSpPr>
+          <p:cNvPr id="65" name="Straight Connector 64">
+            <a:extLst>
+              <a:ext uri="{FF2B5EF4-FFF2-40B4-BE49-F238E27FC236}">
+                <a16:creationId xmlns:a16="http://schemas.microsoft.com/office/drawing/2014/main" id="{DFF830B1-81C0-4325-8FC2-FD52D52FBC55}"/>
+              </a:ext>
+            </a:extLst>
+          </p:cNvPr>
+          <p:cNvCxnSpPr>
+            <a:cxnSpLocks/>
+          </p:cNvCxnSpPr>
+          <p:nvPr/>
+        </p:nvCxnSpPr>
+        <p:spPr>
+          <a:xfrm>
+            <a:off x="373606" y="7306064"/>
+            <a:ext cx="1590634" cy="0"/>
+          </a:xfrm>
+          <a:prstGeom prst="line">
+            <a:avLst/>
+          </a:prstGeom>
+          <a:ln w="101600">
+            <a:solidFill>
+              <a:schemeClr val="bg1">
+                <a:lumMod val="65000"/>
+              </a:schemeClr>
+            </a:solidFill>
+          </a:ln>
+        </p:spPr>
+        <p:style>
+          <a:lnRef idx="1">
+            <a:schemeClr val="accent1"/>
+          </a:lnRef>
+          <a:fillRef idx="0">
+            <a:schemeClr val="accent1"/>
+          </a:fillRef>
+          <a:effectRef idx="0">
+            <a:schemeClr val="accent1"/>
+          </a:effectRef>
+          <a:fontRef idx="minor">
+            <a:schemeClr val="tx1"/>
+          </a:fontRef>
+        </p:style>
+      </p:cxnSp>
+      <p:cxnSp>
+        <p:nvCxnSpPr>
+          <p:cNvPr id="37" name="Straight Connector 36">
+            <a:extLst>
+              <a:ext uri="{FF2B5EF4-FFF2-40B4-BE49-F238E27FC236}">
+                <a16:creationId xmlns:a16="http://schemas.microsoft.com/office/drawing/2014/main" id="{AD695731-30B6-474A-893D-D960E2F39AF9}"/>
+              </a:ext>
+            </a:extLst>
+          </p:cNvPr>
+          <p:cNvCxnSpPr>
+            <a:cxnSpLocks/>
+          </p:cNvCxnSpPr>
+          <p:nvPr/>
+        </p:nvCxnSpPr>
+        <p:spPr>
+          <a:xfrm flipV="1">
+            <a:off x="2010803" y="1087104"/>
+            <a:ext cx="0" cy="5770896"/>
+          </a:xfrm>
+          <a:prstGeom prst="line">
+            <a:avLst/>
+          </a:prstGeom>
+          <a:ln w="101600">
+            <a:solidFill>
+              <a:schemeClr val="bg1"/>
+            </a:solidFill>
+          </a:ln>
+        </p:spPr>
+        <p:style>
+          <a:lnRef idx="1">
+            <a:schemeClr val="accent1"/>
+          </a:lnRef>
+          <a:fillRef idx="0">
+            <a:schemeClr val="accent1"/>
+          </a:fillRef>
+          <a:effectRef idx="0">
+            <a:schemeClr val="accent1"/>
+          </a:effectRef>
+          <a:fontRef idx="minor">
+            <a:schemeClr val="tx1"/>
+          </a:fontRef>
+        </p:style>
+      </p:cxnSp>
+    </p:spTree>
+    <p:extLst>
+      <p:ext uri="{BB962C8B-B14F-4D97-AF65-F5344CB8AC3E}">
+        <p14:creationId xmlns:p14="http://schemas.microsoft.com/office/powerpoint/2010/main" val="3964944005"/>
+      </p:ext>
+    </p:extLst>
+  </p:cSld>
+  <p:clrMapOvr>
+    <a:masterClrMapping/>
+  </p:clrMapOvr>
+</p:sld>
+</file>
+
+<file path=ppt/slides/slide16.xml><?xml version="1.0" encoding="utf-8"?>
+<p:sld xmlns:a="http://schemas.openxmlformats.org/drawingml/2006/main" xmlns:r="http://schemas.openxmlformats.org/officeDocument/2006/relationships" xmlns:p="http://schemas.openxmlformats.org/presentationml/2006/main">
+  <p:cSld>
+    <p:bg>
+      <p:bgPr>
+        <a:solidFill>
+          <a:srgbClr val="395583"/>
+        </a:solidFill>
+        <a:effectLst/>
+      </p:bgPr>
+    </p:bg>
+    <p:spTree>
+      <p:nvGrpSpPr>
+        <p:cNvPr id="1" name=""/>
+        <p:cNvGrpSpPr/>
+        <p:nvPr/>
+      </p:nvGrpSpPr>
+      <p:grpSpPr>
+        <a:xfrm>
+          <a:off x="0" y="0"/>
+          <a:ext cx="0" cy="0"/>
+          <a:chOff x="0" y="0"/>
+          <a:chExt cx="0" cy="0"/>
+        </a:xfrm>
+      </p:grpSpPr>
+      <p:pic>
+        <p:nvPicPr>
+          <p:cNvPr id="23" name="Graphic 22" descr="Basketball">
+            <a:extLst>
+              <a:ext uri="{FF2B5EF4-FFF2-40B4-BE49-F238E27FC236}">
+                <a16:creationId xmlns:a16="http://schemas.microsoft.com/office/drawing/2014/main" id="{E9648A1B-FAF4-4D5E-A5FA-056876B6D1ED}"/>
+              </a:ext>
+            </a:extLst>
+          </p:cNvPr>
+          <p:cNvPicPr>
+            <a:picLocks noChangeAspect="1"/>
+          </p:cNvPicPr>
+          <p:nvPr/>
+        </p:nvPicPr>
+        <p:blipFill>
+          <a:blip r:embed="rId3">
+            <a:extLst>
+              <a:ext uri="{28A0092B-C50C-407E-A947-70E740481C1C}">
+                <a14:useLocalDpi xmlns:a14="http://schemas.microsoft.com/office/drawing/2010/main" val="0"/>
+              </a:ext>
+              <a:ext uri="{96DAC541-7B7A-43D3-8B79-37D633B846F1}">
+                <asvg:svgBlip xmlns:asvg="http://schemas.microsoft.com/office/drawing/2016/SVG/main" r:embed="rId4"/>
+              </a:ext>
+            </a:extLst>
+          </a:blip>
+          <a:stretch>
+            <a:fillRect/>
+          </a:stretch>
+        </p:blipFill>
+        <p:spPr>
+          <a:xfrm>
+            <a:off x="744683" y="-47773"/>
+            <a:ext cx="1236707" cy="1236707"/>
+          </a:xfrm>
+          <a:prstGeom prst="rect">
+            <a:avLst/>
+          </a:prstGeom>
+        </p:spPr>
+      </p:pic>
+      <p:sp>
+        <p:nvSpPr>
+          <p:cNvPr id="2" name="Title 1">
+            <a:extLst>
+              <a:ext uri="{FF2B5EF4-FFF2-40B4-BE49-F238E27FC236}">
+                <a16:creationId xmlns:a16="http://schemas.microsoft.com/office/drawing/2014/main" id="{9DA33D13-A6DD-4F70-90E0-B2FBF766CA6D}"/>
+              </a:ext>
+            </a:extLst>
+          </p:cNvPr>
+          <p:cNvSpPr>
+            <a:spLocks noGrp="1"/>
+          </p:cNvSpPr>
+          <p:nvPr>
+            <p:ph type="title"/>
+          </p:nvPr>
+        </p:nvSpPr>
+        <p:spPr>
+          <a:xfrm>
+            <a:off x="2146146" y="288168"/>
+            <a:ext cx="9746927" cy="772006"/>
+          </a:xfrm>
+        </p:spPr>
+        <p:txBody>
+          <a:bodyPr>
+            <a:normAutofit/>
+          </a:bodyPr>
+          <a:lstStyle/>
+          <a:p>
+            <a:r>
+              <a:rPr lang="en-US" dirty="0">
+                <a:solidFill>
+                  <a:schemeClr val="bg1"/>
+                </a:solidFill>
+                <a:latin typeface="Selawik Semibold" panose="020B0702040204020203" pitchFamily="34" charset="0"/>
+              </a:rPr>
+              <a:t>+/- Player Ratings</a:t>
+            </a:r>
+          </a:p>
+        </p:txBody>
+      </p:sp>
+      <p:pic>
+        <p:nvPicPr>
+          <p:cNvPr id="27" name="Picture 26" descr="A close up of a toy&#10;&#10;Description automatically generated">
+            <a:extLst>
+              <a:ext uri="{FF2B5EF4-FFF2-40B4-BE49-F238E27FC236}">
+                <a16:creationId xmlns:a16="http://schemas.microsoft.com/office/drawing/2014/main" id="{F3F65D40-5045-4F6A-881C-5E044D5BEB71}"/>
+              </a:ext>
+            </a:extLst>
+          </p:cNvPr>
+          <p:cNvPicPr>
+            <a:picLocks noChangeAspect="1"/>
+          </p:cNvPicPr>
+          <p:nvPr/>
+        </p:nvPicPr>
+        <p:blipFill rotWithShape="1">
+          <a:blip r:embed="rId5">
+            <a:extLst>
+              <a:ext uri="{28A0092B-C50C-407E-A947-70E740481C1C}">
+                <a14:useLocalDpi xmlns:a14="http://schemas.microsoft.com/office/drawing/2010/main" val="0"/>
+              </a:ext>
+            </a:extLst>
+          </a:blip>
+          <a:srcRect t="11405" r="-2" b="25800"/>
+          <a:stretch/>
+        </p:blipFill>
+        <p:spPr>
+          <a:xfrm>
+            <a:off x="455571" y="3932600"/>
+            <a:ext cx="1598646" cy="1115388"/>
+          </a:xfrm>
+          <a:prstGeom prst="rect">
+            <a:avLst/>
+          </a:prstGeom>
+        </p:spPr>
+      </p:pic>
+      <p:sp>
+        <p:nvSpPr>
+          <p:cNvPr id="24" name="Content Placeholder 2">
+            <a:extLst>
+              <a:ext uri="{FF2B5EF4-FFF2-40B4-BE49-F238E27FC236}">
+                <a16:creationId xmlns:a16="http://schemas.microsoft.com/office/drawing/2014/main" id="{52313B83-B214-43D7-AC39-182CE4FA3E53}"/>
+              </a:ext>
+            </a:extLst>
+          </p:cNvPr>
+          <p:cNvSpPr>
+            <a:spLocks noGrp="1"/>
+          </p:cNvSpPr>
+          <p:nvPr>
+            <p:ph idx="1"/>
+          </p:nvPr>
+        </p:nvSpPr>
+        <p:spPr>
+          <a:xfrm>
+            <a:off x="2071468" y="1275565"/>
+            <a:ext cx="9305094" cy="5541546"/>
+          </a:xfrm>
+        </p:spPr>
+        <p:txBody>
+          <a:bodyPr>
+            <a:normAutofit/>
+          </a:bodyPr>
+          <a:lstStyle/>
+          <a:p>
+            <a:pPr>
+              <a:buSzPct val="100000"/>
+            </a:pPr>
+            <a:r>
+              <a:rPr lang="en-US" sz="2400" dirty="0">
+                <a:solidFill>
+                  <a:schemeClr val="bg1"/>
+                </a:solidFill>
+                <a:latin typeface="Selawik Semibold" panose="020B0702040204020203" pitchFamily="34" charset="0"/>
+              </a:rPr>
+              <a:t>Improvements to Adjusted +/- </a:t>
+            </a:r>
+          </a:p>
+          <a:p>
+            <a:pPr lvl="1">
+              <a:buSzPct val="100000"/>
+            </a:pPr>
+            <a:r>
+              <a:rPr lang="en-US" sz="2000" dirty="0">
+                <a:solidFill>
+                  <a:schemeClr val="bg1"/>
+                </a:solidFill>
+                <a:latin typeface="Selawik Semibold" panose="020B0702040204020203" pitchFamily="34" charset="0"/>
+              </a:rPr>
+              <a:t>Research by Joseph Hill (2010 Winner of Sloan Paper Competition)</a:t>
+            </a:r>
+          </a:p>
+          <a:p>
+            <a:pPr lvl="1">
+              <a:buSzPct val="100000"/>
+            </a:pPr>
+            <a:r>
+              <a:rPr lang="en-US" sz="2000" dirty="0">
+                <a:solidFill>
+                  <a:schemeClr val="bg1"/>
+                </a:solidFill>
+                <a:latin typeface="Selawik Semibold" panose="020B0702040204020203" pitchFamily="34" charset="0"/>
+              </a:rPr>
+              <a:t>Applies Cross-Validation = Intentionally Splitting Up Data to Use Portions As Training and Test Sets and Then Averaging Over Splits</a:t>
+            </a:r>
+          </a:p>
+          <a:p>
+            <a:pPr lvl="1">
+              <a:buSzPct val="100000"/>
+            </a:pPr>
+            <a:r>
+              <a:rPr lang="en-US" sz="2000" dirty="0">
+                <a:solidFill>
+                  <a:schemeClr val="bg1"/>
+                </a:solidFill>
+                <a:latin typeface="Selawik Semibold" panose="020B0702040204020203" pitchFamily="34" charset="0"/>
+              </a:rPr>
+              <a:t>Applies Ridge Regression = Combat Overfitting and Shrinks Player’s Adjusted +/- Toward 0</a:t>
+            </a:r>
+          </a:p>
+          <a:p>
+            <a:pPr lvl="1">
+              <a:buSzPct val="100000"/>
+            </a:pPr>
+            <a:r>
+              <a:rPr lang="en-US" sz="2000" dirty="0">
+                <a:solidFill>
+                  <a:schemeClr val="bg1"/>
+                </a:solidFill>
+                <a:latin typeface="Selawik Semibold" panose="020B0702040204020203" pitchFamily="34" charset="0"/>
+              </a:rPr>
+              <a:t>Cross-Validation Necessary for Selection of Tuning Parameter in Ridge</a:t>
+            </a:r>
+          </a:p>
+          <a:p>
+            <a:pPr lvl="1">
+              <a:buSzPct val="100000"/>
+            </a:pPr>
+            <a:r>
+              <a:rPr lang="en-US" sz="2000" dirty="0">
+                <a:solidFill>
+                  <a:schemeClr val="bg1"/>
+                </a:solidFill>
+                <a:latin typeface="Selawik Semibold" panose="020B0702040204020203" pitchFamily="34" charset="0"/>
+              </a:rPr>
+              <a:t>Applies Weights to Loss Function Based on Number of Possessions</a:t>
+            </a:r>
+          </a:p>
+        </p:txBody>
+      </p:sp>
+      <p:cxnSp>
+        <p:nvCxnSpPr>
+          <p:cNvPr id="33" name="Straight Connector 32">
+            <a:extLst>
+              <a:ext uri="{FF2B5EF4-FFF2-40B4-BE49-F238E27FC236}">
+                <a16:creationId xmlns:a16="http://schemas.microsoft.com/office/drawing/2014/main" id="{1164AB91-DF9B-4348-85B4-B3DBD68D0AB8}"/>
+              </a:ext>
+            </a:extLst>
+          </p:cNvPr>
+          <p:cNvCxnSpPr>
+            <a:cxnSpLocks/>
+          </p:cNvCxnSpPr>
+          <p:nvPr/>
+        </p:nvCxnSpPr>
+        <p:spPr>
+          <a:xfrm flipV="1">
+            <a:off x="1772959" y="1060174"/>
+            <a:ext cx="9513948" cy="40889"/>
+          </a:xfrm>
+          <a:prstGeom prst="line">
+            <a:avLst/>
+          </a:prstGeom>
+          <a:ln w="101600">
+            <a:solidFill>
+              <a:schemeClr val="bg1"/>
+            </a:solidFill>
+          </a:ln>
+        </p:spPr>
+        <p:style>
+          <a:lnRef idx="1">
+            <a:schemeClr val="accent1"/>
+          </a:lnRef>
+          <a:fillRef idx="0">
+            <a:schemeClr val="accent1"/>
+          </a:fillRef>
+          <a:effectRef idx="0">
+            <a:schemeClr val="accent1"/>
+          </a:effectRef>
+          <a:fontRef idx="minor">
+            <a:schemeClr val="tx1"/>
+          </a:fontRef>
+        </p:style>
+      </p:cxnSp>
+      <p:pic>
+        <p:nvPicPr>
+          <p:cNvPr id="35" name="Picture 34" descr="A picture containing clipart&#10;&#10;Description automatically generated">
+            <a:extLst>
+              <a:ext uri="{FF2B5EF4-FFF2-40B4-BE49-F238E27FC236}">
+                <a16:creationId xmlns:a16="http://schemas.microsoft.com/office/drawing/2014/main" id="{36A4252C-FA56-4DE4-B601-DA4D32813E54}"/>
+              </a:ext>
+            </a:extLst>
+          </p:cNvPr>
+          <p:cNvPicPr>
+            <a:picLocks noChangeAspect="1"/>
+          </p:cNvPicPr>
+          <p:nvPr/>
+        </p:nvPicPr>
+        <p:blipFill rotWithShape="1">
+          <a:blip r:embed="rId6">
+            <a:extLst>
+              <a:ext uri="{28A0092B-C50C-407E-A947-70E740481C1C}">
+                <a14:useLocalDpi xmlns:a14="http://schemas.microsoft.com/office/drawing/2010/main" val="0"/>
+              </a:ext>
+            </a:extLst>
+          </a:blip>
+          <a:srcRect l="11332" r="8033" b="-1"/>
+          <a:stretch/>
+        </p:blipFill>
+        <p:spPr>
+          <a:xfrm>
+            <a:off x="450297" y="2817212"/>
+            <a:ext cx="1598904" cy="1115388"/>
+          </a:xfrm>
+          <a:prstGeom prst="rect">
+            <a:avLst/>
+          </a:prstGeom>
+        </p:spPr>
+      </p:pic>
+      <p:cxnSp>
+        <p:nvCxnSpPr>
+          <p:cNvPr id="42" name="Straight Connector 41">
+            <a:extLst>
+              <a:ext uri="{FF2B5EF4-FFF2-40B4-BE49-F238E27FC236}">
+                <a16:creationId xmlns:a16="http://schemas.microsoft.com/office/drawing/2014/main" id="{0AC0AF4A-02B5-401B-9183-DFBDCAC17CB5}"/>
+              </a:ext>
+            </a:extLst>
+          </p:cNvPr>
+          <p:cNvCxnSpPr>
+            <a:cxnSpLocks/>
+          </p:cNvCxnSpPr>
+          <p:nvPr/>
+        </p:nvCxnSpPr>
+        <p:spPr>
+          <a:xfrm flipV="1">
+            <a:off x="1443448" y="1087104"/>
+            <a:ext cx="364940" cy="567192"/>
+          </a:xfrm>
+          <a:prstGeom prst="line">
+            <a:avLst/>
+          </a:prstGeom>
+          <a:ln w="101600">
+            <a:solidFill>
+              <a:schemeClr val="bg1"/>
+            </a:solidFill>
+          </a:ln>
+        </p:spPr>
+        <p:style>
+          <a:lnRef idx="1">
+            <a:schemeClr val="accent1"/>
+          </a:lnRef>
+          <a:fillRef idx="0">
+            <a:schemeClr val="accent1"/>
+          </a:fillRef>
+          <a:effectRef idx="0">
+            <a:schemeClr val="accent1"/>
+          </a:effectRef>
+          <a:fontRef idx="minor">
+            <a:schemeClr val="tx1"/>
+          </a:fontRef>
+        </p:style>
+      </p:cxnSp>
+      <p:cxnSp>
+        <p:nvCxnSpPr>
+          <p:cNvPr id="44" name="Straight Connector 43">
+            <a:extLst>
+              <a:ext uri="{FF2B5EF4-FFF2-40B4-BE49-F238E27FC236}">
+                <a16:creationId xmlns:a16="http://schemas.microsoft.com/office/drawing/2014/main" id="{3C0D842E-CE3C-450F-A5A5-11DDD6118C09}"/>
+              </a:ext>
+            </a:extLst>
+          </p:cNvPr>
+          <p:cNvCxnSpPr>
+            <a:cxnSpLocks/>
+          </p:cNvCxnSpPr>
+          <p:nvPr/>
+        </p:nvCxnSpPr>
+        <p:spPr>
+          <a:xfrm>
+            <a:off x="443317" y="-93164"/>
+            <a:ext cx="1000131" cy="1802428"/>
+          </a:xfrm>
+          <a:prstGeom prst="line">
+            <a:avLst/>
+          </a:prstGeom>
+          <a:ln w="101600">
+            <a:solidFill>
+              <a:schemeClr val="bg1"/>
+            </a:solidFill>
+          </a:ln>
+        </p:spPr>
+        <p:style>
+          <a:lnRef idx="1">
+            <a:schemeClr val="accent1"/>
+          </a:lnRef>
+          <a:fillRef idx="0">
+            <a:schemeClr val="accent1"/>
+          </a:fillRef>
+          <a:effectRef idx="0">
+            <a:schemeClr val="accent1"/>
+          </a:effectRef>
+          <a:fontRef idx="minor">
+            <a:schemeClr val="tx1"/>
+          </a:fontRef>
+        </p:style>
+      </p:cxnSp>
+      <p:cxnSp>
+        <p:nvCxnSpPr>
+          <p:cNvPr id="52" name="Straight Connector 51">
+            <a:extLst>
+              <a:ext uri="{FF2B5EF4-FFF2-40B4-BE49-F238E27FC236}">
+                <a16:creationId xmlns:a16="http://schemas.microsoft.com/office/drawing/2014/main" id="{67D3C56B-D516-4628-8E26-F56918CF8C92}"/>
+              </a:ext>
+            </a:extLst>
+          </p:cNvPr>
+          <p:cNvCxnSpPr>
+            <a:cxnSpLocks/>
+          </p:cNvCxnSpPr>
+          <p:nvPr/>
+        </p:nvCxnSpPr>
+        <p:spPr>
+          <a:xfrm>
+            <a:off x="369948" y="3889614"/>
+            <a:ext cx="1590634" cy="0"/>
+          </a:xfrm>
+          <a:prstGeom prst="line">
+            <a:avLst/>
+          </a:prstGeom>
+          <a:ln w="101600">
+            <a:solidFill>
+              <a:srgbClr val="A6A1A1"/>
+            </a:solidFill>
+          </a:ln>
+        </p:spPr>
+        <p:style>
+          <a:lnRef idx="1">
+            <a:schemeClr val="accent1"/>
+          </a:lnRef>
+          <a:fillRef idx="0">
+            <a:schemeClr val="accent1"/>
+          </a:fillRef>
+          <a:effectRef idx="0">
+            <a:schemeClr val="accent1"/>
+          </a:effectRef>
+          <a:fontRef idx="minor">
+            <a:schemeClr val="tx1"/>
+          </a:fontRef>
+        </p:style>
+      </p:cxnSp>
+      <p:cxnSp>
+        <p:nvCxnSpPr>
+          <p:cNvPr id="57" name="Straight Connector 56">
+            <a:extLst>
+              <a:ext uri="{FF2B5EF4-FFF2-40B4-BE49-F238E27FC236}">
+                <a16:creationId xmlns:a16="http://schemas.microsoft.com/office/drawing/2014/main" id="{B290DB4C-815D-42FC-98C1-898CC129644A}"/>
+              </a:ext>
+            </a:extLst>
+          </p:cNvPr>
+          <p:cNvCxnSpPr>
+            <a:cxnSpLocks/>
+          </p:cNvCxnSpPr>
+          <p:nvPr/>
+        </p:nvCxnSpPr>
+        <p:spPr>
+          <a:xfrm>
+            <a:off x="373606" y="2789797"/>
+            <a:ext cx="1590634" cy="0"/>
+          </a:xfrm>
+          <a:prstGeom prst="line">
+            <a:avLst/>
+          </a:prstGeom>
+          <a:ln w="101600">
+            <a:solidFill>
+              <a:srgbClr val="A6A1A1"/>
+            </a:solidFill>
+          </a:ln>
+        </p:spPr>
+        <p:style>
+          <a:lnRef idx="1">
+            <a:schemeClr val="accent1"/>
+          </a:lnRef>
+          <a:fillRef idx="0">
+            <a:schemeClr val="accent1"/>
+          </a:fillRef>
+          <a:effectRef idx="0">
+            <a:schemeClr val="accent1"/>
+          </a:effectRef>
+          <a:fontRef idx="minor">
+            <a:schemeClr val="tx1"/>
+          </a:fontRef>
+        </p:style>
+      </p:cxnSp>
+      <p:cxnSp>
+        <p:nvCxnSpPr>
+          <p:cNvPr id="58" name="Straight Connector 57">
+            <a:extLst>
+              <a:ext uri="{FF2B5EF4-FFF2-40B4-BE49-F238E27FC236}">
+                <a16:creationId xmlns:a16="http://schemas.microsoft.com/office/drawing/2014/main" id="{B7FDB3DF-10DC-4872-BCF3-6F2CC6DD0F1C}"/>
+              </a:ext>
+            </a:extLst>
+          </p:cNvPr>
+          <p:cNvCxnSpPr>
+            <a:cxnSpLocks/>
+          </p:cNvCxnSpPr>
+          <p:nvPr/>
+        </p:nvCxnSpPr>
+        <p:spPr>
+          <a:xfrm>
+            <a:off x="373606" y="5047988"/>
+            <a:ext cx="1590634" cy="0"/>
+          </a:xfrm>
+          <a:prstGeom prst="line">
+            <a:avLst/>
+          </a:prstGeom>
+          <a:ln w="101600">
+            <a:solidFill>
+              <a:schemeClr val="bg1">
+                <a:lumMod val="65000"/>
+              </a:schemeClr>
+            </a:solidFill>
+          </a:ln>
+        </p:spPr>
+        <p:style>
+          <a:lnRef idx="1">
+            <a:schemeClr val="accent1"/>
+          </a:lnRef>
+          <a:fillRef idx="0">
+            <a:schemeClr val="accent1"/>
+          </a:fillRef>
+          <a:effectRef idx="0">
+            <a:schemeClr val="accent1"/>
+          </a:effectRef>
+          <a:fontRef idx="minor">
+            <a:schemeClr val="tx1"/>
+          </a:fontRef>
+        </p:style>
+      </p:cxnSp>
+      <p:pic>
+        <p:nvPicPr>
+          <p:cNvPr id="61" name="Picture 60" descr="A close up of a toy&#10;&#10;Description automatically generated">
+            <a:extLst>
+              <a:ext uri="{FF2B5EF4-FFF2-40B4-BE49-F238E27FC236}">
+                <a16:creationId xmlns:a16="http://schemas.microsoft.com/office/drawing/2014/main" id="{96AE0023-E4EA-4D16-8B99-96DA8E83150F}"/>
+              </a:ext>
+            </a:extLst>
+          </p:cNvPr>
+          <p:cNvPicPr>
+            <a:picLocks noChangeAspect="1"/>
+          </p:cNvPicPr>
+          <p:nvPr/>
+        </p:nvPicPr>
+        <p:blipFill rotWithShape="1">
+          <a:blip r:embed="rId5">
+            <a:extLst>
+              <a:ext uri="{28A0092B-C50C-407E-A947-70E740481C1C}">
+                <a14:useLocalDpi xmlns:a14="http://schemas.microsoft.com/office/drawing/2010/main" val="0"/>
+              </a:ext>
+            </a:extLst>
+          </a:blip>
+          <a:srcRect t="11405" r="-2" b="25800"/>
+          <a:stretch/>
+        </p:blipFill>
+        <p:spPr>
+          <a:xfrm>
+            <a:off x="455571" y="6190676"/>
+            <a:ext cx="1598646" cy="1115388"/>
+          </a:xfrm>
+          <a:prstGeom prst="rect">
+            <a:avLst/>
+          </a:prstGeom>
+        </p:spPr>
+      </p:pic>
+      <p:pic>
+        <p:nvPicPr>
+          <p:cNvPr id="62" name="Picture 61" descr="A picture containing clipart&#10;&#10;Description automatically generated">
+            <a:extLst>
+              <a:ext uri="{FF2B5EF4-FFF2-40B4-BE49-F238E27FC236}">
+                <a16:creationId xmlns:a16="http://schemas.microsoft.com/office/drawing/2014/main" id="{569B3D08-70E8-4C8B-A239-7C18FB492C6D}"/>
+              </a:ext>
+            </a:extLst>
+          </p:cNvPr>
+          <p:cNvPicPr>
+            <a:picLocks noChangeAspect="1"/>
+          </p:cNvPicPr>
+          <p:nvPr/>
+        </p:nvPicPr>
+        <p:blipFill rotWithShape="1">
+          <a:blip r:embed="rId6">
+            <a:extLst>
+              <a:ext uri="{28A0092B-C50C-407E-A947-70E740481C1C}">
+                <a14:useLocalDpi xmlns:a14="http://schemas.microsoft.com/office/drawing/2010/main" val="0"/>
+              </a:ext>
+            </a:extLst>
+          </a:blip>
+          <a:srcRect l="11332" r="8033" b="-1"/>
+          <a:stretch/>
+        </p:blipFill>
+        <p:spPr>
+          <a:xfrm>
+            <a:off x="450297" y="5075288"/>
+            <a:ext cx="1598904" cy="1115388"/>
+          </a:xfrm>
+          <a:prstGeom prst="rect">
+            <a:avLst/>
+          </a:prstGeom>
+        </p:spPr>
+      </p:pic>
+      <p:cxnSp>
+        <p:nvCxnSpPr>
+          <p:cNvPr id="63" name="Straight Connector 62">
+            <a:extLst>
+              <a:ext uri="{FF2B5EF4-FFF2-40B4-BE49-F238E27FC236}">
+                <a16:creationId xmlns:a16="http://schemas.microsoft.com/office/drawing/2014/main" id="{20DB3758-374A-4C64-B771-E4915100FBBC}"/>
+              </a:ext>
+            </a:extLst>
+          </p:cNvPr>
+          <p:cNvCxnSpPr>
+            <a:cxnSpLocks/>
+          </p:cNvCxnSpPr>
+          <p:nvPr/>
+        </p:nvCxnSpPr>
+        <p:spPr>
+          <a:xfrm>
+            <a:off x="369948" y="6147690"/>
+            <a:ext cx="1590634" cy="0"/>
+          </a:xfrm>
+          <a:prstGeom prst="line">
+            <a:avLst/>
+          </a:prstGeom>
+          <a:ln w="101600">
+            <a:solidFill>
+              <a:srgbClr val="A6A1A1"/>
+            </a:solidFill>
+          </a:ln>
+        </p:spPr>
+        <p:style>
+          <a:lnRef idx="1">
+            <a:schemeClr val="accent1"/>
+          </a:lnRef>
+          <a:fillRef idx="0">
+            <a:schemeClr val="accent1"/>
+          </a:fillRef>
+          <a:effectRef idx="0">
+            <a:schemeClr val="accent1"/>
+          </a:effectRef>
+          <a:fontRef idx="minor">
+            <a:schemeClr val="tx1"/>
+          </a:fontRef>
+        </p:style>
+      </p:cxnSp>
+      <p:cxnSp>
+        <p:nvCxnSpPr>
+          <p:cNvPr id="64" name="Straight Connector 63">
+            <a:extLst>
+              <a:ext uri="{FF2B5EF4-FFF2-40B4-BE49-F238E27FC236}">
+                <a16:creationId xmlns:a16="http://schemas.microsoft.com/office/drawing/2014/main" id="{3BDADCEE-4407-4364-B613-6D0D45453CB7}"/>
+              </a:ext>
+            </a:extLst>
+          </p:cNvPr>
+          <p:cNvCxnSpPr>
+            <a:cxnSpLocks/>
+          </p:cNvCxnSpPr>
+          <p:nvPr/>
+        </p:nvCxnSpPr>
+        <p:spPr>
+          <a:xfrm>
+            <a:off x="373606" y="5047873"/>
+            <a:ext cx="1590634" cy="0"/>
+          </a:xfrm>
+          <a:prstGeom prst="line">
+            <a:avLst/>
+          </a:prstGeom>
+          <a:ln w="101600">
+            <a:solidFill>
+              <a:srgbClr val="A6A1A1"/>
+            </a:solidFill>
+          </a:ln>
+        </p:spPr>
+        <p:style>
+          <a:lnRef idx="1">
+            <a:schemeClr val="accent1"/>
+          </a:lnRef>
+          <a:fillRef idx="0">
+            <a:schemeClr val="accent1"/>
+          </a:fillRef>
+          <a:effectRef idx="0">
+            <a:schemeClr val="accent1"/>
+          </a:effectRef>
+          <a:fontRef idx="minor">
+            <a:schemeClr val="tx1"/>
+          </a:fontRef>
+        </p:style>
+      </p:cxnSp>
+      <p:cxnSp>
+        <p:nvCxnSpPr>
+          <p:cNvPr id="65" name="Straight Connector 64">
+            <a:extLst>
+              <a:ext uri="{FF2B5EF4-FFF2-40B4-BE49-F238E27FC236}">
+                <a16:creationId xmlns:a16="http://schemas.microsoft.com/office/drawing/2014/main" id="{DFF830B1-81C0-4325-8FC2-FD52D52FBC55}"/>
+              </a:ext>
+            </a:extLst>
+          </p:cNvPr>
+          <p:cNvCxnSpPr>
+            <a:cxnSpLocks/>
+          </p:cNvCxnSpPr>
+          <p:nvPr/>
+        </p:nvCxnSpPr>
+        <p:spPr>
+          <a:xfrm>
+            <a:off x="373606" y="7306064"/>
+            <a:ext cx="1590634" cy="0"/>
+          </a:xfrm>
+          <a:prstGeom prst="line">
+            <a:avLst/>
+          </a:prstGeom>
+          <a:ln w="101600">
+            <a:solidFill>
+              <a:schemeClr val="bg1">
+                <a:lumMod val="65000"/>
+              </a:schemeClr>
+            </a:solidFill>
+          </a:ln>
+        </p:spPr>
+        <p:style>
+          <a:lnRef idx="1">
+            <a:schemeClr val="accent1"/>
+          </a:lnRef>
+          <a:fillRef idx="0">
+            <a:schemeClr val="accent1"/>
+          </a:fillRef>
+          <a:effectRef idx="0">
+            <a:schemeClr val="accent1"/>
+          </a:effectRef>
+          <a:fontRef idx="minor">
+            <a:schemeClr val="tx1"/>
+          </a:fontRef>
+        </p:style>
+      </p:cxnSp>
+      <p:cxnSp>
+        <p:nvCxnSpPr>
+          <p:cNvPr id="37" name="Straight Connector 36">
+            <a:extLst>
+              <a:ext uri="{FF2B5EF4-FFF2-40B4-BE49-F238E27FC236}">
+                <a16:creationId xmlns:a16="http://schemas.microsoft.com/office/drawing/2014/main" id="{AD695731-30B6-474A-893D-D960E2F39AF9}"/>
+              </a:ext>
+            </a:extLst>
+          </p:cNvPr>
+          <p:cNvCxnSpPr>
+            <a:cxnSpLocks/>
+          </p:cNvCxnSpPr>
+          <p:nvPr/>
+        </p:nvCxnSpPr>
+        <p:spPr>
+          <a:xfrm flipV="1">
+            <a:off x="2010803" y="1087104"/>
+            <a:ext cx="0" cy="5770896"/>
+          </a:xfrm>
+          <a:prstGeom prst="line">
+            <a:avLst/>
+          </a:prstGeom>
+          <a:ln w="101600">
+            <a:solidFill>
+              <a:schemeClr val="bg1"/>
+            </a:solidFill>
+          </a:ln>
+        </p:spPr>
+        <p:style>
+          <a:lnRef idx="1">
+            <a:schemeClr val="accent1"/>
+          </a:lnRef>
+          <a:fillRef idx="0">
+            <a:schemeClr val="accent1"/>
+          </a:fillRef>
+          <a:effectRef idx="0">
+            <a:schemeClr val="accent1"/>
+          </a:effectRef>
+          <a:fontRef idx="minor">
+            <a:schemeClr val="tx1"/>
+          </a:fontRef>
+        </p:style>
+      </p:cxnSp>
+      <p:pic>
+        <p:nvPicPr>
+          <p:cNvPr id="3" name="Picture 2">
+            <a:extLst>
+              <a:ext uri="{FF2B5EF4-FFF2-40B4-BE49-F238E27FC236}">
+                <a16:creationId xmlns:a16="http://schemas.microsoft.com/office/drawing/2014/main" id="{BA8ADC2B-0032-4D1B-8EB6-7CD5A4A6467E}"/>
+              </a:ext>
+            </a:extLst>
+          </p:cNvPr>
+          <p:cNvPicPr>
+            <a:picLocks noChangeAspect="1"/>
+          </p:cNvPicPr>
+          <p:nvPr/>
+        </p:nvPicPr>
+        <p:blipFill>
+          <a:blip r:embed="rId7"/>
+          <a:stretch>
+            <a:fillRect/>
+          </a:stretch>
+        </p:blipFill>
+        <p:spPr>
+          <a:xfrm>
+            <a:off x="2700075" y="4126918"/>
+            <a:ext cx="4674502" cy="1046744"/>
+          </a:xfrm>
+          <a:prstGeom prst="rect">
+            <a:avLst/>
+          </a:prstGeom>
+          <a:ln w="38100">
+            <a:solidFill>
+              <a:srgbClr val="A6A1A1"/>
+            </a:solidFill>
+          </a:ln>
+        </p:spPr>
+      </p:pic>
+    </p:spTree>
+    <p:extLst>
+      <p:ext uri="{BB962C8B-B14F-4D97-AF65-F5344CB8AC3E}">
+        <p14:creationId xmlns:p14="http://schemas.microsoft.com/office/powerpoint/2010/main" val="4197822736"/>
+      </p:ext>
+    </p:extLst>
+  </p:cSld>
+  <p:clrMapOvr>
+    <a:masterClrMapping/>
+  </p:clrMapOvr>
+</p:sld>
+</file>
+
+<file path=ppt/slides/slide17.xml><?xml version="1.0" encoding="utf-8"?>
 <p:sld xmlns:a="http://schemas.openxmlformats.org/drawingml/2006/main" xmlns:r="http://schemas.openxmlformats.org/officeDocument/2006/relationships" xmlns:p="http://schemas.openxmlformats.org/presentationml/2006/main">
   <p:cSld>
     <p:bg>
@@ -18651,8 +21518,8 @@
           </a:fontRef>
         </p:style>
       </p:cxnSp>
-      <mc:AlternateContent xmlns:mc="http://schemas.openxmlformats.org/markup-compatibility/2006">
-        <mc:Choice xmlns:a14="http://schemas.microsoft.com/office/drawing/2010/main" Requires="a14">
+      <mc:AlternateContent xmlns:mc="http://schemas.openxmlformats.org/markup-compatibility/2006" xmlns:a14="http://schemas.microsoft.com/office/drawing/2010/main">
+        <mc:Choice Requires="a14">
           <p:sp>
             <p:nvSpPr>
               <p:cNvPr id="25" name="TextBox 24">
@@ -18853,7 +21720,7 @@
             </p:txBody>
           </p:sp>
         </mc:Choice>
-        <mc:Fallback>
+        <mc:Fallback xmlns="">
           <p:sp>
             <p:nvSpPr>
               <p:cNvPr id="25" name="TextBox 24">

--- a/Slides/Basketball 2/Basketball_2_Lecture.pptx
+++ b/Slides/Basketball 2/Basketball_2_Lecture.pptx
@@ -225,7 +225,7 @@
           <a:p>
             <a:fld id="{C04E5E84-956F-4423-97B3-5936A6D8EEEE}" type="datetimeFigureOut">
               <a:rPr lang="en-US" smtClean="0"/>
-              <a:t>9/24/2019</a:t>
+              <a:t>9/27/2019</a:t>
             </a:fld>
             <a:endParaRPr lang="en-US"/>
           </a:p>
@@ -1778,7 +1778,7 @@
           <a:p>
             <a:fld id="{3881C039-66A3-4640-815B-3B5A8B7D868D}" type="datetimeFigureOut">
               <a:rPr lang="en-US" smtClean="0"/>
-              <a:t>9/24/2019</a:t>
+              <a:t>9/27/2019</a:t>
             </a:fld>
             <a:endParaRPr lang="en-US"/>
           </a:p>
@@ -1948,7 +1948,7 @@
           <a:p>
             <a:fld id="{3881C039-66A3-4640-815B-3B5A8B7D868D}" type="datetimeFigureOut">
               <a:rPr lang="en-US" smtClean="0"/>
-              <a:t>9/24/2019</a:t>
+              <a:t>9/27/2019</a:t>
             </a:fld>
             <a:endParaRPr lang="en-US"/>
           </a:p>
@@ -2169,7 +2169,7 @@
           <a:p>
             <a:fld id="{3881C039-66A3-4640-815B-3B5A8B7D868D}" type="datetimeFigureOut">
               <a:rPr lang="en-US" smtClean="0"/>
-              <a:t>9/24/2019</a:t>
+              <a:t>9/27/2019</a:t>
             </a:fld>
             <a:endParaRPr lang="en-US"/>
           </a:p>
@@ -2380,7 +2380,7 @@
           <a:p>
             <a:fld id="{3881C039-66A3-4640-815B-3B5A8B7D868D}" type="datetimeFigureOut">
               <a:rPr lang="en-US" smtClean="0"/>
-              <a:t>9/24/2019</a:t>
+              <a:t>9/27/2019</a:t>
             </a:fld>
             <a:endParaRPr lang="en-US"/>
           </a:p>
@@ -2675,7 +2675,7 @@
           <a:p>
             <a:fld id="{3881C039-66A3-4640-815B-3B5A8B7D868D}" type="datetimeFigureOut">
               <a:rPr lang="en-US" smtClean="0"/>
-              <a:t>9/24/2019</a:t>
+              <a:t>9/27/2019</a:t>
             </a:fld>
             <a:endParaRPr lang="en-US"/>
           </a:p>
@@ -3004,7 +3004,7 @@
           <a:p>
             <a:fld id="{3881C039-66A3-4640-815B-3B5A8B7D868D}" type="datetimeFigureOut">
               <a:rPr lang="en-US" smtClean="0"/>
-              <a:t>9/24/2019</a:t>
+              <a:t>9/27/2019</a:t>
             </a:fld>
             <a:endParaRPr lang="en-US"/>
           </a:p>
@@ -3496,7 +3496,7 @@
           <a:p>
             <a:fld id="{3881C039-66A3-4640-815B-3B5A8B7D868D}" type="datetimeFigureOut">
               <a:rPr lang="en-US" smtClean="0"/>
-              <a:t>9/24/2019</a:t>
+              <a:t>9/27/2019</a:t>
             </a:fld>
             <a:endParaRPr lang="en-US"/>
           </a:p>
@@ -3655,7 +3655,7 @@
           <a:p>
             <a:fld id="{3881C039-66A3-4640-815B-3B5A8B7D868D}" type="datetimeFigureOut">
               <a:rPr lang="en-US" smtClean="0"/>
-              <a:t>9/24/2019</a:t>
+              <a:t>9/27/2019</a:t>
             </a:fld>
             <a:endParaRPr lang="en-US"/>
           </a:p>
@@ -3791,7 +3791,7 @@
           <a:p>
             <a:fld id="{3881C039-66A3-4640-815B-3B5A8B7D868D}" type="datetimeFigureOut">
               <a:rPr lang="en-US" smtClean="0"/>
-              <a:t>9/24/2019</a:t>
+              <a:t>9/27/2019</a:t>
             </a:fld>
             <a:endParaRPr lang="en-US"/>
           </a:p>
@@ -4119,7 +4119,7 @@
           <a:p>
             <a:fld id="{3881C039-66A3-4640-815B-3B5A8B7D868D}" type="datetimeFigureOut">
               <a:rPr lang="en-US" smtClean="0"/>
-              <a:t>9/24/2019</a:t>
+              <a:t>9/27/2019</a:t>
             </a:fld>
             <a:endParaRPr lang="en-US"/>
           </a:p>
@@ -4434,7 +4434,7 @@
           <a:p>
             <a:fld id="{3881C039-66A3-4640-815B-3B5A8B7D868D}" type="datetimeFigureOut">
               <a:rPr lang="en-US" smtClean="0"/>
-              <a:t>9/24/2019</a:t>
+              <a:t>9/27/2019</a:t>
             </a:fld>
             <a:endParaRPr lang="en-US"/>
           </a:p>
@@ -4686,7 +4686,7 @@
           <a:p>
             <a:fld id="{3881C039-66A3-4640-815B-3B5A8B7D868D}" type="datetimeFigureOut">
               <a:rPr lang="en-US" smtClean="0"/>
-              <a:t>9/24/2019</a:t>
+              <a:t>9/27/2019</a:t>
             </a:fld>
             <a:endParaRPr lang="en-US"/>
           </a:p>
@@ -6470,8 +6470,8 @@
           </p:sp>
         </mc:Fallback>
       </mc:AlternateContent>
-      <mc:AlternateContent xmlns:mc="http://schemas.openxmlformats.org/markup-compatibility/2006" xmlns:a14="http://schemas.microsoft.com/office/drawing/2010/main">
-        <mc:Choice Requires="a14">
+      <mc:AlternateContent xmlns:mc="http://schemas.openxmlformats.org/markup-compatibility/2006">
+        <mc:Choice xmlns:a14="http://schemas.microsoft.com/office/drawing/2010/main" Requires="a14">
           <p:sp>
             <p:nvSpPr>
               <p:cNvPr id="25" name="TextBox 24">
@@ -6535,6 +6535,15 @@
                               </a:solidFill>
                               <a:latin typeface="Cambria Math" panose="02040503050406030204" pitchFamily="18" charset="0"/>
                             </a:rPr>
+                            <m:t>−</m:t>
+                          </m:r>
+                          <m:r>
+                            <a:rPr lang="en-US" sz="2000" b="0" i="1" smtClean="0">
+                              <a:solidFill>
+                                <a:schemeClr val="bg1"/>
+                              </a:solidFill>
+                              <a:latin typeface="Cambria Math" panose="02040503050406030204" pitchFamily="18" charset="0"/>
+                            </a:rPr>
                             <m:t>10.12711</m:t>
                           </m:r>
                         </m:e>
@@ -6556,7 +6565,7 @@
             </p:txBody>
           </p:sp>
         </mc:Choice>
-        <mc:Fallback xmlns="">
+        <mc:Fallback>
           <p:sp>
             <p:nvSpPr>
               <p:cNvPr id="25" name="TextBox 24">
@@ -6615,7 +6624,7 @@
         </p:nvSpPr>
         <p:spPr>
           <a:xfrm>
-            <a:off x="5876149" y="5632982"/>
+            <a:off x="6084581" y="5632982"/>
             <a:ext cx="1143460" cy="715767"/>
           </a:xfrm>
           <a:prstGeom prst="ellipse">
@@ -6649,7 +6658,7 @@
           <a:lstStyle/>
           <a:p>
             <a:pPr algn="ctr"/>
-            <a:endParaRPr lang="en-US"/>
+            <a:endParaRPr lang="en-US" dirty="0"/>
           </a:p>
         </p:txBody>
       </p:sp>
@@ -6664,13 +6673,14 @@
           </p:cNvPr>
           <p:cNvCxnSpPr>
             <a:cxnSpLocks/>
+            <a:stCxn id="3" idx="6"/>
           </p:cNvCxnSpPr>
           <p:nvPr/>
         </p:nvCxnSpPr>
         <p:spPr>
-          <a:xfrm flipV="1">
-            <a:off x="7019609" y="5990866"/>
-            <a:ext cx="1164820" cy="1"/>
+          <a:xfrm>
+            <a:off x="7228041" y="5990866"/>
+            <a:ext cx="956388" cy="1"/>
           </a:xfrm>
           <a:prstGeom prst="straightConnector1">
             <a:avLst/>
